--- a/shinziko.pptx
+++ b/shinziko.pptx
@@ -5,12 +5,13 @@
     <p:sldMasterId id="2147483648" r:id="rId1"/>
   </p:sldMasterIdLst>
   <p:notesMasterIdLst>
-    <p:notesMasterId r:id="rId5"/>
+    <p:notesMasterId r:id="rId6"/>
   </p:notesMasterIdLst>
   <p:sldIdLst>
     <p:sldId id="256" r:id="rId2"/>
     <p:sldId id="257" r:id="rId3"/>
     <p:sldId id="258" r:id="rId4"/>
+    <p:sldId id="259" r:id="rId5"/>
   </p:sldIdLst>
   <p:sldSz cx="9906000" cy="6858000" type="A4"/>
   <p:notesSz cx="6858000" cy="9144000"/>
@@ -989,7 +990,6 @@
               <a:rPr lang="ja-JP" altLang="en-US" noProof="0" smtClean="0"/>
               <a:t>マスター タイトルの書式設定</a:t>
             </a:r>
-            <a:endParaRPr lang="ja-JP" altLang="en-US" noProof="0" smtClean="0"/>
           </a:p>
         </p:txBody>
       </p:sp>
@@ -1024,7 +1024,6 @@
               <a:rPr lang="ja-JP" altLang="en-US" noProof="0" smtClean="0"/>
               <a:t>マスター サブタイトルの書式設定</a:t>
             </a:r>
-            <a:endParaRPr lang="ja-JP" altLang="en-US" noProof="0" smtClean="0"/>
           </a:p>
         </p:txBody>
       </p:sp>
@@ -5083,13 +5082,34 @@
           <a:lstStyle/>
           <a:p>
             <a:r>
-              <a:rPr lang="ja-JP" altLang="en-US" dirty="0" smtClean="0"/>
-              <a:t>目的　：　宝を集めてゴールを目指す</a:t>
-            </a:r>
-            <a:endParaRPr lang="en-US" altLang="ja-JP" dirty="0" smtClean="0"/>
-          </a:p>
-          <a:p>
-            <a:endParaRPr lang="en-US" altLang="ja-JP" dirty="0" smtClean="0"/>
+              <a:rPr lang="ja-JP" altLang="en-US" sz="3600" dirty="0" smtClean="0"/>
+              <a:t>目的　：　宝を集めてゴールを</a:t>
+            </a:r>
+            <a:r>
+              <a:rPr lang="ja-JP" altLang="en-US" sz="3600" dirty="0" smtClean="0"/>
+              <a:t>目指す</a:t>
+            </a:r>
+            <a:endParaRPr lang="en-US" altLang="ja-JP" sz="3600" dirty="0" smtClean="0"/>
+          </a:p>
+          <a:p>
+            <a:endParaRPr lang="en-US" altLang="ja-JP" sz="3600" dirty="0"/>
+          </a:p>
+          <a:p>
+            <a:r>
+              <a:rPr lang="ja-JP" altLang="en-US" sz="3600" dirty="0" smtClean="0"/>
+              <a:t>サメにあたるか、ライフがなくなるとゲームオーバー</a:t>
+            </a:r>
+            <a:endParaRPr lang="en-US" altLang="ja-JP" sz="3600" dirty="0" smtClean="0"/>
+          </a:p>
+          <a:p>
+            <a:endParaRPr lang="en-US" altLang="ja-JP" sz="3600" dirty="0"/>
+          </a:p>
+          <a:p>
+            <a:r>
+              <a:rPr lang="ja-JP" altLang="en-US" sz="3600" dirty="0" smtClean="0"/>
+              <a:t>スコアを競う</a:t>
+            </a:r>
+            <a:endParaRPr lang="en-US" altLang="ja-JP" sz="3600" dirty="0" smtClean="0"/>
           </a:p>
         </p:txBody>
       </p:sp>
@@ -5140,26 +5160,11 @@
           <a:bodyPr/>
           <a:lstStyle/>
           <a:p>
+            <a:r>
+              <a:rPr kumimoji="1" lang="ja-JP" altLang="en-US" dirty="0" smtClean="0"/>
+              <a:t>プレイヤー</a:t>
+            </a:r>
             <a:endParaRPr kumimoji="1" lang="ja-JP" altLang="en-US" dirty="0"/>
-          </a:p>
-        </p:txBody>
-      </p:sp>
-      <p:sp>
-        <p:nvSpPr>
-          <p:cNvPr id="3" name="コンテンツ プレースホルダー 2"/>
-          <p:cNvSpPr>
-            <a:spLocks noGrp="1"/>
-          </p:cNvSpPr>
-          <p:nvPr>
-            <p:ph idx="1"/>
-          </p:nvPr>
-        </p:nvSpPr>
-        <p:spPr/>
-        <p:txBody>
-          <a:bodyPr/>
-          <a:lstStyle/>
-          <a:p>
-            <a:endParaRPr kumimoji="1" lang="ja-JP" altLang="en-US"/>
           </a:p>
         </p:txBody>
       </p:sp>
@@ -5187,6 +5192,99 @@
           </a:p>
         </p:txBody>
       </p:sp>
+      <p:sp>
+        <p:nvSpPr>
+          <p:cNvPr id="6" name="コンテンツ プレースホルダー 5"/>
+          <p:cNvSpPr>
+            <a:spLocks noGrp="1"/>
+          </p:cNvSpPr>
+          <p:nvPr>
+            <p:ph idx="1"/>
+          </p:nvPr>
+        </p:nvSpPr>
+        <p:spPr/>
+        <p:txBody>
+          <a:bodyPr/>
+          <a:lstStyle/>
+          <a:p>
+            <a:r>
+              <a:rPr kumimoji="1" lang="ja-JP" altLang="en-US" dirty="0" smtClean="0"/>
+              <a:t>操作キャラ</a:t>
+            </a:r>
+            <a:endParaRPr kumimoji="1" lang="en-US" altLang="ja-JP" dirty="0" smtClean="0"/>
+          </a:p>
+          <a:p>
+            <a:r>
+              <a:rPr kumimoji="1" lang="ja-JP" altLang="en-US" dirty="0" smtClean="0"/>
+              <a:t>上下左右斜めに動ける</a:t>
+            </a:r>
+            <a:endParaRPr kumimoji="1" lang="ja-JP" altLang="en-US" dirty="0"/>
+          </a:p>
+        </p:txBody>
+      </p:sp>
+      <p:pic>
+        <p:nvPicPr>
+          <p:cNvPr id="7" name="コンテンツ プレースホルダー 4"/>
+          <p:cNvPicPr>
+            <a:picLocks noChangeAspect="1"/>
+          </p:cNvPicPr>
+          <p:nvPr/>
+        </p:nvPicPr>
+        <p:blipFill>
+          <a:blip r:embed="rId2">
+            <a:extLst>
+              <a:ext uri="{28A0092B-C50C-407E-A947-70E740481C1C}">
+                <a14:useLocalDpi xmlns:a14="http://schemas.microsoft.com/office/drawing/2010/main" val="0"/>
+              </a:ext>
+            </a:extLst>
+          </a:blip>
+          <a:stretch>
+            <a:fillRect/>
+          </a:stretch>
+        </p:blipFill>
+        <p:spPr bwMode="auto">
+          <a:xfrm>
+            <a:off x="4951958" y="3903263"/>
+            <a:ext cx="4465092" cy="2232546"/>
+          </a:xfrm>
+          <a:prstGeom prst="rect">
+            <a:avLst/>
+          </a:prstGeom>
+          <a:noFill/>
+          <a:ln>
+            <a:noFill/>
+          </a:ln>
+          <a:effectLst/>
+          <a:extLst>
+            <a:ext uri="{909E8E84-426E-40DD-AFC4-6F175D3DCCD1}">
+              <a14:hiddenFill xmlns:a14="http://schemas.microsoft.com/office/drawing/2010/main">
+                <a:solidFill>
+                  <a:schemeClr val="accent1"/>
+                </a:solidFill>
+              </a14:hiddenFill>
+            </a:ext>
+            <a:ext uri="{91240B29-F687-4F45-9708-019B960494DF}">
+              <a14:hiddenLine xmlns:a14="http://schemas.microsoft.com/office/drawing/2010/main" w="9525">
+                <a:solidFill>
+                  <a:schemeClr val="tx1"/>
+                </a:solidFill>
+                <a:miter lim="800000"/>
+                <a:headEnd/>
+                <a:tailEnd/>
+              </a14:hiddenLine>
+            </a:ext>
+            <a:ext uri="{AF507438-7753-43E0-B8FC-AC1667EBCBE1}">
+              <a14:hiddenEffects xmlns:a14="http://schemas.microsoft.com/office/drawing/2010/main">
+                <a:effectLst>
+                  <a:outerShdw dist="35921" dir="2700000" algn="ctr" rotWithShape="0">
+                    <a:schemeClr val="bg2"/>
+                  </a:outerShdw>
+                </a:effectLst>
+              </a14:hiddenEffects>
+            </a:ext>
+          </a:extLst>
+        </p:spPr>
+      </p:pic>
     </p:spTree>
     <p:extLst>
       <p:ext uri="{BB962C8B-B14F-4D97-AF65-F5344CB8AC3E}">
@@ -5204,6 +5302,179 @@
       </p:par>
     </p:tnLst>
   </p:timing>
+</p:sld>
+</file>
+
+<file path=ppt/slides/slide4.xml><?xml version="1.0" encoding="utf-8"?>
+<p:sld xmlns:a="http://schemas.openxmlformats.org/drawingml/2006/main" xmlns:r="http://schemas.openxmlformats.org/officeDocument/2006/relationships" xmlns:p="http://schemas.openxmlformats.org/presentationml/2006/main">
+  <p:cSld>
+    <p:spTree>
+      <p:nvGrpSpPr>
+        <p:cNvPr id="1" name=""/>
+        <p:cNvGrpSpPr/>
+        <p:nvPr/>
+      </p:nvGrpSpPr>
+      <p:grpSpPr>
+        <a:xfrm>
+          <a:off x="0" y="0"/>
+          <a:ext cx="0" cy="0"/>
+          <a:chOff x="0" y="0"/>
+          <a:chExt cx="0" cy="0"/>
+        </a:xfrm>
+      </p:grpSpPr>
+      <p:sp>
+        <p:nvSpPr>
+          <p:cNvPr id="2" name="タイトル 1"/>
+          <p:cNvSpPr>
+            <a:spLocks noGrp="1"/>
+          </p:cNvSpPr>
+          <p:nvPr>
+            <p:ph type="title"/>
+          </p:nvPr>
+        </p:nvSpPr>
+        <p:spPr/>
+        <p:txBody>
+          <a:bodyPr/>
+          <a:lstStyle/>
+          <a:p>
+            <a:r>
+              <a:rPr kumimoji="1" lang="ja-JP" altLang="en-US" dirty="0" smtClean="0"/>
+              <a:t>サメ</a:t>
+            </a:r>
+            <a:endParaRPr kumimoji="1" lang="ja-JP" altLang="en-US" dirty="0"/>
+          </a:p>
+        </p:txBody>
+      </p:sp>
+      <p:sp>
+        <p:nvSpPr>
+          <p:cNvPr id="4" name="スライド番号プレースホルダー 3"/>
+          <p:cNvSpPr>
+            <a:spLocks noGrp="1"/>
+          </p:cNvSpPr>
+          <p:nvPr>
+            <p:ph type="sldNum" sz="quarter" idx="12"/>
+          </p:nvPr>
+        </p:nvSpPr>
+        <p:spPr/>
+        <p:txBody>
+          <a:bodyPr/>
+          <a:lstStyle/>
+          <a:p>
+            <a:fld id="{FA01AF0C-45ED-4F62-92C7-A07C97864F1B}" type="slidenum">
+              <a:rPr lang="en-US" altLang="ja-JP" smtClean="0"/>
+              <a:pPr/>
+              <a:t>3</a:t>
+            </a:fld>
+            <a:endParaRPr lang="en-US" altLang="ja-JP"/>
+          </a:p>
+        </p:txBody>
+      </p:sp>
+      <p:sp>
+        <p:nvSpPr>
+          <p:cNvPr id="6" name="コンテンツ プレースホルダー 5"/>
+          <p:cNvSpPr>
+            <a:spLocks noGrp="1"/>
+          </p:cNvSpPr>
+          <p:nvPr>
+            <p:ph idx="1"/>
+          </p:nvPr>
+        </p:nvSpPr>
+        <p:spPr/>
+        <p:txBody>
+          <a:bodyPr/>
+          <a:lstStyle/>
+          <a:p>
+            <a:r>
+              <a:rPr kumimoji="1" lang="ja-JP" altLang="en-US" dirty="0" smtClean="0"/>
+              <a:t>プレイヤーが当たるとゲームオーバー</a:t>
+            </a:r>
+            <a:endParaRPr kumimoji="1" lang="en-US" altLang="ja-JP" dirty="0" smtClean="0"/>
+          </a:p>
+          <a:p>
+            <a:r>
+              <a:rPr kumimoji="1" lang="ja-JP" altLang="en-US" dirty="0" smtClean="0"/>
+              <a:t>通常は左右に動くがサメの視界に入ると向かってくる</a:t>
+            </a:r>
+            <a:endParaRPr kumimoji="1" lang="en-US" altLang="ja-JP" dirty="0" smtClean="0"/>
+          </a:p>
+          <a:p>
+            <a:endParaRPr kumimoji="1" lang="ja-JP" altLang="en-US" dirty="0"/>
+          </a:p>
+        </p:txBody>
+      </p:sp>
+      <p:pic>
+        <p:nvPicPr>
+          <p:cNvPr id="7" name="コンテンツ プレースホルダー 4"/>
+          <p:cNvPicPr>
+            <a:picLocks noChangeAspect="1"/>
+          </p:cNvPicPr>
+          <p:nvPr/>
+        </p:nvPicPr>
+        <p:blipFill>
+          <a:blip r:embed="rId2">
+            <a:extLst>
+              <a:ext uri="{28A0092B-C50C-407E-A947-70E740481C1C}">
+                <a14:useLocalDpi xmlns:a14="http://schemas.microsoft.com/office/drawing/2010/main" val="0"/>
+              </a:ext>
+            </a:extLst>
+          </a:blip>
+          <a:stretch>
+            <a:fillRect/>
+          </a:stretch>
+        </p:blipFill>
+        <p:spPr bwMode="auto">
+          <a:xfrm>
+            <a:off x="1023386" y="4342156"/>
+            <a:ext cx="3600400" cy="1800200"/>
+          </a:xfrm>
+          <a:prstGeom prst="rect">
+            <a:avLst/>
+          </a:prstGeom>
+          <a:noFill/>
+          <a:ln>
+            <a:noFill/>
+          </a:ln>
+          <a:effectLst/>
+          <a:extLst>
+            <a:ext uri="{909E8E84-426E-40DD-AFC4-6F175D3DCCD1}">
+              <a14:hiddenFill xmlns:a14="http://schemas.microsoft.com/office/drawing/2010/main">
+                <a:solidFill>
+                  <a:schemeClr val="accent1"/>
+                </a:solidFill>
+              </a14:hiddenFill>
+            </a:ext>
+            <a:ext uri="{91240B29-F687-4F45-9708-019B960494DF}">
+              <a14:hiddenLine xmlns:a14="http://schemas.microsoft.com/office/drawing/2010/main" w="9525">
+                <a:solidFill>
+                  <a:schemeClr val="tx1"/>
+                </a:solidFill>
+                <a:miter lim="800000"/>
+                <a:headEnd/>
+                <a:tailEnd/>
+              </a14:hiddenLine>
+            </a:ext>
+            <a:ext uri="{AF507438-7753-43E0-B8FC-AC1667EBCBE1}">
+              <a14:hiddenEffects xmlns:a14="http://schemas.microsoft.com/office/drawing/2010/main">
+                <a:effectLst>
+                  <a:outerShdw dist="35921" dir="2700000" algn="ctr" rotWithShape="0">
+                    <a:schemeClr val="bg2"/>
+                  </a:outerShdw>
+                </a:effectLst>
+              </a14:hiddenEffects>
+            </a:ext>
+          </a:extLst>
+        </p:spPr>
+      </p:pic>
+    </p:spTree>
+    <p:extLst>
+      <p:ext uri="{BB962C8B-B14F-4D97-AF65-F5344CB8AC3E}">
+        <p14:creationId xmlns:p14="http://schemas.microsoft.com/office/powerpoint/2010/main" val="935069528"/>
+      </p:ext>
+    </p:extLst>
+  </p:cSld>
+  <p:clrMapOvr>
+    <a:masterClrMapping/>
+  </p:clrMapOvr>
 </p:sld>
 </file>
 

--- a/shinziko.pptx
+++ b/shinziko.pptx
@@ -5,13 +5,17 @@
     <p:sldMasterId id="2147483648" r:id="rId1"/>
   </p:sldMasterIdLst>
   <p:notesMasterIdLst>
-    <p:notesMasterId r:id="rId6"/>
+    <p:notesMasterId r:id="rId10"/>
   </p:notesMasterIdLst>
   <p:sldIdLst>
     <p:sldId id="256" r:id="rId2"/>
     <p:sldId id="257" r:id="rId3"/>
     <p:sldId id="258" r:id="rId4"/>
     <p:sldId id="259" r:id="rId5"/>
+    <p:sldId id="262" r:id="rId6"/>
+    <p:sldId id="263" r:id="rId7"/>
+    <p:sldId id="260" r:id="rId8"/>
+    <p:sldId id="261" r:id="rId9"/>
   </p:sldIdLst>
   <p:sldSz cx="9906000" cy="6858000" type="A4"/>
   <p:notesSz cx="6858000" cy="9144000"/>
@@ -5083,11 +5087,7 @@
           <a:p>
             <a:r>
               <a:rPr lang="ja-JP" altLang="en-US" sz="3600" dirty="0" smtClean="0"/>
-              <a:t>目的　：　宝を集めてゴールを</a:t>
-            </a:r>
-            <a:r>
-              <a:rPr lang="ja-JP" altLang="en-US" sz="3600" dirty="0" smtClean="0"/>
-              <a:t>目指す</a:t>
+              <a:t>目的　：　宝を集めてゴールを目指す</a:t>
             </a:r>
             <a:endParaRPr lang="en-US" altLang="ja-JP" sz="3600" dirty="0" smtClean="0"/>
           </a:p>
@@ -5385,20 +5385,31 @@
           <a:lstStyle/>
           <a:p>
             <a:r>
-              <a:rPr kumimoji="1" lang="ja-JP" altLang="en-US" dirty="0" smtClean="0"/>
+              <a:rPr kumimoji="1" lang="ja-JP" altLang="en-US" sz="3600" dirty="0" smtClean="0"/>
               <a:t>プレイヤーが当たるとゲームオーバー</a:t>
             </a:r>
-            <a:endParaRPr kumimoji="1" lang="en-US" altLang="ja-JP" dirty="0" smtClean="0"/>
-          </a:p>
-          <a:p>
-            <a:r>
-              <a:rPr kumimoji="1" lang="ja-JP" altLang="en-US" dirty="0" smtClean="0"/>
-              <a:t>通常は左右に動くがサメの視界に入ると向かってくる</a:t>
-            </a:r>
-            <a:endParaRPr kumimoji="1" lang="en-US" altLang="ja-JP" dirty="0" smtClean="0"/>
-          </a:p>
-          <a:p>
-            <a:endParaRPr kumimoji="1" lang="ja-JP" altLang="en-US" dirty="0"/>
+            <a:endParaRPr kumimoji="1" lang="en-US" altLang="ja-JP" sz="3600" dirty="0" smtClean="0"/>
+          </a:p>
+          <a:p>
+            <a:r>
+              <a:rPr kumimoji="1" lang="ja-JP" altLang="en-US" sz="3600" dirty="0" smtClean="0"/>
+              <a:t>通常は左右に動くがサメの視界に入ると向かって</a:t>
+            </a:r>
+            <a:r>
+              <a:rPr kumimoji="1" lang="ja-JP" altLang="en-US" sz="3600" dirty="0" smtClean="0"/>
+              <a:t>くる</a:t>
+            </a:r>
+            <a:endParaRPr kumimoji="1" lang="en-US" altLang="ja-JP" sz="3600" dirty="0" smtClean="0"/>
+          </a:p>
+          <a:p>
+            <a:r>
+              <a:rPr kumimoji="1" lang="ja-JP" altLang="en-US" sz="3600" dirty="0" smtClean="0"/>
+              <a:t>移動速度はプレイヤーと同じ</a:t>
+            </a:r>
+            <a:endParaRPr kumimoji="1" lang="en-US" altLang="ja-JP" sz="3600" dirty="0" smtClean="0"/>
+          </a:p>
+          <a:p>
+            <a:endParaRPr kumimoji="1" lang="ja-JP" altLang="en-US" sz="3600" dirty="0"/>
           </a:p>
         </p:txBody>
       </p:sp>
@@ -5424,8 +5435,176 @@
         </p:blipFill>
         <p:spPr bwMode="auto">
           <a:xfrm>
-            <a:off x="1023386" y="4342156"/>
+            <a:off x="1062090" y="4354538"/>
             <a:ext cx="3600400" cy="1800200"/>
+          </a:xfrm>
+          <a:prstGeom prst="rect">
+            <a:avLst/>
+          </a:prstGeom>
+          <a:noFill/>
+          <a:ln w="9525">
+            <a:solidFill>
+              <a:schemeClr val="tx1"/>
+            </a:solidFill>
+            <a:miter lim="800000"/>
+            <a:headEnd/>
+            <a:tailEnd/>
+          </a:ln>
+          <a:effectLst/>
+          <a:extLst>
+            <a:ext uri="{909E8E84-426E-40DD-AFC4-6F175D3DCCD1}">
+              <a14:hiddenFill xmlns:a14="http://schemas.microsoft.com/office/drawing/2010/main">
+                <a:solidFill>
+                  <a:schemeClr val="accent1"/>
+                </a:solidFill>
+              </a14:hiddenFill>
+            </a:ext>
+            <a:ext uri="{AF507438-7753-43E0-B8FC-AC1667EBCBE1}">
+              <a14:hiddenEffects xmlns:a14="http://schemas.microsoft.com/office/drawing/2010/main">
+                <a:effectLst>
+                  <a:outerShdw dist="35921" dir="2700000" algn="ctr" rotWithShape="0">
+                    <a:schemeClr val="bg2"/>
+                  </a:outerShdw>
+                </a:effectLst>
+              </a14:hiddenEffects>
+            </a:ext>
+          </a:extLst>
+        </p:spPr>
+      </p:pic>
+    </p:spTree>
+    <p:extLst>
+      <p:ext uri="{BB962C8B-B14F-4D97-AF65-F5344CB8AC3E}">
+        <p14:creationId xmlns:p14="http://schemas.microsoft.com/office/powerpoint/2010/main" val="935069528"/>
+      </p:ext>
+    </p:extLst>
+  </p:cSld>
+  <p:clrMapOvr>
+    <a:masterClrMapping/>
+  </p:clrMapOvr>
+  <p:timing>
+    <p:tnLst>
+      <p:par>
+        <p:cTn id="1" dur="indefinite" restart="never" nodeType="tmRoot"/>
+      </p:par>
+    </p:tnLst>
+  </p:timing>
+</p:sld>
+</file>
+
+<file path=ppt/slides/slide5.xml><?xml version="1.0" encoding="utf-8"?>
+<p:sld xmlns:a="http://schemas.openxmlformats.org/drawingml/2006/main" xmlns:r="http://schemas.openxmlformats.org/officeDocument/2006/relationships" xmlns:p="http://schemas.openxmlformats.org/presentationml/2006/main">
+  <p:cSld>
+    <p:spTree>
+      <p:nvGrpSpPr>
+        <p:cNvPr id="1" name=""/>
+        <p:cNvGrpSpPr/>
+        <p:nvPr/>
+      </p:nvGrpSpPr>
+      <p:grpSpPr>
+        <a:xfrm>
+          <a:off x="0" y="0"/>
+          <a:ext cx="0" cy="0"/>
+          <a:chOff x="0" y="0"/>
+          <a:chExt cx="0" cy="0"/>
+        </a:xfrm>
+      </p:grpSpPr>
+      <p:sp>
+        <p:nvSpPr>
+          <p:cNvPr id="2" name="タイトル 1"/>
+          <p:cNvSpPr>
+            <a:spLocks noGrp="1"/>
+          </p:cNvSpPr>
+          <p:nvPr>
+            <p:ph type="title"/>
+          </p:nvPr>
+        </p:nvSpPr>
+        <p:spPr/>
+        <p:txBody>
+          <a:bodyPr/>
+          <a:lstStyle/>
+          <a:p>
+            <a:r>
+              <a:rPr kumimoji="1" lang="ja-JP" altLang="en-US" dirty="0" smtClean="0"/>
+              <a:t>イソギンチャク</a:t>
+            </a:r>
+            <a:endParaRPr kumimoji="1" lang="ja-JP" altLang="en-US" dirty="0"/>
+          </a:p>
+        </p:txBody>
+      </p:sp>
+      <p:sp>
+        <p:nvSpPr>
+          <p:cNvPr id="4" name="スライド番号プレースホルダー 3"/>
+          <p:cNvSpPr>
+            <a:spLocks noGrp="1"/>
+          </p:cNvSpPr>
+          <p:nvPr>
+            <p:ph type="sldNum" sz="quarter" idx="12"/>
+          </p:nvPr>
+        </p:nvSpPr>
+        <p:spPr/>
+        <p:txBody>
+          <a:bodyPr/>
+          <a:lstStyle/>
+          <a:p>
+            <a:fld id="{FA01AF0C-45ED-4F62-92C7-A07C97864F1B}" type="slidenum">
+              <a:rPr lang="en-US" altLang="ja-JP" smtClean="0"/>
+              <a:pPr/>
+              <a:t>4</a:t>
+            </a:fld>
+            <a:endParaRPr lang="en-US" altLang="ja-JP"/>
+          </a:p>
+        </p:txBody>
+      </p:sp>
+      <p:sp>
+        <p:nvSpPr>
+          <p:cNvPr id="6" name="コンテンツ プレースホルダー 5"/>
+          <p:cNvSpPr>
+            <a:spLocks noGrp="1"/>
+          </p:cNvSpPr>
+          <p:nvPr>
+            <p:ph idx="1"/>
+          </p:nvPr>
+        </p:nvSpPr>
+        <p:spPr/>
+        <p:txBody>
+          <a:bodyPr/>
+          <a:lstStyle/>
+          <a:p>
+            <a:r>
+              <a:rPr kumimoji="1" lang="ja-JP" altLang="en-US" sz="4400" dirty="0" smtClean="0"/>
+              <a:t>サメが当たると初期位置に戻る</a:t>
+            </a:r>
+            <a:endParaRPr kumimoji="1" lang="en-US" altLang="ja-JP" sz="4400" dirty="0" smtClean="0"/>
+          </a:p>
+          <a:p>
+            <a:endParaRPr kumimoji="1" lang="ja-JP" altLang="en-US" sz="4400" dirty="0"/>
+          </a:p>
+        </p:txBody>
+      </p:sp>
+      <p:pic>
+        <p:nvPicPr>
+          <p:cNvPr id="7" name="コンテンツ プレースホルダー 4"/>
+          <p:cNvPicPr>
+            <a:picLocks noChangeAspect="1"/>
+          </p:cNvPicPr>
+          <p:nvPr/>
+        </p:nvPicPr>
+        <p:blipFill>
+          <a:blip r:embed="rId2">
+            <a:extLst>
+              <a:ext uri="{28A0092B-C50C-407E-A947-70E740481C1C}">
+                <a14:useLocalDpi xmlns:a14="http://schemas.microsoft.com/office/drawing/2010/main" val="0"/>
+              </a:ext>
+            </a:extLst>
+          </a:blip>
+          <a:stretch>
+            <a:fillRect/>
+          </a:stretch>
+        </p:blipFill>
+        <p:spPr bwMode="auto">
+          <a:xfrm>
+            <a:off x="7095965" y="3802480"/>
+            <a:ext cx="2321085" cy="2321085"/>
           </a:xfrm>
           <a:prstGeom prst="rect">
             <a:avLst/>
@@ -5468,13 +5647,518 @@
     </p:spTree>
     <p:extLst>
       <p:ext uri="{BB962C8B-B14F-4D97-AF65-F5344CB8AC3E}">
-        <p14:creationId xmlns:p14="http://schemas.microsoft.com/office/powerpoint/2010/main" val="935069528"/>
+        <p14:creationId xmlns:p14="http://schemas.microsoft.com/office/powerpoint/2010/main" val="1556486033"/>
       </p:ext>
     </p:extLst>
   </p:cSld>
   <p:clrMapOvr>
     <a:masterClrMapping/>
   </p:clrMapOvr>
+  <p:timing>
+    <p:tnLst>
+      <p:par>
+        <p:cTn id="1" dur="indefinite" restart="never" nodeType="tmRoot"/>
+      </p:par>
+    </p:tnLst>
+  </p:timing>
+</p:sld>
+</file>
+
+<file path=ppt/slides/slide6.xml><?xml version="1.0" encoding="utf-8"?>
+<p:sld xmlns:a="http://schemas.openxmlformats.org/drawingml/2006/main" xmlns:r="http://schemas.openxmlformats.org/officeDocument/2006/relationships" xmlns:p="http://schemas.openxmlformats.org/presentationml/2006/main">
+  <p:cSld>
+    <p:spTree>
+      <p:nvGrpSpPr>
+        <p:cNvPr id="1" name=""/>
+        <p:cNvGrpSpPr/>
+        <p:nvPr/>
+      </p:nvGrpSpPr>
+      <p:grpSpPr>
+        <a:xfrm>
+          <a:off x="0" y="0"/>
+          <a:ext cx="0" cy="0"/>
+          <a:chOff x="0" y="0"/>
+          <a:chExt cx="0" cy="0"/>
+        </a:xfrm>
+      </p:grpSpPr>
+      <p:sp>
+        <p:nvSpPr>
+          <p:cNvPr id="2" name="タイトル 1"/>
+          <p:cNvSpPr>
+            <a:spLocks noGrp="1"/>
+          </p:cNvSpPr>
+          <p:nvPr>
+            <p:ph type="title"/>
+          </p:nvPr>
+        </p:nvSpPr>
+        <p:spPr/>
+        <p:txBody>
+          <a:bodyPr/>
+          <a:lstStyle/>
+          <a:p>
+            <a:r>
+              <a:rPr kumimoji="1" lang="ja-JP" altLang="en-US" dirty="0" smtClean="0"/>
+              <a:t>えさ</a:t>
+            </a:r>
+            <a:endParaRPr kumimoji="1" lang="ja-JP" altLang="en-US" dirty="0"/>
+          </a:p>
+        </p:txBody>
+      </p:sp>
+      <p:sp>
+        <p:nvSpPr>
+          <p:cNvPr id="3" name="コンテンツ プレースホルダー 2"/>
+          <p:cNvSpPr>
+            <a:spLocks noGrp="1"/>
+          </p:cNvSpPr>
+          <p:nvPr>
+            <p:ph idx="1"/>
+          </p:nvPr>
+        </p:nvSpPr>
+        <p:spPr/>
+        <p:txBody>
+          <a:bodyPr/>
+          <a:lstStyle/>
+          <a:p>
+            <a:r>
+              <a:rPr kumimoji="1" lang="ja-JP" altLang="en-US" sz="4000" dirty="0" smtClean="0"/>
+              <a:t>サメが当たると一時的に動きが止まり、これ以上追って来なくなる</a:t>
+            </a:r>
+            <a:endParaRPr kumimoji="1" lang="en-US" altLang="ja-JP" sz="4000" dirty="0" smtClean="0"/>
+          </a:p>
+          <a:p>
+            <a:endParaRPr lang="en-US" altLang="ja-JP" sz="4000" dirty="0"/>
+          </a:p>
+          <a:p>
+            <a:r>
+              <a:rPr kumimoji="1" lang="ja-JP" altLang="en-US" sz="4000" dirty="0" smtClean="0"/>
+              <a:t>５コ使用可能</a:t>
+            </a:r>
+            <a:endParaRPr kumimoji="1" lang="en-US" altLang="ja-JP" sz="4000" dirty="0" smtClean="0"/>
+          </a:p>
+        </p:txBody>
+      </p:sp>
+      <p:sp>
+        <p:nvSpPr>
+          <p:cNvPr id="4" name="スライド番号プレースホルダー 3"/>
+          <p:cNvSpPr>
+            <a:spLocks noGrp="1"/>
+          </p:cNvSpPr>
+          <p:nvPr>
+            <p:ph type="sldNum" sz="quarter" idx="12"/>
+          </p:nvPr>
+        </p:nvSpPr>
+        <p:spPr/>
+        <p:txBody>
+          <a:bodyPr/>
+          <a:lstStyle/>
+          <a:p>
+            <a:fld id="{FA01AF0C-45ED-4F62-92C7-A07C97864F1B}" type="slidenum">
+              <a:rPr lang="en-US" altLang="ja-JP" smtClean="0"/>
+              <a:pPr/>
+              <a:t>5</a:t>
+            </a:fld>
+            <a:endParaRPr lang="en-US" altLang="ja-JP"/>
+          </a:p>
+        </p:txBody>
+      </p:sp>
+      <p:pic>
+        <p:nvPicPr>
+          <p:cNvPr id="5" name="図 4"/>
+          <p:cNvPicPr>
+            <a:picLocks noChangeAspect="1"/>
+          </p:cNvPicPr>
+          <p:nvPr/>
+        </p:nvPicPr>
+        <p:blipFill>
+          <a:blip r:embed="rId2">
+            <a:extLst>
+              <a:ext uri="{28A0092B-C50C-407E-A947-70E740481C1C}">
+                <a14:useLocalDpi xmlns:a14="http://schemas.microsoft.com/office/drawing/2010/main" val="0"/>
+              </a:ext>
+            </a:extLst>
+          </a:blip>
+          <a:stretch>
+            <a:fillRect/>
+          </a:stretch>
+        </p:blipFill>
+        <p:spPr>
+          <a:xfrm>
+            <a:off x="7104429" y="3842117"/>
+            <a:ext cx="2312621" cy="2312621"/>
+          </a:xfrm>
+          <a:prstGeom prst="rect">
+            <a:avLst/>
+          </a:prstGeom>
+        </p:spPr>
+      </p:pic>
+    </p:spTree>
+    <p:extLst>
+      <p:ext uri="{BB962C8B-B14F-4D97-AF65-F5344CB8AC3E}">
+        <p14:creationId xmlns:p14="http://schemas.microsoft.com/office/powerpoint/2010/main" val="3314357624"/>
+      </p:ext>
+    </p:extLst>
+  </p:cSld>
+  <p:clrMapOvr>
+    <a:masterClrMapping/>
+  </p:clrMapOvr>
+</p:sld>
+</file>
+
+<file path=ppt/slides/slide7.xml><?xml version="1.0" encoding="utf-8"?>
+<p:sld xmlns:a="http://schemas.openxmlformats.org/drawingml/2006/main" xmlns:r="http://schemas.openxmlformats.org/officeDocument/2006/relationships" xmlns:p="http://schemas.openxmlformats.org/presentationml/2006/main">
+  <p:cSld>
+    <p:spTree>
+      <p:nvGrpSpPr>
+        <p:cNvPr id="1" name=""/>
+        <p:cNvGrpSpPr/>
+        <p:nvPr/>
+      </p:nvGrpSpPr>
+      <p:grpSpPr>
+        <a:xfrm>
+          <a:off x="0" y="0"/>
+          <a:ext cx="0" cy="0"/>
+          <a:chOff x="0" y="0"/>
+          <a:chExt cx="0" cy="0"/>
+        </a:xfrm>
+      </p:grpSpPr>
+      <p:sp>
+        <p:nvSpPr>
+          <p:cNvPr id="2" name="タイトル 1"/>
+          <p:cNvSpPr>
+            <a:spLocks noGrp="1"/>
+          </p:cNvSpPr>
+          <p:nvPr>
+            <p:ph type="title"/>
+          </p:nvPr>
+        </p:nvSpPr>
+        <p:spPr/>
+        <p:txBody>
+          <a:bodyPr/>
+          <a:lstStyle/>
+          <a:p>
+            <a:r>
+              <a:rPr kumimoji="1" lang="ja-JP" altLang="en-US" dirty="0" smtClean="0"/>
+              <a:t>宝箱</a:t>
+            </a:r>
+            <a:endParaRPr kumimoji="1" lang="ja-JP" altLang="en-US" dirty="0"/>
+          </a:p>
+        </p:txBody>
+      </p:sp>
+      <p:sp>
+        <p:nvSpPr>
+          <p:cNvPr id="4" name="スライド番号プレースホルダー 3"/>
+          <p:cNvSpPr>
+            <a:spLocks noGrp="1"/>
+          </p:cNvSpPr>
+          <p:nvPr>
+            <p:ph type="sldNum" sz="quarter" idx="12"/>
+          </p:nvPr>
+        </p:nvSpPr>
+        <p:spPr/>
+        <p:txBody>
+          <a:bodyPr/>
+          <a:lstStyle/>
+          <a:p>
+            <a:fld id="{FA01AF0C-45ED-4F62-92C7-A07C97864F1B}" type="slidenum">
+              <a:rPr lang="en-US" altLang="ja-JP" smtClean="0"/>
+              <a:pPr/>
+              <a:t>6</a:t>
+            </a:fld>
+            <a:endParaRPr lang="en-US" altLang="ja-JP"/>
+          </a:p>
+        </p:txBody>
+      </p:sp>
+      <p:sp>
+        <p:nvSpPr>
+          <p:cNvPr id="6" name="コンテンツ プレースホルダー 5"/>
+          <p:cNvSpPr>
+            <a:spLocks noGrp="1"/>
+          </p:cNvSpPr>
+          <p:nvPr>
+            <p:ph idx="1"/>
+          </p:nvPr>
+        </p:nvSpPr>
+        <p:spPr/>
+        <p:txBody>
+          <a:bodyPr/>
+          <a:lstStyle/>
+          <a:p>
+            <a:r>
+              <a:rPr kumimoji="1" lang="ja-JP" altLang="en-US" sz="4000" dirty="0" smtClean="0"/>
+              <a:t>これを集めるとスコアアップする</a:t>
+            </a:r>
+            <a:endParaRPr kumimoji="1" lang="en-US" altLang="ja-JP" sz="4000" dirty="0" smtClean="0"/>
+          </a:p>
+          <a:p>
+            <a:r>
+              <a:rPr kumimoji="1" lang="ja-JP" altLang="en-US" sz="4000" dirty="0" smtClean="0"/>
+              <a:t>宝をとるとおばけが出現する</a:t>
+            </a:r>
+            <a:endParaRPr kumimoji="1" lang="ja-JP" altLang="en-US" sz="4000" dirty="0"/>
+          </a:p>
+        </p:txBody>
+      </p:sp>
+      <p:pic>
+        <p:nvPicPr>
+          <p:cNvPr id="7" name="コンテンツ プレースホルダー 4"/>
+          <p:cNvPicPr>
+            <a:picLocks noChangeAspect="1"/>
+          </p:cNvPicPr>
+          <p:nvPr/>
+        </p:nvPicPr>
+        <p:blipFill>
+          <a:blip r:embed="rId2">
+            <a:extLst>
+              <a:ext uri="{28A0092B-C50C-407E-A947-70E740481C1C}">
+                <a14:useLocalDpi xmlns:a14="http://schemas.microsoft.com/office/drawing/2010/main" val="0"/>
+              </a:ext>
+            </a:extLst>
+          </a:blip>
+          <a:stretch>
+            <a:fillRect/>
+          </a:stretch>
+        </p:blipFill>
+        <p:spPr bwMode="auto">
+          <a:xfrm>
+            <a:off x="6753200" y="3490888"/>
+            <a:ext cx="2663850" cy="2663850"/>
+          </a:xfrm>
+          <a:prstGeom prst="rect">
+            <a:avLst/>
+          </a:prstGeom>
+          <a:noFill/>
+          <a:ln>
+            <a:noFill/>
+          </a:ln>
+          <a:effectLst/>
+          <a:extLst>
+            <a:ext uri="{909E8E84-426E-40DD-AFC4-6F175D3DCCD1}">
+              <a14:hiddenFill xmlns:a14="http://schemas.microsoft.com/office/drawing/2010/main">
+                <a:solidFill>
+                  <a:schemeClr val="accent1"/>
+                </a:solidFill>
+              </a14:hiddenFill>
+            </a:ext>
+            <a:ext uri="{91240B29-F687-4F45-9708-019B960494DF}">
+              <a14:hiddenLine xmlns:a14="http://schemas.microsoft.com/office/drawing/2010/main" w="9525">
+                <a:solidFill>
+                  <a:schemeClr val="tx1"/>
+                </a:solidFill>
+                <a:miter lim="800000"/>
+                <a:headEnd/>
+                <a:tailEnd/>
+              </a14:hiddenLine>
+            </a:ext>
+            <a:ext uri="{AF507438-7753-43E0-B8FC-AC1667EBCBE1}">
+              <a14:hiddenEffects xmlns:a14="http://schemas.microsoft.com/office/drawing/2010/main">
+                <a:effectLst>
+                  <a:outerShdw dist="35921" dir="2700000" algn="ctr" rotWithShape="0">
+                    <a:schemeClr val="bg2"/>
+                  </a:outerShdw>
+                </a:effectLst>
+              </a14:hiddenEffects>
+            </a:ext>
+          </a:extLst>
+        </p:spPr>
+      </p:pic>
+    </p:spTree>
+    <p:extLst>
+      <p:ext uri="{BB962C8B-B14F-4D97-AF65-F5344CB8AC3E}">
+        <p14:creationId xmlns:p14="http://schemas.microsoft.com/office/powerpoint/2010/main" val="858598099"/>
+      </p:ext>
+    </p:extLst>
+  </p:cSld>
+  <p:clrMapOvr>
+    <a:masterClrMapping/>
+  </p:clrMapOvr>
+  <p:timing>
+    <p:tnLst>
+      <p:par>
+        <p:cTn id="1" dur="indefinite" restart="never" nodeType="tmRoot"/>
+      </p:par>
+    </p:tnLst>
+  </p:timing>
+</p:sld>
+</file>
+
+<file path=ppt/slides/slide8.xml><?xml version="1.0" encoding="utf-8"?>
+<p:sld xmlns:a="http://schemas.openxmlformats.org/drawingml/2006/main" xmlns:r="http://schemas.openxmlformats.org/officeDocument/2006/relationships" xmlns:p="http://schemas.openxmlformats.org/presentationml/2006/main">
+  <p:cSld>
+    <p:spTree>
+      <p:nvGrpSpPr>
+        <p:cNvPr id="1" name=""/>
+        <p:cNvGrpSpPr/>
+        <p:nvPr/>
+      </p:nvGrpSpPr>
+      <p:grpSpPr>
+        <a:xfrm>
+          <a:off x="0" y="0"/>
+          <a:ext cx="0" cy="0"/>
+          <a:chOff x="0" y="0"/>
+          <a:chExt cx="0" cy="0"/>
+        </a:xfrm>
+      </p:grpSpPr>
+      <p:sp>
+        <p:nvSpPr>
+          <p:cNvPr id="2" name="タイトル 1"/>
+          <p:cNvSpPr>
+            <a:spLocks noGrp="1"/>
+          </p:cNvSpPr>
+          <p:nvPr>
+            <p:ph type="title"/>
+          </p:nvPr>
+        </p:nvSpPr>
+        <p:spPr/>
+        <p:txBody>
+          <a:bodyPr/>
+          <a:lstStyle/>
+          <a:p>
+            <a:r>
+              <a:rPr kumimoji="1" lang="ja-JP" altLang="en-US" dirty="0" smtClean="0"/>
+              <a:t>おばけ</a:t>
+            </a:r>
+            <a:endParaRPr kumimoji="1" lang="ja-JP" altLang="en-US" dirty="0"/>
+          </a:p>
+        </p:txBody>
+      </p:sp>
+      <p:sp>
+        <p:nvSpPr>
+          <p:cNvPr id="4" name="スライド番号プレースホルダー 3"/>
+          <p:cNvSpPr>
+            <a:spLocks noGrp="1"/>
+          </p:cNvSpPr>
+          <p:nvPr>
+            <p:ph type="sldNum" sz="quarter" idx="12"/>
+          </p:nvPr>
+        </p:nvSpPr>
+        <p:spPr/>
+        <p:txBody>
+          <a:bodyPr/>
+          <a:lstStyle/>
+          <a:p>
+            <a:fld id="{FA01AF0C-45ED-4F62-92C7-A07C97864F1B}" type="slidenum">
+              <a:rPr lang="en-US" altLang="ja-JP" smtClean="0"/>
+              <a:pPr/>
+              <a:t>7</a:t>
+            </a:fld>
+            <a:endParaRPr lang="en-US" altLang="ja-JP"/>
+          </a:p>
+        </p:txBody>
+      </p:sp>
+      <p:sp>
+        <p:nvSpPr>
+          <p:cNvPr id="6" name="コンテンツ プレースホルダー 5"/>
+          <p:cNvSpPr>
+            <a:spLocks noGrp="1"/>
+          </p:cNvSpPr>
+          <p:nvPr>
+            <p:ph idx="1"/>
+          </p:nvPr>
+        </p:nvSpPr>
+        <p:spPr/>
+        <p:txBody>
+          <a:bodyPr/>
+          <a:lstStyle/>
+          <a:p>
+            <a:r>
+              <a:rPr kumimoji="1" lang="ja-JP" altLang="en-US" sz="4000" dirty="0" smtClean="0"/>
+              <a:t>接触するとスコアが減少する</a:t>
+            </a:r>
+            <a:endParaRPr kumimoji="1" lang="en-US" altLang="ja-JP" sz="4000" dirty="0" smtClean="0"/>
+          </a:p>
+          <a:p>
+            <a:r>
+              <a:rPr kumimoji="1" lang="ja-JP" altLang="en-US" sz="4000" dirty="0" smtClean="0"/>
+              <a:t>時々ワープする（仕様です</a:t>
+            </a:r>
+            <a:r>
+              <a:rPr kumimoji="1" lang="en-US" altLang="ja-JP" sz="4000" dirty="0" smtClean="0"/>
+              <a:t>)</a:t>
+            </a:r>
+            <a:endParaRPr kumimoji="1" lang="ja-JP" altLang="en-US" sz="4000" dirty="0"/>
+          </a:p>
+        </p:txBody>
+      </p:sp>
+      <p:pic>
+        <p:nvPicPr>
+          <p:cNvPr id="7" name="コンテンツ プレースホルダー 4"/>
+          <p:cNvPicPr>
+            <a:picLocks noChangeAspect="1"/>
+          </p:cNvPicPr>
+          <p:nvPr/>
+        </p:nvPicPr>
+        <p:blipFill>
+          <a:blip r:embed="rId2">
+            <a:extLst>
+              <a:ext uri="{28A0092B-C50C-407E-A947-70E740481C1C}">
+                <a14:useLocalDpi xmlns:a14="http://schemas.microsoft.com/office/drawing/2010/main" val="0"/>
+              </a:ext>
+            </a:extLst>
+          </a:blip>
+          <a:stretch>
+            <a:fillRect/>
+          </a:stretch>
+        </p:blipFill>
+        <p:spPr bwMode="auto">
+          <a:xfrm>
+            <a:off x="6929972" y="3501008"/>
+            <a:ext cx="2518817" cy="2518817"/>
+          </a:xfrm>
+          <a:prstGeom prst="rect">
+            <a:avLst/>
+          </a:prstGeom>
+          <a:noFill/>
+          <a:ln>
+            <a:noFill/>
+          </a:ln>
+          <a:effectLst/>
+          <a:extLst>
+            <a:ext uri="{909E8E84-426E-40DD-AFC4-6F175D3DCCD1}">
+              <a14:hiddenFill xmlns:a14="http://schemas.microsoft.com/office/drawing/2010/main">
+                <a:solidFill>
+                  <a:schemeClr val="accent1"/>
+                </a:solidFill>
+              </a14:hiddenFill>
+            </a:ext>
+            <a:ext uri="{91240B29-F687-4F45-9708-019B960494DF}">
+              <a14:hiddenLine xmlns:a14="http://schemas.microsoft.com/office/drawing/2010/main" w="9525">
+                <a:solidFill>
+                  <a:schemeClr val="tx1"/>
+                </a:solidFill>
+                <a:miter lim="800000"/>
+                <a:headEnd/>
+                <a:tailEnd/>
+              </a14:hiddenLine>
+            </a:ext>
+            <a:ext uri="{AF507438-7753-43E0-B8FC-AC1667EBCBE1}">
+              <a14:hiddenEffects xmlns:a14="http://schemas.microsoft.com/office/drawing/2010/main">
+                <a:effectLst>
+                  <a:outerShdw dist="35921" dir="2700000" algn="ctr" rotWithShape="0">
+                    <a:schemeClr val="bg2"/>
+                  </a:outerShdw>
+                </a:effectLst>
+              </a14:hiddenEffects>
+            </a:ext>
+          </a:extLst>
+        </p:spPr>
+      </p:pic>
+    </p:spTree>
+    <p:extLst>
+      <p:ext uri="{BB962C8B-B14F-4D97-AF65-F5344CB8AC3E}">
+        <p14:creationId xmlns:p14="http://schemas.microsoft.com/office/powerpoint/2010/main" val="4066333966"/>
+      </p:ext>
+    </p:extLst>
+  </p:cSld>
+  <p:clrMapOvr>
+    <a:masterClrMapping/>
+  </p:clrMapOvr>
+  <p:timing>
+    <p:tnLst>
+      <p:par>
+        <p:cTn id="1" dur="indefinite" restart="never" nodeType="tmRoot"/>
+      </p:par>
+    </p:tnLst>
+  </p:timing>
 </p:sld>
 </file>
 

--- a/shinziko.pptx
+++ b/shinziko.pptx
@@ -5,7 +5,7 @@
     <p:sldMasterId id="2147483648" r:id="rId1"/>
   </p:sldMasterIdLst>
   <p:notesMasterIdLst>
-    <p:notesMasterId r:id="rId10"/>
+    <p:notesMasterId r:id="rId11"/>
   </p:notesMasterIdLst>
   <p:sldIdLst>
     <p:sldId id="256" r:id="rId2"/>
@@ -16,6 +16,7 @@
     <p:sldId id="263" r:id="rId7"/>
     <p:sldId id="260" r:id="rId8"/>
     <p:sldId id="261" r:id="rId9"/>
+    <p:sldId id="264" r:id="rId10"/>
   </p:sldIdLst>
   <p:sldSz cx="9906000" cy="6858000" type="A4"/>
   <p:notesSz cx="6858000" cy="9144000"/>
@@ -5208,17 +5209,54 @@
           <a:lstStyle/>
           <a:p>
             <a:r>
-              <a:rPr kumimoji="1" lang="ja-JP" altLang="en-US" dirty="0" smtClean="0"/>
+              <a:rPr kumimoji="1" lang="ja-JP" altLang="en-US" sz="4400" dirty="0" smtClean="0"/>
               <a:t>操作キャラ</a:t>
             </a:r>
-            <a:endParaRPr kumimoji="1" lang="en-US" altLang="ja-JP" dirty="0" smtClean="0"/>
-          </a:p>
-          <a:p>
-            <a:r>
-              <a:rPr kumimoji="1" lang="ja-JP" altLang="en-US" dirty="0" smtClean="0"/>
-              <a:t>上下左右斜めに動ける</a:t>
-            </a:r>
-            <a:endParaRPr kumimoji="1" lang="ja-JP" altLang="en-US" dirty="0"/>
+            <a:endParaRPr kumimoji="1" lang="en-US" altLang="ja-JP" sz="4400" dirty="0" smtClean="0"/>
+          </a:p>
+          <a:p>
+            <a:r>
+              <a:rPr kumimoji="1" lang="ja-JP" altLang="en-US" sz="4400" dirty="0" smtClean="0"/>
+              <a:t>上下左右斜めに</a:t>
+            </a:r>
+            <a:r>
+              <a:rPr kumimoji="1" lang="ja-JP" altLang="en-US" sz="4400" dirty="0" smtClean="0"/>
+              <a:t>動ける</a:t>
+            </a:r>
+            <a:endParaRPr kumimoji="1" lang="en-US" altLang="ja-JP" sz="4400" dirty="0" smtClean="0"/>
+          </a:p>
+          <a:p>
+            <a:r>
+              <a:rPr lang="en-US" altLang="ja-JP" sz="4400" dirty="0" err="1" smtClean="0"/>
+              <a:t>C_key</a:t>
+            </a:r>
+            <a:r>
+              <a:rPr lang="en-US" altLang="ja-JP" sz="4400" dirty="0" smtClean="0"/>
+              <a:t> : </a:t>
+            </a:r>
+            <a:r>
+              <a:rPr lang="ja-JP" altLang="en-US" sz="4400" dirty="0" smtClean="0"/>
+              <a:t>ダッシュ</a:t>
+            </a:r>
+            <a:endParaRPr lang="en-US" altLang="ja-JP" sz="4400" dirty="0" smtClean="0"/>
+          </a:p>
+          <a:p>
+            <a:r>
+              <a:rPr lang="en-US" altLang="ja-JP" sz="4400" dirty="0" err="1" smtClean="0"/>
+              <a:t>X_key</a:t>
+            </a:r>
+            <a:r>
+              <a:rPr lang="en-US" altLang="ja-JP" sz="4400" dirty="0" smtClean="0"/>
+              <a:t> : </a:t>
+            </a:r>
+            <a:r>
+              <a:rPr lang="ja-JP" altLang="en-US" sz="4400" dirty="0" smtClean="0"/>
+              <a:t>えさを巻く</a:t>
+            </a:r>
+            <a:endParaRPr lang="en-US" altLang="ja-JP" sz="4400" dirty="0" smtClean="0"/>
+          </a:p>
+          <a:p>
+            <a:endParaRPr kumimoji="1" lang="ja-JP" altLang="en-US" sz="4400" dirty="0"/>
           </a:p>
         </p:txBody>
       </p:sp>
@@ -5244,7 +5282,7 @@
         </p:blipFill>
         <p:spPr bwMode="auto">
           <a:xfrm>
-            <a:off x="4951958" y="3903263"/>
+            <a:off x="4858717" y="69590"/>
             <a:ext cx="4465092" cy="2232546"/>
           </a:xfrm>
           <a:prstGeom prst="rect">
@@ -5801,6 +5839,13 @@
   <p:clrMapOvr>
     <a:masterClrMapping/>
   </p:clrMapOvr>
+  <p:timing>
+    <p:tnLst>
+      <p:par>
+        <p:cTn id="1" dur="indefinite" restart="never" nodeType="tmRoot"/>
+      </p:par>
+    </p:tnLst>
+  </p:timing>
 </p:sld>
 </file>
 
@@ -6159,6 +6204,106 @@
       </p:par>
     </p:tnLst>
   </p:timing>
+</p:sld>
+</file>
+
+<file path=ppt/slides/slide9.xml><?xml version="1.0" encoding="utf-8"?>
+<p:sld xmlns:a="http://schemas.openxmlformats.org/drawingml/2006/main" xmlns:r="http://schemas.openxmlformats.org/officeDocument/2006/relationships" xmlns:p="http://schemas.openxmlformats.org/presentationml/2006/main">
+  <p:cSld>
+    <p:spTree>
+      <p:nvGrpSpPr>
+        <p:cNvPr id="1" name=""/>
+        <p:cNvGrpSpPr/>
+        <p:nvPr/>
+      </p:nvGrpSpPr>
+      <p:grpSpPr>
+        <a:xfrm>
+          <a:off x="0" y="0"/>
+          <a:ext cx="0" cy="0"/>
+          <a:chOff x="0" y="0"/>
+          <a:chExt cx="0" cy="0"/>
+        </a:xfrm>
+      </p:grpSpPr>
+      <p:sp>
+        <p:nvSpPr>
+          <p:cNvPr id="2" name="タイトル 1"/>
+          <p:cNvSpPr>
+            <a:spLocks noGrp="1"/>
+          </p:cNvSpPr>
+          <p:nvPr>
+            <p:ph type="title"/>
+          </p:nvPr>
+        </p:nvSpPr>
+        <p:spPr/>
+        <p:txBody>
+          <a:bodyPr/>
+          <a:lstStyle/>
+          <a:p>
+            <a:r>
+              <a:rPr kumimoji="1" lang="ja-JP" altLang="en-US" dirty="0" smtClean="0"/>
+              <a:t>あわ</a:t>
+            </a:r>
+            <a:endParaRPr kumimoji="1" lang="ja-JP" altLang="en-US" dirty="0"/>
+          </a:p>
+        </p:txBody>
+      </p:sp>
+      <p:sp>
+        <p:nvSpPr>
+          <p:cNvPr id="3" name="コンテンツ プレースホルダー 2"/>
+          <p:cNvSpPr>
+            <a:spLocks noGrp="1"/>
+          </p:cNvSpPr>
+          <p:nvPr>
+            <p:ph idx="1"/>
+          </p:nvPr>
+        </p:nvSpPr>
+        <p:spPr/>
+        <p:txBody>
+          <a:bodyPr/>
+          <a:lstStyle/>
+          <a:p>
+            <a:r>
+              <a:rPr kumimoji="1" lang="ja-JP" altLang="en-US" dirty="0" smtClean="0"/>
+              <a:t>プレイヤーが触れるとライフを回復する</a:t>
+            </a:r>
+            <a:endParaRPr kumimoji="1" lang="ja-JP" altLang="en-US" dirty="0"/>
+          </a:p>
+        </p:txBody>
+      </p:sp>
+      <p:sp>
+        <p:nvSpPr>
+          <p:cNvPr id="4" name="スライド番号プレースホルダー 3"/>
+          <p:cNvSpPr>
+            <a:spLocks noGrp="1"/>
+          </p:cNvSpPr>
+          <p:nvPr>
+            <p:ph type="sldNum" sz="quarter" idx="12"/>
+          </p:nvPr>
+        </p:nvSpPr>
+        <p:spPr/>
+        <p:txBody>
+          <a:bodyPr/>
+          <a:lstStyle/>
+          <a:p>
+            <a:fld id="{FA01AF0C-45ED-4F62-92C7-A07C97864F1B}" type="slidenum">
+              <a:rPr lang="en-US" altLang="ja-JP" smtClean="0"/>
+              <a:pPr/>
+              <a:t>8</a:t>
+            </a:fld>
+            <a:endParaRPr lang="en-US" altLang="ja-JP"/>
+          </a:p>
+        </p:txBody>
+      </p:sp>
+    </p:spTree>
+    <p:extLst>
+      <p:ext uri="{BB962C8B-B14F-4D97-AF65-F5344CB8AC3E}">
+        <p14:creationId xmlns:p14="http://schemas.microsoft.com/office/powerpoint/2010/main" val="4065382186"/>
+      </p:ext>
+    </p:extLst>
+  </p:cSld>
+  <p:clrMapOvr>
+    <a:masterClrMapping/>
+  </p:clrMapOvr>
 </p:sld>
 </file>
 

--- a/shinziko.pptx
+++ b/shinziko.pptx
@@ -5,18 +5,20 @@
     <p:sldMasterId id="2147483648" r:id="rId1"/>
   </p:sldMasterIdLst>
   <p:notesMasterIdLst>
-    <p:notesMasterId r:id="rId11"/>
+    <p:notesMasterId r:id="rId13"/>
   </p:notesMasterIdLst>
   <p:sldIdLst>
     <p:sldId id="256" r:id="rId2"/>
-    <p:sldId id="257" r:id="rId3"/>
-    <p:sldId id="258" r:id="rId4"/>
-    <p:sldId id="259" r:id="rId5"/>
-    <p:sldId id="262" r:id="rId6"/>
-    <p:sldId id="263" r:id="rId7"/>
-    <p:sldId id="260" r:id="rId8"/>
-    <p:sldId id="261" r:id="rId9"/>
+    <p:sldId id="266" r:id="rId3"/>
+    <p:sldId id="257" r:id="rId4"/>
+    <p:sldId id="258" r:id="rId5"/>
+    <p:sldId id="259" r:id="rId6"/>
+    <p:sldId id="261" r:id="rId7"/>
+    <p:sldId id="263" r:id="rId8"/>
+    <p:sldId id="262" r:id="rId9"/>
     <p:sldId id="264" r:id="rId10"/>
+    <p:sldId id="260" r:id="rId11"/>
+    <p:sldId id="265" r:id="rId12"/>
   </p:sldIdLst>
   <p:sldSz cx="9906000" cy="6858000" type="A4"/>
   <p:notesSz cx="6858000" cy="9144000"/>
@@ -162,6 +164,18 @@
     </p:ext>
   </p:extLst>
 </p:presentation>
+</file>
+
+<file path=ppt/commentAuthors.xml><?xml version="1.0" encoding="utf-8"?>
+<p:cmAuthorLst xmlns:a="http://schemas.openxmlformats.org/drawingml/2006/main" xmlns:r="http://schemas.openxmlformats.org/officeDocument/2006/relationships" xmlns:p="http://schemas.openxmlformats.org/presentationml/2006/main">
+  <p:cmAuthor id="1" name="toru nagai" initials="tn" lastIdx="1" clrIdx="0">
+    <p:extLst>
+      <p:ext uri="{19B8F6BF-5375-455C-9EA6-DF929625EA0E}">
+        <p15:presenceInfo xmlns:p15="http://schemas.microsoft.com/office/powerpoint/2012/main" userId="a8c73e65fe6889f7" providerId="Windows Live"/>
+      </p:ext>
+    </p:extLst>
+  </p:cmAuthor>
+</p:cmAuthorLst>
 </file>
 
 <file path=ppt/notesMasters/notesMaster1.xml><?xml version="1.0" encoding="utf-8"?>
@@ -843,7 +857,34 @@
           <a:bodyPr/>
           <a:lstStyle/>
           <a:p>
-            <a:endParaRPr lang="ja-JP" altLang="ja-JP"/>
+            <a:r>
+              <a:rPr lang="ja-JP" altLang="en-US" sz="2000" dirty="0" smtClean="0"/>
+              <a:t>こんにちは、突然ですが、みなさん海坊主を見たことがありますか。会ってみたいと思いませんか？安心してくださいここにいますよ！そう私たちは、</a:t>
+            </a:r>
+            <a:r>
+              <a:rPr lang="ja-JP" altLang="en-US" sz="2000" dirty="0" err="1" smtClean="0"/>
+              <a:t>ち</a:t>
+            </a:r>
+            <a:r>
+              <a:rPr lang="ja-JP" altLang="en-US" sz="2000" dirty="0" smtClean="0"/>
+              <a:t>ーむ～～～、「うみぼうず～～～」。</a:t>
+            </a:r>
+            <a:endParaRPr lang="en-US" altLang="ja-JP" sz="2000" dirty="0" smtClean="0"/>
+          </a:p>
+          <a:p>
+            <a:r>
+              <a:rPr lang="ja-JP" altLang="en-US" sz="2000" dirty="0" smtClean="0"/>
+              <a:t>私たちは宍道湖を舞台にしたげー</a:t>
+            </a:r>
+            <a:r>
+              <a:rPr lang="ja-JP" altLang="en-US" sz="2000" dirty="0" err="1" smtClean="0"/>
+              <a:t>む</a:t>
+            </a:r>
+            <a:r>
+              <a:rPr lang="ja-JP" altLang="en-US" sz="2000" dirty="0" smtClean="0"/>
+              <a:t>「宍道湖」を作成しました。</a:t>
+            </a:r>
+            <a:endParaRPr lang="ja-JP" altLang="ja-JP" sz="2000" dirty="0"/>
           </a:p>
         </p:txBody>
       </p:sp>
@@ -879,23 +920,56 @@
       </p:grpSpPr>
       <p:sp>
         <p:nvSpPr>
-          <p:cNvPr id="7" name="Rectangle 7"/>
-          <p:cNvSpPr>
-            <a:spLocks noGrp="1" noChangeArrowheads="1"/>
-          </p:cNvSpPr>
-          <p:nvPr>
-            <p:ph type="sldNum" sz="quarter" idx="5"/>
-          </p:nvPr>
-        </p:nvSpPr>
-        <p:spPr>
-          <a:ln/>
-        </p:spPr>
+          <p:cNvPr id="2" name="スライド イメージ プレースホルダー 1"/>
+          <p:cNvSpPr>
+            <a:spLocks noGrp="1" noRot="1" noChangeAspect="1"/>
+          </p:cNvSpPr>
+          <p:nvPr>
+            <p:ph type="sldImg"/>
+          </p:nvPr>
+        </p:nvSpPr>
+        <p:spPr/>
+      </p:sp>
+      <p:sp>
+        <p:nvSpPr>
+          <p:cNvPr id="3" name="ノート プレースホルダー 2"/>
+          <p:cNvSpPr>
+            <a:spLocks noGrp="1"/>
+          </p:cNvSpPr>
+          <p:nvPr>
+            <p:ph type="body" idx="1"/>
+          </p:nvPr>
+        </p:nvSpPr>
+        <p:spPr/>
         <p:txBody>
           <a:bodyPr/>
           <a:lstStyle/>
           <a:p>
-            <a:fld id="{428DA4DC-6E78-4C50-9350-86C95BFD7B4E}" type="slidenum">
-              <a:rPr lang="en-US" altLang="ja-JP"/>
+            <a:r>
+              <a:rPr kumimoji="1" lang="ja-JP" altLang="en-US" sz="3200" dirty="0" smtClean="0"/>
+              <a:t>今回は水中で敵から逃げるというゲームを作りました。</a:t>
+            </a:r>
+            <a:endParaRPr kumimoji="1" lang="en-US" altLang="ja-JP" sz="3200" dirty="0" smtClean="0"/>
+          </a:p>
+        </p:txBody>
+      </p:sp>
+      <p:sp>
+        <p:nvSpPr>
+          <p:cNvPr id="4" name="スライド番号プレースホルダー 3"/>
+          <p:cNvSpPr>
+            <a:spLocks noGrp="1"/>
+          </p:cNvSpPr>
+          <p:nvPr>
+            <p:ph type="sldNum" sz="quarter" idx="10"/>
+          </p:nvPr>
+        </p:nvSpPr>
+        <p:spPr/>
+        <p:txBody>
+          <a:bodyPr/>
+          <a:lstStyle/>
+          <a:p>
+            <a:fld id="{D8D89B86-C13A-45E9-BBE0-965D1DC3C5CD}" type="slidenum">
+              <a:rPr lang="en-US" altLang="ja-JP" smtClean="0"/>
               <a:pPr/>
               <a:t>1</a:t>
             </a:fld>
@@ -903,19 +977,75 @@
           </a:p>
         </p:txBody>
       </p:sp>
-      <p:sp>
-        <p:nvSpPr>
-          <p:cNvPr id="7170" name="Rectangle 2"/>
-          <p:cNvSpPr>
-            <a:spLocks noGrp="1" noRot="1" noChangeAspect="1" noChangeArrowheads="1" noTextEdit="1"/>
-          </p:cNvSpPr>
-          <p:nvPr>
-            <p:ph type="sldImg"/>
+    </p:spTree>
+    <p:extLst>
+      <p:ext uri="{BB962C8B-B14F-4D97-AF65-F5344CB8AC3E}">
+        <p14:creationId xmlns:p14="http://schemas.microsoft.com/office/powerpoint/2010/main" val="2250676427"/>
+      </p:ext>
+    </p:extLst>
+  </p:cSld>
+  <p:clrMapOvr>
+    <a:masterClrMapping/>
+  </p:clrMapOvr>
+</p:notes>
+</file>
+
+<file path=ppt/notesSlides/notesSlide3.xml><?xml version="1.0" encoding="utf-8"?>
+<p:notes xmlns:a="http://schemas.openxmlformats.org/drawingml/2006/main" xmlns:r="http://schemas.openxmlformats.org/officeDocument/2006/relationships" xmlns:p="http://schemas.openxmlformats.org/presentationml/2006/main">
+  <p:cSld>
+    <p:spTree>
+      <p:nvGrpSpPr>
+        <p:cNvPr id="1" name=""/>
+        <p:cNvGrpSpPr/>
+        <p:nvPr/>
+      </p:nvGrpSpPr>
+      <p:grpSpPr>
+        <a:xfrm>
+          <a:off x="0" y="0"/>
+          <a:ext cx="0" cy="0"/>
+          <a:chOff x="0" y="0"/>
+          <a:chExt cx="0" cy="0"/>
+        </a:xfrm>
+      </p:grpSpPr>
+      <p:sp>
+        <p:nvSpPr>
+          <p:cNvPr id="7" name="Rectangle 7"/>
+          <p:cNvSpPr>
+            <a:spLocks noGrp="1" noChangeArrowheads="1"/>
+          </p:cNvSpPr>
+          <p:nvPr>
+            <p:ph type="sldNum" sz="quarter" idx="5"/>
           </p:nvPr>
         </p:nvSpPr>
         <p:spPr>
           <a:ln/>
         </p:spPr>
+        <p:txBody>
+          <a:bodyPr/>
+          <a:lstStyle/>
+          <a:p>
+            <a:fld id="{428DA4DC-6E78-4C50-9350-86C95BFD7B4E}" type="slidenum">
+              <a:rPr lang="en-US" altLang="ja-JP"/>
+              <a:pPr/>
+              <a:t>2</a:t>
+            </a:fld>
+            <a:endParaRPr lang="en-US" altLang="ja-JP"/>
+          </a:p>
+        </p:txBody>
+      </p:sp>
+      <p:sp>
+        <p:nvSpPr>
+          <p:cNvPr id="7170" name="Rectangle 2"/>
+          <p:cNvSpPr>
+            <a:spLocks noGrp="1" noRot="1" noChangeAspect="1" noChangeArrowheads="1" noTextEdit="1"/>
+          </p:cNvSpPr>
+          <p:nvPr>
+            <p:ph type="sldImg"/>
+          </p:nvPr>
+        </p:nvSpPr>
+        <p:spPr>
+          <a:ln/>
+        </p:spPr>
       </p:sp>
       <p:sp>
         <p:nvSpPr>
@@ -932,7 +1062,11 @@
           <a:bodyPr/>
           <a:lstStyle/>
           <a:p>
-            <a:endParaRPr lang="ja-JP" altLang="ja-JP"/>
+            <a:r>
+              <a:rPr lang="ja-JP" altLang="en-US" dirty="0" smtClean="0"/>
+              <a:t>このゲームの目的は、宝を集めて船に変えることです。しかし、財宝をまもる宍道湖の生物たちが襲いかかってきます。</a:t>
+            </a:r>
+            <a:endParaRPr lang="ja-JP" altLang="ja-JP" dirty="0"/>
           </a:p>
         </p:txBody>
       </p:sp>
@@ -940,6 +1074,382 @@
     <p:extLst>
       <p:ext uri="{BB962C8B-B14F-4D97-AF65-F5344CB8AC3E}">
         <p14:creationId xmlns:p14="http://schemas.microsoft.com/office/powerpoint/2010/main" val="1911982113"/>
+      </p:ext>
+    </p:extLst>
+  </p:cSld>
+  <p:clrMapOvr>
+    <a:masterClrMapping/>
+  </p:clrMapOvr>
+</p:notes>
+</file>
+
+<file path=ppt/notesSlides/notesSlide4.xml><?xml version="1.0" encoding="utf-8"?>
+<p:notes xmlns:a="http://schemas.openxmlformats.org/drawingml/2006/main" xmlns:r="http://schemas.openxmlformats.org/officeDocument/2006/relationships" xmlns:p="http://schemas.openxmlformats.org/presentationml/2006/main">
+  <p:cSld>
+    <p:spTree>
+      <p:nvGrpSpPr>
+        <p:cNvPr id="1" name=""/>
+        <p:cNvGrpSpPr/>
+        <p:nvPr/>
+      </p:nvGrpSpPr>
+      <p:grpSpPr>
+        <a:xfrm>
+          <a:off x="0" y="0"/>
+          <a:ext cx="0" cy="0"/>
+          <a:chOff x="0" y="0"/>
+          <a:chExt cx="0" cy="0"/>
+        </a:xfrm>
+      </p:grpSpPr>
+      <p:sp>
+        <p:nvSpPr>
+          <p:cNvPr id="2" name="スライド イメージ プレースホルダー 1"/>
+          <p:cNvSpPr>
+            <a:spLocks noGrp="1" noRot="1" noChangeAspect="1"/>
+          </p:cNvSpPr>
+          <p:nvPr>
+            <p:ph type="sldImg"/>
+          </p:nvPr>
+        </p:nvSpPr>
+        <p:spPr/>
+      </p:sp>
+      <p:sp>
+        <p:nvSpPr>
+          <p:cNvPr id="3" name="ノート プレースホルダー 2"/>
+          <p:cNvSpPr>
+            <a:spLocks noGrp="1"/>
+          </p:cNvSpPr>
+          <p:nvPr>
+            <p:ph type="body" idx="1"/>
+          </p:nvPr>
+        </p:nvSpPr>
+        <p:spPr/>
+        <p:txBody>
+          <a:bodyPr/>
+          <a:lstStyle/>
+          <a:p>
+            <a:r>
+              <a:rPr kumimoji="1" lang="ja-JP" altLang="en-US" dirty="0" smtClean="0"/>
+              <a:t>プレイヤーの説明をします。操作キャラはこの右上の赤いバンダナをまいたラフカディオ・ハーンです。このハーンは十字キーで自由に動き回れます。ハーンは体力自慢のため水中でダッシュをすることができます。ハーンは非常に</a:t>
+            </a:r>
+            <a:r>
+              <a:rPr kumimoji="1" lang="en-US" altLang="ja-JP" dirty="0" smtClean="0"/>
+              <a:t>clever</a:t>
+            </a:r>
+            <a:r>
+              <a:rPr kumimoji="1" lang="ja-JP" altLang="en-US" dirty="0" smtClean="0"/>
+              <a:t>ためえさで点滴の注意を集め安全を確保します。</a:t>
+            </a:r>
+            <a:endParaRPr kumimoji="1" lang="en-US" altLang="ja-JP" dirty="0" smtClean="0"/>
+          </a:p>
+        </p:txBody>
+      </p:sp>
+      <p:sp>
+        <p:nvSpPr>
+          <p:cNvPr id="4" name="スライド番号プレースホルダー 3"/>
+          <p:cNvSpPr>
+            <a:spLocks noGrp="1"/>
+          </p:cNvSpPr>
+          <p:nvPr>
+            <p:ph type="sldNum" sz="quarter" idx="10"/>
+          </p:nvPr>
+        </p:nvSpPr>
+        <p:spPr/>
+        <p:txBody>
+          <a:bodyPr/>
+          <a:lstStyle/>
+          <a:p>
+            <a:fld id="{D8D89B86-C13A-45E9-BBE0-965D1DC3C5CD}" type="slidenum">
+              <a:rPr lang="en-US" altLang="ja-JP" smtClean="0"/>
+              <a:pPr/>
+              <a:t>3</a:t>
+            </a:fld>
+            <a:endParaRPr lang="en-US" altLang="ja-JP"/>
+          </a:p>
+        </p:txBody>
+      </p:sp>
+    </p:spTree>
+    <p:extLst>
+      <p:ext uri="{BB962C8B-B14F-4D97-AF65-F5344CB8AC3E}">
+        <p14:creationId xmlns:p14="http://schemas.microsoft.com/office/powerpoint/2010/main" val="1169319182"/>
+      </p:ext>
+    </p:extLst>
+  </p:cSld>
+  <p:clrMapOvr>
+    <a:masterClrMapping/>
+  </p:clrMapOvr>
+</p:notes>
+</file>
+
+<file path=ppt/notesSlides/notesSlide5.xml><?xml version="1.0" encoding="utf-8"?>
+<p:notes xmlns:a="http://schemas.openxmlformats.org/drawingml/2006/main" xmlns:r="http://schemas.openxmlformats.org/officeDocument/2006/relationships" xmlns:p="http://schemas.openxmlformats.org/presentationml/2006/main">
+  <p:cSld>
+    <p:spTree>
+      <p:nvGrpSpPr>
+        <p:cNvPr id="1" name=""/>
+        <p:cNvGrpSpPr/>
+        <p:nvPr/>
+      </p:nvGrpSpPr>
+      <p:grpSpPr>
+        <a:xfrm>
+          <a:off x="0" y="0"/>
+          <a:ext cx="0" cy="0"/>
+          <a:chOff x="0" y="0"/>
+          <a:chExt cx="0" cy="0"/>
+        </a:xfrm>
+      </p:grpSpPr>
+      <p:sp>
+        <p:nvSpPr>
+          <p:cNvPr id="2" name="スライド イメージ プレースホルダー 1"/>
+          <p:cNvSpPr>
+            <a:spLocks noGrp="1" noRot="1" noChangeAspect="1"/>
+          </p:cNvSpPr>
+          <p:nvPr>
+            <p:ph type="sldImg"/>
+          </p:nvPr>
+        </p:nvSpPr>
+        <p:spPr/>
+      </p:sp>
+      <p:sp>
+        <p:nvSpPr>
+          <p:cNvPr id="3" name="ノート プレースホルダー 2"/>
+          <p:cNvSpPr>
+            <a:spLocks noGrp="1"/>
+          </p:cNvSpPr>
+          <p:nvPr>
+            <p:ph type="body" idx="1"/>
+          </p:nvPr>
+        </p:nvSpPr>
+        <p:spPr/>
+        <p:txBody>
+          <a:bodyPr/>
+          <a:lstStyle/>
+          <a:p>
+            <a:r>
+              <a:rPr kumimoji="1" lang="ja-JP" altLang="en-US" dirty="0" smtClean="0"/>
+              <a:t>次に敵の説明をしていきます。まずはあの「すもうあしこし」の先頭に立つ男すずきです。このゲームに登場する鈴木は非常にできる男で、やるときはやってくるのでハーンを見つけると一目散に向かってきます。彼は満身の力をあごに込め襲いかかってきます。ちなみに当たったらゲームオーバーです。</a:t>
+            </a:r>
+            <a:endParaRPr kumimoji="1" lang="ja-JP" altLang="en-US" dirty="0"/>
+          </a:p>
+        </p:txBody>
+      </p:sp>
+      <p:sp>
+        <p:nvSpPr>
+          <p:cNvPr id="4" name="スライド番号プレースホルダー 3"/>
+          <p:cNvSpPr>
+            <a:spLocks noGrp="1"/>
+          </p:cNvSpPr>
+          <p:nvPr>
+            <p:ph type="sldNum" sz="quarter" idx="10"/>
+          </p:nvPr>
+        </p:nvSpPr>
+        <p:spPr/>
+        <p:txBody>
+          <a:bodyPr/>
+          <a:lstStyle/>
+          <a:p>
+            <a:fld id="{D8D89B86-C13A-45E9-BBE0-965D1DC3C5CD}" type="slidenum">
+              <a:rPr lang="en-US" altLang="ja-JP" smtClean="0"/>
+              <a:pPr/>
+              <a:t>4</a:t>
+            </a:fld>
+            <a:endParaRPr lang="en-US" altLang="ja-JP"/>
+          </a:p>
+        </p:txBody>
+      </p:sp>
+    </p:spTree>
+    <p:extLst>
+      <p:ext uri="{BB962C8B-B14F-4D97-AF65-F5344CB8AC3E}">
+        <p14:creationId xmlns:p14="http://schemas.microsoft.com/office/powerpoint/2010/main" val="2392780663"/>
+      </p:ext>
+    </p:extLst>
+  </p:cSld>
+  <p:clrMapOvr>
+    <a:masterClrMapping/>
+  </p:clrMapOvr>
+</p:notes>
+</file>
+
+<file path=ppt/notesSlides/notesSlide6.xml><?xml version="1.0" encoding="utf-8"?>
+<p:notes xmlns:a="http://schemas.openxmlformats.org/drawingml/2006/main" xmlns:r="http://schemas.openxmlformats.org/officeDocument/2006/relationships" xmlns:p="http://schemas.openxmlformats.org/presentationml/2006/main">
+  <p:cSld>
+    <p:spTree>
+      <p:nvGrpSpPr>
+        <p:cNvPr id="1" name=""/>
+        <p:cNvGrpSpPr/>
+        <p:nvPr/>
+      </p:nvGrpSpPr>
+      <p:grpSpPr>
+        <a:xfrm>
+          <a:off x="0" y="0"/>
+          <a:ext cx="0" cy="0"/>
+          <a:chOff x="0" y="0"/>
+          <a:chExt cx="0" cy="0"/>
+        </a:xfrm>
+      </p:grpSpPr>
+      <p:sp>
+        <p:nvSpPr>
+          <p:cNvPr id="2" name="スライド イメージ プレースホルダー 1"/>
+          <p:cNvSpPr>
+            <a:spLocks noGrp="1" noRot="1" noChangeAspect="1"/>
+          </p:cNvSpPr>
+          <p:nvPr>
+            <p:ph type="sldImg"/>
+          </p:nvPr>
+        </p:nvSpPr>
+        <p:spPr/>
+      </p:sp>
+      <p:sp>
+        <p:nvSpPr>
+          <p:cNvPr id="3" name="ノート プレースホルダー 2"/>
+          <p:cNvSpPr>
+            <a:spLocks noGrp="1"/>
+          </p:cNvSpPr>
+          <p:nvPr>
+            <p:ph type="body" idx="1"/>
+          </p:nvPr>
+        </p:nvSpPr>
+        <p:spPr/>
+        <p:txBody>
+          <a:bodyPr/>
+          <a:lstStyle/>
+          <a:p>
+            <a:r>
+              <a:rPr kumimoji="1" lang="ja-JP" altLang="en-US" dirty="0" smtClean="0"/>
+              <a:t>島根と言えばこの方シジミです。このゲームに出てくるシジミは非常に</a:t>
+            </a:r>
+            <a:r>
+              <a:rPr kumimoji="1" lang="en-US" altLang="ja-JP" dirty="0" smtClean="0"/>
+              <a:t>GENIUS</a:t>
+            </a:r>
+            <a:r>
+              <a:rPr kumimoji="1" lang="ja-JP" altLang="en-US" dirty="0" smtClean="0"/>
+              <a:t>で、壁を通り抜ける事ができます。時々ワープをして</a:t>
+            </a:r>
+            <a:r>
+              <a:rPr kumimoji="1" lang="ja-JP" altLang="en-US" dirty="0" err="1" smtClean="0"/>
+              <a:t>ぷれ</a:t>
+            </a:r>
+            <a:r>
+              <a:rPr kumimoji="1" lang="ja-JP" altLang="en-US" dirty="0" smtClean="0"/>
+              <a:t>いやーの錯乱をしてきます。</a:t>
+            </a:r>
+            <a:endParaRPr kumimoji="1" lang="ja-JP" altLang="en-US" dirty="0"/>
+          </a:p>
+        </p:txBody>
+      </p:sp>
+      <p:sp>
+        <p:nvSpPr>
+          <p:cNvPr id="4" name="スライド番号プレースホルダー 3"/>
+          <p:cNvSpPr>
+            <a:spLocks noGrp="1"/>
+          </p:cNvSpPr>
+          <p:nvPr>
+            <p:ph type="sldNum" sz="quarter" idx="10"/>
+          </p:nvPr>
+        </p:nvSpPr>
+        <p:spPr/>
+        <p:txBody>
+          <a:bodyPr/>
+          <a:lstStyle/>
+          <a:p>
+            <a:fld id="{D8D89B86-C13A-45E9-BBE0-965D1DC3C5CD}" type="slidenum">
+              <a:rPr lang="en-US" altLang="ja-JP" smtClean="0"/>
+              <a:pPr/>
+              <a:t>5</a:t>
+            </a:fld>
+            <a:endParaRPr lang="en-US" altLang="ja-JP"/>
+          </a:p>
+        </p:txBody>
+      </p:sp>
+    </p:spTree>
+    <p:extLst>
+      <p:ext uri="{BB962C8B-B14F-4D97-AF65-F5344CB8AC3E}">
+        <p14:creationId xmlns:p14="http://schemas.microsoft.com/office/powerpoint/2010/main" val="2796554877"/>
+      </p:ext>
+    </p:extLst>
+  </p:cSld>
+  <p:clrMapOvr>
+    <a:masterClrMapping/>
+  </p:clrMapOvr>
+</p:notes>
+</file>
+
+<file path=ppt/notesSlides/notesSlide7.xml><?xml version="1.0" encoding="utf-8"?>
+<p:notes xmlns:a="http://schemas.openxmlformats.org/drawingml/2006/main" xmlns:r="http://schemas.openxmlformats.org/officeDocument/2006/relationships" xmlns:p="http://schemas.openxmlformats.org/presentationml/2006/main">
+  <p:cSld>
+    <p:spTree>
+      <p:nvGrpSpPr>
+        <p:cNvPr id="1" name=""/>
+        <p:cNvGrpSpPr/>
+        <p:nvPr/>
+      </p:nvGrpSpPr>
+      <p:grpSpPr>
+        <a:xfrm>
+          <a:off x="0" y="0"/>
+          <a:ext cx="0" cy="0"/>
+          <a:chOff x="0" y="0"/>
+          <a:chExt cx="0" cy="0"/>
+        </a:xfrm>
+      </p:grpSpPr>
+      <p:sp>
+        <p:nvSpPr>
+          <p:cNvPr id="2" name="スライド イメージ プレースホルダー 1"/>
+          <p:cNvSpPr>
+            <a:spLocks noGrp="1" noRot="1" noChangeAspect="1"/>
+          </p:cNvSpPr>
+          <p:nvPr>
+            <p:ph type="sldImg"/>
+          </p:nvPr>
+        </p:nvSpPr>
+        <p:spPr/>
+      </p:sp>
+      <p:sp>
+        <p:nvSpPr>
+          <p:cNvPr id="3" name="ノート プレースホルダー 2"/>
+          <p:cNvSpPr>
+            <a:spLocks noGrp="1"/>
+          </p:cNvSpPr>
+          <p:nvPr>
+            <p:ph type="body" idx="1"/>
+          </p:nvPr>
+        </p:nvSpPr>
+        <p:spPr/>
+        <p:txBody>
+          <a:bodyPr/>
+          <a:lstStyle/>
+          <a:p>
+            <a:endParaRPr kumimoji="1" lang="ja-JP" altLang="en-US" dirty="0"/>
+          </a:p>
+        </p:txBody>
+      </p:sp>
+      <p:sp>
+        <p:nvSpPr>
+          <p:cNvPr id="4" name="スライド番号プレースホルダー 3"/>
+          <p:cNvSpPr>
+            <a:spLocks noGrp="1"/>
+          </p:cNvSpPr>
+          <p:nvPr>
+            <p:ph type="sldNum" sz="quarter" idx="10"/>
+          </p:nvPr>
+        </p:nvSpPr>
+        <p:spPr/>
+        <p:txBody>
+          <a:bodyPr/>
+          <a:lstStyle/>
+          <a:p>
+            <a:fld id="{D8D89B86-C13A-45E9-BBE0-965D1DC3C5CD}" type="slidenum">
+              <a:rPr lang="en-US" altLang="ja-JP" smtClean="0"/>
+              <a:pPr/>
+              <a:t>7</a:t>
+            </a:fld>
+            <a:endParaRPr lang="en-US" altLang="ja-JP"/>
+          </a:p>
+        </p:txBody>
+      </p:sp>
+    </p:spTree>
+    <p:extLst>
+      <p:ext uri="{BB962C8B-B14F-4D97-AF65-F5344CB8AC3E}">
+        <p14:creationId xmlns:p14="http://schemas.microsoft.com/office/powerpoint/2010/main" val="718454800"/>
       </p:ext>
     </p:extLst>
   </p:cSld>
@@ -4712,7 +5222,7 @@
         <p:spPr>
           <a:xfrm>
             <a:off x="1466850" y="4941168"/>
-            <a:ext cx="6934200" cy="695325"/>
+            <a:ext cx="6934200" cy="1440160"/>
           </a:xfrm>
         </p:spPr>
         <p:txBody>
@@ -4720,156 +5230,27 @@
           <a:lstStyle/>
           <a:p>
             <a:r>
+              <a:rPr lang="en-US" altLang="ja-JP" sz="4000" dirty="0" smtClean="0"/>
+              <a:t>Rubycamp2016 summer</a:t>
+            </a:r>
+          </a:p>
+          <a:p>
+            <a:r>
               <a:rPr lang="ja-JP" altLang="en-US" sz="4000" dirty="0" smtClean="0"/>
-              <a:t>Ｔｅａｍうみぼうず</a:t>
+              <a:t>チーム名「Ｔｅａｍ</a:t>
+            </a:r>
+            <a:r>
+              <a:rPr lang="ja-JP" altLang="en-US" sz="4000" dirty="0" smtClean="0"/>
+              <a:t>うみぼう</a:t>
+            </a:r>
+            <a:r>
+              <a:rPr lang="ja-JP" altLang="en-US" sz="4000" dirty="0" smtClean="0"/>
+              <a:t>ず」</a:t>
             </a:r>
             <a:endParaRPr lang="ja-JP" altLang="ja-JP" sz="4000" dirty="0"/>
           </a:p>
         </p:txBody>
       </p:sp>
-      <p:grpSp>
-        <p:nvGrpSpPr>
-          <p:cNvPr id="3" name="グループ化 2"/>
-          <p:cNvGrpSpPr/>
-          <p:nvPr/>
-        </p:nvGrpSpPr>
-        <p:grpSpPr>
-          <a:xfrm>
-            <a:off x="1483965" y="1700808"/>
-            <a:ext cx="7128792" cy="6845698"/>
-            <a:chOff x="1483965" y="1700808"/>
-            <a:chExt cx="7128792" cy="6845698"/>
-          </a:xfrm>
-        </p:grpSpPr>
-        <p:sp>
-          <p:nvSpPr>
-            <p:cNvPr id="4" name="フローチャート: 論理積ゲート 3"/>
-            <p:cNvSpPr/>
-            <p:nvPr/>
-          </p:nvSpPr>
-          <p:spPr>
-            <a:xfrm rot="16200000">
-              <a:off x="1625512" y="1559261"/>
-              <a:ext cx="6845698" cy="7128792"/>
-            </a:xfrm>
-            <a:prstGeom prst="flowChartDelay">
-              <a:avLst/>
-            </a:prstGeom>
-          </p:spPr>
-          <p:style>
-            <a:lnRef idx="2">
-              <a:schemeClr val="accent4">
-                <a:shade val="50000"/>
-              </a:schemeClr>
-            </a:lnRef>
-            <a:fillRef idx="1">
-              <a:schemeClr val="accent4"/>
-            </a:fillRef>
-            <a:effectRef idx="0">
-              <a:schemeClr val="accent4"/>
-            </a:effectRef>
-            <a:fontRef idx="minor">
-              <a:schemeClr val="lt1"/>
-            </a:fontRef>
-          </p:style>
-          <p:txBody>
-            <a:bodyPr rtlCol="0" anchor="ctr"/>
-            <a:lstStyle/>
-            <a:p>
-              <a:pPr algn="ctr"/>
-              <a:endParaRPr kumimoji="1" lang="ja-JP" altLang="en-US"/>
-            </a:p>
-          </p:txBody>
-        </p:sp>
-        <p:sp>
-          <p:nvSpPr>
-            <p:cNvPr id="2" name="ドーナツ 1"/>
-            <p:cNvSpPr/>
-            <p:nvPr/>
-          </p:nvSpPr>
-          <p:spPr>
-            <a:xfrm>
-              <a:off x="3224808" y="3969060"/>
-              <a:ext cx="792088" cy="792088"/>
-            </a:xfrm>
-            <a:prstGeom prst="donut">
-              <a:avLst/>
-            </a:prstGeom>
-          </p:spPr>
-          <p:style>
-            <a:lnRef idx="2">
-              <a:schemeClr val="accent3">
-                <a:shade val="50000"/>
-              </a:schemeClr>
-            </a:lnRef>
-            <a:fillRef idx="1">
-              <a:schemeClr val="accent3"/>
-            </a:fillRef>
-            <a:effectRef idx="0">
-              <a:schemeClr val="accent3"/>
-            </a:effectRef>
-            <a:fontRef idx="minor">
-              <a:schemeClr val="lt1"/>
-            </a:fontRef>
-          </p:style>
-          <p:txBody>
-            <a:bodyPr rtlCol="0" anchor="ctr"/>
-            <a:lstStyle/>
-            <a:p>
-              <a:pPr algn="ctr"/>
-              <a:endParaRPr kumimoji="1" lang="ja-JP" altLang="en-US">
-                <a:solidFill>
-                  <a:schemeClr val="tx1"/>
-                </a:solidFill>
-              </a:endParaRPr>
-            </a:p>
-          </p:txBody>
-        </p:sp>
-        <p:sp>
-          <p:nvSpPr>
-            <p:cNvPr id="6" name="ドーナツ 5"/>
-            <p:cNvSpPr/>
-            <p:nvPr/>
-          </p:nvSpPr>
-          <p:spPr>
-            <a:xfrm>
-              <a:off x="5918782" y="3969060"/>
-              <a:ext cx="792088" cy="792088"/>
-            </a:xfrm>
-            <a:prstGeom prst="donut">
-              <a:avLst/>
-            </a:prstGeom>
-          </p:spPr>
-          <p:style>
-            <a:lnRef idx="2">
-              <a:schemeClr val="accent3">
-                <a:shade val="50000"/>
-              </a:schemeClr>
-            </a:lnRef>
-            <a:fillRef idx="1">
-              <a:schemeClr val="accent3"/>
-            </a:fillRef>
-            <a:effectRef idx="0">
-              <a:schemeClr val="accent3"/>
-            </a:effectRef>
-            <a:fontRef idx="minor">
-              <a:schemeClr val="lt1"/>
-            </a:fontRef>
-          </p:style>
-          <p:txBody>
-            <a:bodyPr rtlCol="0" anchor="ctr"/>
-            <a:lstStyle/>
-            <a:p>
-              <a:pPr algn="ctr"/>
-              <a:endParaRPr kumimoji="1" lang="ja-JP" altLang="en-US">
-                <a:solidFill>
-                  <a:schemeClr val="tx1"/>
-                </a:solidFill>
-              </a:endParaRPr>
-            </a:p>
-          </p:txBody>
-        </p:sp>
-      </p:grpSp>
     </p:spTree>
   </p:cSld>
   <p:clrMapOvr>
@@ -4878,129 +5259,308 @@
   <p:timing>
     <p:tnLst>
       <p:par>
-        <p:cTn id="1" dur="indefinite" restart="never" nodeType="tmRoot">
-          <p:childTnLst>
-            <p:seq concurrent="1" nextAc="seek">
-              <p:cTn id="2" dur="indefinite" nodeType="mainSeq">
-                <p:childTnLst>
-                  <p:par>
-                    <p:cTn id="3" fill="hold">
-                      <p:stCondLst>
-                        <p:cond delay="indefinite"/>
-                      </p:stCondLst>
-                      <p:childTnLst>
-                        <p:par>
-                          <p:cTn id="4" fill="hold">
-                            <p:stCondLst>
-                              <p:cond delay="0"/>
-                            </p:stCondLst>
-                            <p:childTnLst>
-                              <p:par>
-                                <p:cTn id="5" presetID="42" presetClass="entr" presetSubtype="0" fill="hold" nodeType="clickEffect">
-                                  <p:stCondLst>
-                                    <p:cond delay="0"/>
-                                  </p:stCondLst>
-                                  <p:childTnLst>
-                                    <p:set>
-                                      <p:cBhvr>
-                                        <p:cTn id="6" dur="1" fill="hold">
-                                          <p:stCondLst>
-                                            <p:cond delay="0"/>
-                                          </p:stCondLst>
-                                        </p:cTn>
-                                        <p:tgtEl>
-                                          <p:spTgt spid="3"/>
-                                        </p:tgtEl>
-                                        <p:attrNameLst>
-                                          <p:attrName>style.visibility</p:attrName>
-                                        </p:attrNameLst>
-                                      </p:cBhvr>
-                                      <p:to>
-                                        <p:strVal val="visible"/>
-                                      </p:to>
-                                    </p:set>
-                                    <p:animEffect transition="in" filter="fade">
-                                      <p:cBhvr>
-                                        <p:cTn id="7" dur="1000"/>
-                                        <p:tgtEl>
-                                          <p:spTgt spid="3"/>
-                                        </p:tgtEl>
-                                      </p:cBhvr>
-                                    </p:animEffect>
-                                    <p:anim calcmode="lin" valueType="num">
-                                      <p:cBhvr>
-                                        <p:cTn id="8" dur="1000" fill="hold"/>
-                                        <p:tgtEl>
-                                          <p:spTgt spid="3"/>
-                                        </p:tgtEl>
-                                        <p:attrNameLst>
-                                          <p:attrName>ppt_x</p:attrName>
-                                        </p:attrNameLst>
-                                      </p:cBhvr>
-                                      <p:tavLst>
-                                        <p:tav tm="0">
-                                          <p:val>
-                                            <p:strVal val="#ppt_x"/>
-                                          </p:val>
-                                        </p:tav>
-                                        <p:tav tm="100000">
-                                          <p:val>
-                                            <p:strVal val="#ppt_x"/>
-                                          </p:val>
-                                        </p:tav>
-                                      </p:tavLst>
-                                    </p:anim>
-                                    <p:anim calcmode="lin" valueType="num">
-                                      <p:cBhvr>
-                                        <p:cTn id="9" dur="1000" fill="hold"/>
-                                        <p:tgtEl>
-                                          <p:spTgt spid="3"/>
-                                        </p:tgtEl>
-                                        <p:attrNameLst>
-                                          <p:attrName>ppt_y</p:attrName>
-                                        </p:attrNameLst>
-                                      </p:cBhvr>
-                                      <p:tavLst>
-                                        <p:tav tm="0">
-                                          <p:val>
-                                            <p:strVal val="#ppt_y+.1"/>
-                                          </p:val>
-                                        </p:tav>
-                                        <p:tav tm="100000">
-                                          <p:val>
-                                            <p:strVal val="#ppt_y"/>
-                                          </p:val>
-                                        </p:tav>
-                                      </p:tavLst>
-                                    </p:anim>
-                                  </p:childTnLst>
-                                </p:cTn>
-                              </p:par>
-                            </p:childTnLst>
-                          </p:cTn>
-                        </p:par>
-                      </p:childTnLst>
-                    </p:cTn>
-                  </p:par>
-                </p:childTnLst>
-              </p:cTn>
-              <p:prevCondLst>
-                <p:cond evt="onPrev" delay="0">
-                  <p:tgtEl>
-                    <p:sldTgt/>
-                  </p:tgtEl>
-                </p:cond>
-              </p:prevCondLst>
-              <p:nextCondLst>
-                <p:cond evt="onNext" delay="0">
-                  <p:tgtEl>
-                    <p:sldTgt/>
-                  </p:tgtEl>
-                </p:cond>
-              </p:nextCondLst>
-            </p:seq>
-          </p:childTnLst>
-        </p:cTn>
+        <p:cTn id="1" dur="indefinite" restart="never" nodeType="tmRoot"/>
+      </p:par>
+    </p:tnLst>
+  </p:timing>
+</p:sld>
+</file>
+
+<file path=ppt/slides/slide10.xml><?xml version="1.0" encoding="utf-8"?>
+<p:sld xmlns:a="http://schemas.openxmlformats.org/drawingml/2006/main" xmlns:r="http://schemas.openxmlformats.org/officeDocument/2006/relationships" xmlns:p="http://schemas.openxmlformats.org/presentationml/2006/main">
+  <p:cSld>
+    <p:spTree>
+      <p:nvGrpSpPr>
+        <p:cNvPr id="1" name=""/>
+        <p:cNvGrpSpPr/>
+        <p:nvPr/>
+      </p:nvGrpSpPr>
+      <p:grpSpPr>
+        <a:xfrm>
+          <a:off x="0" y="0"/>
+          <a:ext cx="0" cy="0"/>
+          <a:chOff x="0" y="0"/>
+          <a:chExt cx="0" cy="0"/>
+        </a:xfrm>
+      </p:grpSpPr>
+      <p:sp>
+        <p:nvSpPr>
+          <p:cNvPr id="2" name="タイトル 1"/>
+          <p:cNvSpPr>
+            <a:spLocks noGrp="1"/>
+          </p:cNvSpPr>
+          <p:nvPr>
+            <p:ph type="title"/>
+          </p:nvPr>
+        </p:nvSpPr>
+        <p:spPr/>
+        <p:txBody>
+          <a:bodyPr/>
+          <a:lstStyle/>
+          <a:p>
+            <a:r>
+              <a:rPr kumimoji="1" lang="ja-JP" altLang="en-US" dirty="0" smtClean="0"/>
+              <a:t>たから</a:t>
+            </a:r>
+            <a:endParaRPr kumimoji="1" lang="ja-JP" altLang="en-US" dirty="0"/>
+          </a:p>
+        </p:txBody>
+      </p:sp>
+      <p:sp>
+        <p:nvSpPr>
+          <p:cNvPr id="4" name="スライド番号プレースホルダー 3"/>
+          <p:cNvSpPr>
+            <a:spLocks noGrp="1"/>
+          </p:cNvSpPr>
+          <p:nvPr>
+            <p:ph type="sldNum" sz="quarter" idx="12"/>
+          </p:nvPr>
+        </p:nvSpPr>
+        <p:spPr/>
+        <p:txBody>
+          <a:bodyPr/>
+          <a:lstStyle/>
+          <a:p>
+            <a:fld id="{FA01AF0C-45ED-4F62-92C7-A07C97864F1B}" type="slidenum">
+              <a:rPr lang="en-US" altLang="ja-JP" smtClean="0"/>
+              <a:pPr/>
+              <a:t>9</a:t>
+            </a:fld>
+            <a:endParaRPr lang="en-US" altLang="ja-JP"/>
+          </a:p>
+        </p:txBody>
+      </p:sp>
+      <p:sp>
+        <p:nvSpPr>
+          <p:cNvPr id="6" name="コンテンツ プレースホルダー 5"/>
+          <p:cNvSpPr>
+            <a:spLocks noGrp="1"/>
+          </p:cNvSpPr>
+          <p:nvPr>
+            <p:ph idx="1"/>
+          </p:nvPr>
+        </p:nvSpPr>
+        <p:spPr/>
+        <p:txBody>
+          <a:bodyPr/>
+          <a:lstStyle/>
+          <a:p>
+            <a:r>
+              <a:rPr kumimoji="1" lang="ja-JP" altLang="en-US" sz="4000" dirty="0" smtClean="0"/>
+              <a:t>これを集めるとスコアアップする</a:t>
+            </a:r>
+            <a:endParaRPr kumimoji="1" lang="en-US" altLang="ja-JP" sz="4000" dirty="0" smtClean="0"/>
+          </a:p>
+          <a:p>
+            <a:r>
+              <a:rPr kumimoji="1" lang="ja-JP" altLang="en-US" sz="4000" dirty="0" smtClean="0"/>
+              <a:t>宝をとるとおばけが出現する</a:t>
+            </a:r>
+            <a:endParaRPr kumimoji="1" lang="ja-JP" altLang="en-US" sz="4000" dirty="0"/>
+          </a:p>
+        </p:txBody>
+      </p:sp>
+      <p:pic>
+        <p:nvPicPr>
+          <p:cNvPr id="7" name="コンテンツ プレースホルダー 4"/>
+          <p:cNvPicPr>
+            <a:picLocks noChangeAspect="1"/>
+          </p:cNvPicPr>
+          <p:nvPr/>
+        </p:nvPicPr>
+        <p:blipFill>
+          <a:blip r:embed="rId2">
+            <a:extLst>
+              <a:ext uri="{28A0092B-C50C-407E-A947-70E740481C1C}">
+                <a14:useLocalDpi xmlns:a14="http://schemas.microsoft.com/office/drawing/2010/main" val="0"/>
+              </a:ext>
+            </a:extLst>
+          </a:blip>
+          <a:stretch>
+            <a:fillRect/>
+          </a:stretch>
+        </p:blipFill>
+        <p:spPr bwMode="auto">
+          <a:xfrm>
+            <a:off x="6753200" y="3490888"/>
+            <a:ext cx="2663850" cy="2663850"/>
+          </a:xfrm>
+          <a:prstGeom prst="rect">
+            <a:avLst/>
+          </a:prstGeom>
+          <a:noFill/>
+          <a:ln w="9525">
+            <a:solidFill>
+              <a:schemeClr val="tx1"/>
+            </a:solidFill>
+            <a:miter lim="800000"/>
+            <a:headEnd/>
+            <a:tailEnd/>
+          </a:ln>
+          <a:effectLst/>
+          <a:extLst>
+            <a:ext uri="{909E8E84-426E-40DD-AFC4-6F175D3DCCD1}">
+              <a14:hiddenFill xmlns:a14="http://schemas.microsoft.com/office/drawing/2010/main">
+                <a:solidFill>
+                  <a:schemeClr val="accent1"/>
+                </a:solidFill>
+              </a14:hiddenFill>
+            </a:ext>
+            <a:ext uri="{AF507438-7753-43E0-B8FC-AC1667EBCBE1}">
+              <a14:hiddenEffects xmlns:a14="http://schemas.microsoft.com/office/drawing/2010/main">
+                <a:effectLst>
+                  <a:outerShdw dist="35921" dir="2700000" algn="ctr" rotWithShape="0">
+                    <a:schemeClr val="bg2"/>
+                  </a:outerShdw>
+                </a:effectLst>
+              </a14:hiddenEffects>
+            </a:ext>
+          </a:extLst>
+        </p:spPr>
+      </p:pic>
+    </p:spTree>
+    <p:extLst>
+      <p:ext uri="{BB962C8B-B14F-4D97-AF65-F5344CB8AC3E}">
+        <p14:creationId xmlns:p14="http://schemas.microsoft.com/office/powerpoint/2010/main" val="858598099"/>
+      </p:ext>
+    </p:extLst>
+  </p:cSld>
+  <p:clrMapOvr>
+    <a:masterClrMapping/>
+  </p:clrMapOvr>
+  <p:timing>
+    <p:tnLst>
+      <p:par>
+        <p:cTn id="1" dur="indefinite" restart="never" nodeType="tmRoot"/>
+      </p:par>
+    </p:tnLst>
+  </p:timing>
+</p:sld>
+</file>
+
+<file path=ppt/slides/slide11.xml><?xml version="1.0" encoding="utf-8"?>
+<p:sld xmlns:a="http://schemas.openxmlformats.org/drawingml/2006/main" xmlns:r="http://schemas.openxmlformats.org/officeDocument/2006/relationships" xmlns:p="http://schemas.openxmlformats.org/presentationml/2006/main">
+  <p:cSld>
+    <p:spTree>
+      <p:nvGrpSpPr>
+        <p:cNvPr id="1" name=""/>
+        <p:cNvGrpSpPr/>
+        <p:nvPr/>
+      </p:nvGrpSpPr>
+      <p:grpSpPr>
+        <a:xfrm>
+          <a:off x="0" y="0"/>
+          <a:ext cx="0" cy="0"/>
+          <a:chOff x="0" y="0"/>
+          <a:chExt cx="0" cy="0"/>
+        </a:xfrm>
+      </p:grpSpPr>
+      <p:sp>
+        <p:nvSpPr>
+          <p:cNvPr id="2" name="タイトル 1"/>
+          <p:cNvSpPr>
+            <a:spLocks noGrp="1"/>
+          </p:cNvSpPr>
+          <p:nvPr>
+            <p:ph type="title"/>
+          </p:nvPr>
+        </p:nvSpPr>
+        <p:spPr/>
+        <p:txBody>
+          <a:bodyPr/>
+          <a:lstStyle/>
+          <a:p>
+            <a:r>
+              <a:rPr kumimoji="1" lang="ja-JP" altLang="en-US" dirty="0" smtClean="0"/>
+              <a:t>高得点をとるためのポイント</a:t>
+            </a:r>
+            <a:endParaRPr kumimoji="1" lang="ja-JP" altLang="en-US" dirty="0"/>
+          </a:p>
+        </p:txBody>
+      </p:sp>
+      <p:sp>
+        <p:nvSpPr>
+          <p:cNvPr id="3" name="コンテンツ プレースホルダー 2"/>
+          <p:cNvSpPr>
+            <a:spLocks noGrp="1"/>
+          </p:cNvSpPr>
+          <p:nvPr>
+            <p:ph idx="1"/>
+          </p:nvPr>
+        </p:nvSpPr>
+        <p:spPr/>
+        <p:txBody>
+          <a:bodyPr/>
+          <a:lstStyle/>
+          <a:p>
+            <a:r>
+              <a:rPr kumimoji="1" lang="ja-JP" altLang="en-US" dirty="0" smtClean="0"/>
+              <a:t>ゴールすると残り時間がスコアに換算される</a:t>
+            </a:r>
+            <a:endParaRPr kumimoji="1" lang="en-US" altLang="ja-JP" dirty="0" smtClean="0"/>
+          </a:p>
+          <a:p>
+            <a:endParaRPr lang="en-US" altLang="ja-JP" dirty="0"/>
+          </a:p>
+          <a:p>
+            <a:r>
+              <a:rPr kumimoji="1" lang="ja-JP" altLang="en-US" dirty="0" smtClean="0"/>
+              <a:t>えさを使ってすずきの注意を引く</a:t>
+            </a:r>
+            <a:endParaRPr kumimoji="1" lang="en-US" altLang="ja-JP" dirty="0" smtClean="0"/>
+          </a:p>
+          <a:p>
+            <a:endParaRPr lang="en-US" altLang="ja-JP" dirty="0"/>
+          </a:p>
+          <a:p>
+            <a:endParaRPr lang="en-US" altLang="ja-JP" dirty="0" smtClean="0"/>
+          </a:p>
+          <a:p>
+            <a:pPr marL="0" indent="0">
+              <a:buNone/>
+            </a:pPr>
+            <a:endParaRPr kumimoji="1" lang="en-US" altLang="ja-JP" dirty="0"/>
+          </a:p>
+        </p:txBody>
+      </p:sp>
+      <p:sp>
+        <p:nvSpPr>
+          <p:cNvPr id="4" name="スライド番号プレースホルダー 3"/>
+          <p:cNvSpPr>
+            <a:spLocks noGrp="1"/>
+          </p:cNvSpPr>
+          <p:nvPr>
+            <p:ph type="sldNum" sz="quarter" idx="12"/>
+          </p:nvPr>
+        </p:nvSpPr>
+        <p:spPr/>
+        <p:txBody>
+          <a:bodyPr/>
+          <a:lstStyle/>
+          <a:p>
+            <a:fld id="{FA01AF0C-45ED-4F62-92C7-A07C97864F1B}" type="slidenum">
+              <a:rPr lang="en-US" altLang="ja-JP" smtClean="0"/>
+              <a:pPr/>
+              <a:t>10</a:t>
+            </a:fld>
+            <a:endParaRPr lang="en-US" altLang="ja-JP"/>
+          </a:p>
+        </p:txBody>
+      </p:sp>
+    </p:spTree>
+    <p:extLst>
+      <p:ext uri="{BB962C8B-B14F-4D97-AF65-F5344CB8AC3E}">
+        <p14:creationId xmlns:p14="http://schemas.microsoft.com/office/powerpoint/2010/main" val="472097878"/>
+      </p:ext>
+    </p:extLst>
+  </p:cSld>
+  <p:clrMapOvr>
+    <a:masterClrMapping/>
+  </p:clrMapOvr>
+  <p:timing>
+    <p:tnLst>
+      <p:par>
+        <p:cTn id="1" dur="indefinite" restart="never" nodeType="tmRoot"/>
       </p:par>
     </p:tnLst>
   </p:timing>
@@ -5026,7 +5586,59 @@
       </p:grpSpPr>
       <p:sp>
         <p:nvSpPr>
-          <p:cNvPr id="5" name="スライド番号プレースホルダー 5"/>
+          <p:cNvPr id="2" name="タイトル 1"/>
+          <p:cNvSpPr>
+            <a:spLocks noGrp="1"/>
+          </p:cNvSpPr>
+          <p:nvPr>
+            <p:ph type="title"/>
+          </p:nvPr>
+        </p:nvSpPr>
+        <p:spPr/>
+        <p:txBody>
+          <a:bodyPr/>
+          <a:lstStyle/>
+          <a:p>
+            <a:r>
+              <a:rPr kumimoji="1" lang="ja-JP" altLang="en-US" dirty="0" smtClean="0"/>
+              <a:t>設定</a:t>
+            </a:r>
+            <a:endParaRPr kumimoji="1" lang="ja-JP" altLang="en-US" dirty="0"/>
+          </a:p>
+        </p:txBody>
+      </p:sp>
+      <p:sp>
+        <p:nvSpPr>
+          <p:cNvPr id="3" name="コンテンツ プレースホルダー 2"/>
+          <p:cNvSpPr>
+            <a:spLocks noGrp="1"/>
+          </p:cNvSpPr>
+          <p:nvPr>
+            <p:ph idx="1"/>
+          </p:nvPr>
+        </p:nvSpPr>
+        <p:spPr/>
+        <p:txBody>
+          <a:bodyPr/>
+          <a:lstStyle/>
+          <a:p>
+            <a:r>
+              <a:rPr kumimoji="1" lang="ja-JP" altLang="en-US" dirty="0" smtClean="0"/>
+              <a:t>舞台：宍道湖</a:t>
+            </a:r>
+            <a:endParaRPr kumimoji="1" lang="en-US" altLang="ja-JP" dirty="0" smtClean="0"/>
+          </a:p>
+          <a:p>
+            <a:endParaRPr lang="en-US" altLang="ja-JP" dirty="0"/>
+          </a:p>
+          <a:p>
+            <a:endParaRPr kumimoji="1" lang="en-US" altLang="ja-JP" dirty="0" smtClean="0"/>
+          </a:p>
+        </p:txBody>
+      </p:sp>
+      <p:sp>
+        <p:nvSpPr>
+          <p:cNvPr id="4" name="スライド番号プレースホルダー 3"/>
           <p:cNvSpPr>
             <a:spLocks noGrp="1"/>
           </p:cNvSpPr>
@@ -5039,8 +5651,8 @@
           <a:bodyPr/>
           <a:lstStyle/>
           <a:p>
-            <a:fld id="{4D867FF8-8EEC-439A-882E-1EFD99059148}" type="slidenum">
-              <a:rPr lang="en-US" altLang="ja-JP"/>
+            <a:fld id="{FA01AF0C-45ED-4F62-92C7-A07C97864F1B}" type="slidenum">
+              <a:rPr lang="en-US" altLang="ja-JP" smtClean="0"/>
               <a:pPr/>
               <a:t>1</a:t>
             </a:fld>
@@ -5048,73 +5660,12 @@
           </a:p>
         </p:txBody>
       </p:sp>
-      <p:sp>
-        <p:nvSpPr>
-          <p:cNvPr id="4098" name="Rectangle 2"/>
-          <p:cNvSpPr>
-            <a:spLocks noGrp="1" noChangeArrowheads="1"/>
-          </p:cNvSpPr>
-          <p:nvPr>
-            <p:ph type="title"/>
-          </p:nvPr>
-        </p:nvSpPr>
-        <p:spPr/>
-        <p:txBody>
-          <a:bodyPr/>
-          <a:lstStyle/>
-          <a:p>
-            <a:r>
-              <a:rPr lang="ja-JP" altLang="en-US" sz="4400" dirty="0" smtClean="0"/>
-              <a:t>ゲームの説明</a:t>
-            </a:r>
-            <a:endParaRPr lang="ja-JP" altLang="ja-JP" sz="4400" dirty="0"/>
-          </a:p>
-        </p:txBody>
-      </p:sp>
-      <p:sp>
-        <p:nvSpPr>
-          <p:cNvPr id="4099" name="Rectangle 3"/>
-          <p:cNvSpPr>
-            <a:spLocks noGrp="1" noChangeArrowheads="1"/>
-          </p:cNvSpPr>
-          <p:nvPr>
-            <p:ph type="body" idx="1"/>
-          </p:nvPr>
-        </p:nvSpPr>
-        <p:spPr/>
-        <p:txBody>
-          <a:bodyPr/>
-          <a:lstStyle/>
-          <a:p>
-            <a:r>
-              <a:rPr lang="ja-JP" altLang="en-US" sz="3600" dirty="0" smtClean="0"/>
-              <a:t>目的　：　宝を集めてゴールを目指す</a:t>
-            </a:r>
-            <a:endParaRPr lang="en-US" altLang="ja-JP" sz="3600" dirty="0" smtClean="0"/>
-          </a:p>
-          <a:p>
-            <a:endParaRPr lang="en-US" altLang="ja-JP" sz="3600" dirty="0"/>
-          </a:p>
-          <a:p>
-            <a:r>
-              <a:rPr lang="ja-JP" altLang="en-US" sz="3600" dirty="0" smtClean="0"/>
-              <a:t>サメにあたるか、ライフがなくなるとゲームオーバー</a:t>
-            </a:r>
-            <a:endParaRPr lang="en-US" altLang="ja-JP" sz="3600" dirty="0" smtClean="0"/>
-          </a:p>
-          <a:p>
-            <a:endParaRPr lang="en-US" altLang="ja-JP" sz="3600" dirty="0"/>
-          </a:p>
-          <a:p>
-            <a:r>
-              <a:rPr lang="ja-JP" altLang="en-US" sz="3600" dirty="0" smtClean="0"/>
-              <a:t>スコアを競う</a:t>
-            </a:r>
-            <a:endParaRPr lang="en-US" altLang="ja-JP" sz="3600" dirty="0" smtClean="0"/>
-          </a:p>
-        </p:txBody>
-      </p:sp>
     </p:spTree>
+    <p:extLst>
+      <p:ext uri="{BB962C8B-B14F-4D97-AF65-F5344CB8AC3E}">
+        <p14:creationId xmlns:p14="http://schemas.microsoft.com/office/powerpoint/2010/main" val="957432624"/>
+      </p:ext>
+    </p:extLst>
   </p:cSld>
   <p:clrMapOvr>
     <a:masterClrMapping/>
@@ -5148,12 +5699,12 @@
       </p:grpSpPr>
       <p:sp>
         <p:nvSpPr>
-          <p:cNvPr id="2" name="タイトル 1"/>
-          <p:cNvSpPr>
-            <a:spLocks noGrp="1"/>
-          </p:cNvSpPr>
-          <p:nvPr>
-            <p:ph type="title"/>
+          <p:cNvPr id="5" name="スライド番号プレースホルダー 5"/>
+          <p:cNvSpPr>
+            <a:spLocks noGrp="1"/>
+          </p:cNvSpPr>
+          <p:nvPr>
+            <p:ph type="sldNum" sz="quarter" idx="12"/>
           </p:nvPr>
         </p:nvSpPr>
         <p:spPr/>
@@ -5161,31 +5712,8 @@
           <a:bodyPr/>
           <a:lstStyle/>
           <a:p>
-            <a:r>
-              <a:rPr kumimoji="1" lang="ja-JP" altLang="en-US" dirty="0" smtClean="0"/>
-              <a:t>プレイヤー</a:t>
-            </a:r>
-            <a:endParaRPr kumimoji="1" lang="ja-JP" altLang="en-US" dirty="0"/>
-          </a:p>
-        </p:txBody>
-      </p:sp>
-      <p:sp>
-        <p:nvSpPr>
-          <p:cNvPr id="4" name="スライド番号プレースホルダー 3"/>
-          <p:cNvSpPr>
-            <a:spLocks noGrp="1"/>
-          </p:cNvSpPr>
-          <p:nvPr>
-            <p:ph type="sldNum" sz="quarter" idx="12"/>
-          </p:nvPr>
-        </p:nvSpPr>
-        <p:spPr/>
-        <p:txBody>
-          <a:bodyPr/>
-          <a:lstStyle/>
-          <a:p>
-            <a:fld id="{FA01AF0C-45ED-4F62-92C7-A07C97864F1B}" type="slidenum">
-              <a:rPr lang="en-US" altLang="ja-JP" smtClean="0"/>
+            <a:fld id="{4D867FF8-8EEC-439A-882E-1EFD99059148}" type="slidenum">
+              <a:rPr lang="en-US" altLang="ja-JP"/>
               <a:pPr/>
               <a:t>2</a:t>
             </a:fld>
@@ -5195,6 +5723,157 @@
       </p:sp>
       <p:sp>
         <p:nvSpPr>
+          <p:cNvPr id="4098" name="Rectangle 2"/>
+          <p:cNvSpPr>
+            <a:spLocks noGrp="1" noChangeArrowheads="1"/>
+          </p:cNvSpPr>
+          <p:nvPr>
+            <p:ph type="title"/>
+          </p:nvPr>
+        </p:nvSpPr>
+        <p:spPr/>
+        <p:txBody>
+          <a:bodyPr/>
+          <a:lstStyle/>
+          <a:p>
+            <a:r>
+              <a:rPr lang="ja-JP" altLang="en-US" sz="4400" dirty="0" smtClean="0"/>
+              <a:t>ゲームの説明</a:t>
+            </a:r>
+            <a:endParaRPr lang="ja-JP" altLang="ja-JP" sz="4400" dirty="0"/>
+          </a:p>
+        </p:txBody>
+      </p:sp>
+      <p:sp>
+        <p:nvSpPr>
+          <p:cNvPr id="4099" name="Rectangle 3"/>
+          <p:cNvSpPr>
+            <a:spLocks noGrp="1" noChangeArrowheads="1"/>
+          </p:cNvSpPr>
+          <p:nvPr>
+            <p:ph type="body" idx="1"/>
+          </p:nvPr>
+        </p:nvSpPr>
+        <p:spPr/>
+        <p:txBody>
+          <a:bodyPr/>
+          <a:lstStyle/>
+          <a:p>
+            <a:r>
+              <a:rPr lang="ja-JP" altLang="en-US" sz="3600" dirty="0" smtClean="0"/>
+              <a:t>目的　：　宝を</a:t>
+            </a:r>
+            <a:r>
+              <a:rPr lang="ja-JP" altLang="en-US" sz="3600" dirty="0" smtClean="0"/>
+              <a:t>集めて船に帰る</a:t>
+            </a:r>
+            <a:endParaRPr lang="en-US" altLang="ja-JP" sz="3600" dirty="0" smtClean="0"/>
+          </a:p>
+          <a:p>
+            <a:endParaRPr lang="en-US" altLang="ja-JP" sz="3600" dirty="0"/>
+          </a:p>
+          <a:p>
+            <a:r>
+              <a:rPr lang="ja-JP" altLang="en-US" sz="3600" dirty="0" smtClean="0"/>
+              <a:t>登場キャラ：宍道湖の生物たち</a:t>
+            </a:r>
+            <a:endParaRPr lang="en-US" altLang="ja-JP" sz="3600" dirty="0"/>
+          </a:p>
+          <a:p>
+            <a:endParaRPr lang="en-US" altLang="ja-JP" sz="3600" dirty="0" smtClean="0"/>
+          </a:p>
+          <a:p>
+            <a:endParaRPr lang="en-US" altLang="ja-JP" sz="3600" dirty="0" smtClean="0"/>
+          </a:p>
+          <a:p>
+            <a:endParaRPr lang="en-US" altLang="ja-JP" sz="3600" dirty="0"/>
+          </a:p>
+          <a:p>
+            <a:endParaRPr lang="en-US" altLang="ja-JP" sz="3600" dirty="0" smtClean="0"/>
+          </a:p>
+        </p:txBody>
+      </p:sp>
+    </p:spTree>
+  </p:cSld>
+  <p:clrMapOvr>
+    <a:masterClrMapping/>
+  </p:clrMapOvr>
+  <p:timing>
+    <p:tnLst>
+      <p:par>
+        <p:cTn id="1" dur="indefinite" restart="never" nodeType="tmRoot"/>
+      </p:par>
+    </p:tnLst>
+  </p:timing>
+</p:sld>
+</file>
+
+<file path=ppt/slides/slide4.xml><?xml version="1.0" encoding="utf-8"?>
+<p:sld xmlns:a="http://schemas.openxmlformats.org/drawingml/2006/main" xmlns:r="http://schemas.openxmlformats.org/officeDocument/2006/relationships" xmlns:p="http://schemas.openxmlformats.org/presentationml/2006/main">
+  <p:cSld>
+    <p:spTree>
+      <p:nvGrpSpPr>
+        <p:cNvPr id="1" name=""/>
+        <p:cNvGrpSpPr/>
+        <p:nvPr/>
+      </p:nvGrpSpPr>
+      <p:grpSpPr>
+        <a:xfrm>
+          <a:off x="0" y="0"/>
+          <a:ext cx="0" cy="0"/>
+          <a:chOff x="0" y="0"/>
+          <a:chExt cx="0" cy="0"/>
+        </a:xfrm>
+      </p:grpSpPr>
+      <p:sp>
+        <p:nvSpPr>
+          <p:cNvPr id="2" name="タイトル 1"/>
+          <p:cNvSpPr>
+            <a:spLocks noGrp="1"/>
+          </p:cNvSpPr>
+          <p:nvPr>
+            <p:ph type="title"/>
+          </p:nvPr>
+        </p:nvSpPr>
+        <p:spPr/>
+        <p:txBody>
+          <a:bodyPr/>
+          <a:lstStyle/>
+          <a:p>
+            <a:r>
+              <a:rPr kumimoji="1" lang="ja-JP" altLang="en-US" dirty="0" smtClean="0"/>
+              <a:t>ラフカディオ・ハーン</a:t>
+            </a:r>
+            <a:endParaRPr kumimoji="1" lang="ja-JP" altLang="en-US" dirty="0"/>
+          </a:p>
+        </p:txBody>
+      </p:sp>
+      <p:sp>
+        <p:nvSpPr>
+          <p:cNvPr id="4" name="スライド番号プレースホルダー 3"/>
+          <p:cNvSpPr>
+            <a:spLocks noGrp="1"/>
+          </p:cNvSpPr>
+          <p:nvPr>
+            <p:ph type="sldNum" sz="quarter" idx="12"/>
+          </p:nvPr>
+        </p:nvSpPr>
+        <p:spPr/>
+        <p:txBody>
+          <a:bodyPr/>
+          <a:lstStyle/>
+          <a:p>
+            <a:fld id="{FA01AF0C-45ED-4F62-92C7-A07C97864F1B}" type="slidenum">
+              <a:rPr lang="en-US" altLang="ja-JP" smtClean="0"/>
+              <a:pPr/>
+              <a:t>3</a:t>
+            </a:fld>
+            <a:endParaRPr lang="en-US" altLang="ja-JP"/>
+          </a:p>
+        </p:txBody>
+      </p:sp>
+      <p:sp>
+        <p:nvSpPr>
           <p:cNvPr id="6" name="コンテンツ プレースホルダー 5"/>
           <p:cNvSpPr>
             <a:spLocks noGrp="1"/>
@@ -5217,11 +5896,7 @@
           <a:p>
             <a:r>
               <a:rPr kumimoji="1" lang="ja-JP" altLang="en-US" sz="4400" dirty="0" smtClean="0"/>
-              <a:t>上下左右斜めに</a:t>
-            </a:r>
-            <a:r>
-              <a:rPr kumimoji="1" lang="ja-JP" altLang="en-US" sz="4400" dirty="0" smtClean="0"/>
-              <a:t>動ける</a:t>
+              <a:t>上下左右斜めに動ける</a:t>
             </a:r>
             <a:endParaRPr kumimoji="1" lang="en-US" altLang="ja-JP" sz="4400" dirty="0" smtClean="0"/>
           </a:p>
@@ -5269,7 +5944,7 @@
           <p:nvPr/>
         </p:nvPicPr>
         <p:blipFill>
-          <a:blip r:embed="rId2">
+          <a:blip r:embed="rId3">
             <a:extLst>
               <a:ext uri="{28A0092B-C50C-407E-A947-70E740481C1C}">
                 <a14:useLocalDpi xmlns:a14="http://schemas.microsoft.com/office/drawing/2010/main" val="0"/>
@@ -5282,15 +5957,20 @@
         </p:blipFill>
         <p:spPr bwMode="auto">
           <a:xfrm>
-            <a:off x="4858717" y="69590"/>
+            <a:off x="5237187" y="69590"/>
             <a:ext cx="4465092" cy="2232546"/>
           </a:xfrm>
           <a:prstGeom prst="rect">
             <a:avLst/>
           </a:prstGeom>
           <a:noFill/>
-          <a:ln>
-            <a:noFill/>
+          <a:ln w="9525">
+            <a:solidFill>
+              <a:schemeClr val="tx1"/>
+            </a:solidFill>
+            <a:miter lim="800000"/>
+            <a:headEnd/>
+            <a:tailEnd/>
           </a:ln>
           <a:effectLst/>
           <a:extLst>
@@ -5300,16 +5980,6 @@
                   <a:schemeClr val="accent1"/>
                 </a:solidFill>
               </a14:hiddenFill>
-            </a:ext>
-            <a:ext uri="{91240B29-F687-4F45-9708-019B960494DF}">
-              <a14:hiddenLine xmlns:a14="http://schemas.microsoft.com/office/drawing/2010/main" w="9525">
-                <a:solidFill>
-                  <a:schemeClr val="tx1"/>
-                </a:solidFill>
-                <a:miter lim="800000"/>
-                <a:headEnd/>
-                <a:tailEnd/>
-              </a14:hiddenLine>
             </a:ext>
             <a:ext uri="{AF507438-7753-43E0-B8FC-AC1667EBCBE1}">
               <a14:hiddenEffects xmlns:a14="http://schemas.microsoft.com/office/drawing/2010/main">
@@ -5343,7 +6013,7 @@
 </p:sld>
 </file>
 
-<file path=ppt/slides/slide4.xml><?xml version="1.0" encoding="utf-8"?>
+<file path=ppt/slides/slide5.xml><?xml version="1.0" encoding="utf-8"?>
 <p:sld xmlns:a="http://schemas.openxmlformats.org/drawingml/2006/main" xmlns:r="http://schemas.openxmlformats.org/officeDocument/2006/relationships" xmlns:p="http://schemas.openxmlformats.org/presentationml/2006/main">
   <p:cSld>
     <p:spTree>
@@ -5377,7 +6047,7 @@
           <a:p>
             <a:r>
               <a:rPr kumimoji="1" lang="ja-JP" altLang="en-US" dirty="0" smtClean="0"/>
-              <a:t>サメ</a:t>
+              <a:t>すずき</a:t>
             </a:r>
             <a:endParaRPr kumimoji="1" lang="ja-JP" altLang="en-US" dirty="0"/>
           </a:p>
@@ -5401,7 +6071,7 @@
             <a:fld id="{FA01AF0C-45ED-4F62-92C7-A07C97864F1B}" type="slidenum">
               <a:rPr lang="en-US" altLang="ja-JP" smtClean="0"/>
               <a:pPr/>
-              <a:t>3</a:t>
+              <a:t>4</a:t>
             </a:fld>
             <a:endParaRPr lang="en-US" altLang="ja-JP"/>
           </a:p>
@@ -5431,11 +6101,7 @@
           <a:p>
             <a:r>
               <a:rPr kumimoji="1" lang="ja-JP" altLang="en-US" sz="3600" dirty="0" smtClean="0"/>
-              <a:t>通常は左右に動くがサメの視界に入ると向かって</a:t>
-            </a:r>
-            <a:r>
-              <a:rPr kumimoji="1" lang="ja-JP" altLang="en-US" sz="3600" dirty="0" smtClean="0"/>
-              <a:t>くる</a:t>
+              <a:t>通常は左右に動くがサメの視界に入ると向かってくる</a:t>
             </a:r>
             <a:endParaRPr kumimoji="1" lang="en-US" altLang="ja-JP" sz="3600" dirty="0" smtClean="0"/>
           </a:p>
@@ -5460,7 +6126,7 @@
           <p:nvPr/>
         </p:nvPicPr>
         <p:blipFill>
-          <a:blip r:embed="rId2">
+          <a:blip r:embed="rId3">
             <a:extLst>
               <a:ext uri="{28A0092B-C50C-407E-A947-70E740481C1C}">
                 <a14:useLocalDpi xmlns:a14="http://schemas.microsoft.com/office/drawing/2010/main" val="0"/>
@@ -5509,10 +6175,415 @@
           </a:extLst>
         </p:spPr>
       </p:pic>
+      <p:sp>
+        <p:nvSpPr>
+          <p:cNvPr id="3" name="爆発 2 2"/>
+          <p:cNvSpPr/>
+          <p:nvPr/>
+        </p:nvSpPr>
+        <p:spPr>
+          <a:xfrm>
+            <a:off x="3671292" y="3902918"/>
+            <a:ext cx="6049119" cy="2947194"/>
+          </a:xfrm>
+          <a:prstGeom prst="irregularSeal2">
+            <a:avLst/>
+          </a:prstGeom>
+          <a:solidFill>
+            <a:schemeClr val="accent1">
+              <a:lumMod val="75000"/>
+            </a:schemeClr>
+          </a:solidFill>
+        </p:spPr>
+        <p:style>
+          <a:lnRef idx="2">
+            <a:schemeClr val="dk1">
+              <a:shade val="50000"/>
+            </a:schemeClr>
+          </a:lnRef>
+          <a:fillRef idx="1">
+            <a:schemeClr val="dk1"/>
+          </a:fillRef>
+          <a:effectRef idx="0">
+            <a:schemeClr val="dk1"/>
+          </a:effectRef>
+          <a:fontRef idx="minor">
+            <a:schemeClr val="lt1"/>
+          </a:fontRef>
+        </p:style>
+        <p:txBody>
+          <a:bodyPr rtlCol="0" anchor="ctr"/>
+          <a:lstStyle/>
+          <a:p>
+            <a:pPr algn="ctr"/>
+            <a:r>
+              <a:rPr kumimoji="1" lang="ja-JP" altLang="en-US" sz="2800" dirty="0" smtClean="0">
+                <a:ln>
+                  <a:solidFill>
+                    <a:sysClr val="windowText" lastClr="000000"/>
+                  </a:solidFill>
+                </a:ln>
+                <a:solidFill>
+                  <a:srgbClr val="FF0000"/>
+                </a:solidFill>
+              </a:rPr>
+              <a:t>宍道湖の</a:t>
+            </a:r>
+            <a:endParaRPr kumimoji="1" lang="en-US" altLang="ja-JP" sz="2800" dirty="0" smtClean="0">
+              <a:ln>
+                <a:solidFill>
+                  <a:sysClr val="windowText" lastClr="000000"/>
+                </a:solidFill>
+              </a:ln>
+              <a:solidFill>
+                <a:srgbClr val="FF0000"/>
+              </a:solidFill>
+            </a:endParaRPr>
+          </a:p>
+          <a:p>
+            <a:pPr algn="ctr"/>
+            <a:r>
+              <a:rPr kumimoji="1" lang="ja-JP" altLang="en-US" sz="2800" dirty="0" smtClean="0">
+                <a:ln>
+                  <a:solidFill>
+                    <a:sysClr val="windowText" lastClr="000000"/>
+                  </a:solidFill>
+                </a:ln>
+                <a:solidFill>
+                  <a:srgbClr val="FF0000"/>
+                </a:solidFill>
+              </a:rPr>
+              <a:t>ガーディアン</a:t>
+            </a:r>
+            <a:endParaRPr kumimoji="1" lang="ja-JP" altLang="en-US" sz="2800" dirty="0">
+              <a:ln>
+                <a:solidFill>
+                  <a:sysClr val="windowText" lastClr="000000"/>
+                </a:solidFill>
+              </a:ln>
+              <a:solidFill>
+                <a:srgbClr val="FF0000"/>
+              </a:solidFill>
+            </a:endParaRPr>
+          </a:p>
+        </p:txBody>
+      </p:sp>
     </p:spTree>
     <p:extLst>
       <p:ext uri="{BB962C8B-B14F-4D97-AF65-F5344CB8AC3E}">
         <p14:creationId xmlns:p14="http://schemas.microsoft.com/office/powerpoint/2010/main" val="935069528"/>
+      </p:ext>
+    </p:extLst>
+  </p:cSld>
+  <p:clrMapOvr>
+    <a:masterClrMapping/>
+  </p:clrMapOvr>
+  <p:timing>
+    <p:tnLst>
+      <p:par>
+        <p:cTn id="1" dur="indefinite" restart="never" nodeType="tmRoot">
+          <p:childTnLst>
+            <p:seq concurrent="1" nextAc="seek">
+              <p:cTn id="2" dur="indefinite" nodeType="mainSeq">
+                <p:childTnLst>
+                  <p:par>
+                    <p:cTn id="3" fill="hold">
+                      <p:stCondLst>
+                        <p:cond delay="indefinite"/>
+                      </p:stCondLst>
+                      <p:childTnLst>
+                        <p:par>
+                          <p:cTn id="4" fill="hold">
+                            <p:stCondLst>
+                              <p:cond delay="0"/>
+                            </p:stCondLst>
+                            <p:childTnLst>
+                              <p:par>
+                                <p:cTn id="5" presetID="53" presetClass="entr" presetSubtype="16" fill="hold" grpId="0" nodeType="clickEffect">
+                                  <p:stCondLst>
+                                    <p:cond delay="0"/>
+                                  </p:stCondLst>
+                                  <p:childTnLst>
+                                    <p:set>
+                                      <p:cBhvr>
+                                        <p:cTn id="6" dur="1" fill="hold">
+                                          <p:stCondLst>
+                                            <p:cond delay="0"/>
+                                          </p:stCondLst>
+                                        </p:cTn>
+                                        <p:tgtEl>
+                                          <p:spTgt spid="3"/>
+                                        </p:tgtEl>
+                                        <p:attrNameLst>
+                                          <p:attrName>style.visibility</p:attrName>
+                                        </p:attrNameLst>
+                                      </p:cBhvr>
+                                      <p:to>
+                                        <p:strVal val="visible"/>
+                                      </p:to>
+                                    </p:set>
+                                    <p:anim calcmode="lin" valueType="num">
+                                      <p:cBhvr>
+                                        <p:cTn id="7" dur="500" fill="hold"/>
+                                        <p:tgtEl>
+                                          <p:spTgt spid="3"/>
+                                        </p:tgtEl>
+                                        <p:attrNameLst>
+                                          <p:attrName>ppt_w</p:attrName>
+                                        </p:attrNameLst>
+                                      </p:cBhvr>
+                                      <p:tavLst>
+                                        <p:tav tm="0">
+                                          <p:val>
+                                            <p:fltVal val="0"/>
+                                          </p:val>
+                                        </p:tav>
+                                        <p:tav tm="100000">
+                                          <p:val>
+                                            <p:strVal val="#ppt_w"/>
+                                          </p:val>
+                                        </p:tav>
+                                      </p:tavLst>
+                                    </p:anim>
+                                    <p:anim calcmode="lin" valueType="num">
+                                      <p:cBhvr>
+                                        <p:cTn id="8" dur="500" fill="hold"/>
+                                        <p:tgtEl>
+                                          <p:spTgt spid="3"/>
+                                        </p:tgtEl>
+                                        <p:attrNameLst>
+                                          <p:attrName>ppt_h</p:attrName>
+                                        </p:attrNameLst>
+                                      </p:cBhvr>
+                                      <p:tavLst>
+                                        <p:tav tm="0">
+                                          <p:val>
+                                            <p:fltVal val="0"/>
+                                          </p:val>
+                                        </p:tav>
+                                        <p:tav tm="100000">
+                                          <p:val>
+                                            <p:strVal val="#ppt_h"/>
+                                          </p:val>
+                                        </p:tav>
+                                      </p:tavLst>
+                                    </p:anim>
+                                    <p:animEffect transition="in" filter="fade">
+                                      <p:cBhvr>
+                                        <p:cTn id="9" dur="500"/>
+                                        <p:tgtEl>
+                                          <p:spTgt spid="3"/>
+                                        </p:tgtEl>
+                                      </p:cBhvr>
+                                    </p:animEffect>
+                                  </p:childTnLst>
+                                </p:cTn>
+                              </p:par>
+                            </p:childTnLst>
+                          </p:cTn>
+                        </p:par>
+                      </p:childTnLst>
+                    </p:cTn>
+                  </p:par>
+                </p:childTnLst>
+              </p:cTn>
+              <p:prevCondLst>
+                <p:cond evt="onPrev" delay="0">
+                  <p:tgtEl>
+                    <p:sldTgt/>
+                  </p:tgtEl>
+                </p:cond>
+              </p:prevCondLst>
+              <p:nextCondLst>
+                <p:cond evt="onNext" delay="0">
+                  <p:tgtEl>
+                    <p:sldTgt/>
+                  </p:tgtEl>
+                </p:cond>
+              </p:nextCondLst>
+            </p:seq>
+          </p:childTnLst>
+        </p:cTn>
+      </p:par>
+    </p:tnLst>
+    <p:bldLst>
+      <p:bldP spid="3" grpId="0" animBg="1"/>
+    </p:bldLst>
+  </p:timing>
+</p:sld>
+</file>
+
+<file path=ppt/slides/slide6.xml><?xml version="1.0" encoding="utf-8"?>
+<p:sld xmlns:a="http://schemas.openxmlformats.org/drawingml/2006/main" xmlns:r="http://schemas.openxmlformats.org/officeDocument/2006/relationships" xmlns:p="http://schemas.openxmlformats.org/presentationml/2006/main">
+  <p:cSld>
+    <p:spTree>
+      <p:nvGrpSpPr>
+        <p:cNvPr id="1" name=""/>
+        <p:cNvGrpSpPr/>
+        <p:nvPr/>
+      </p:nvGrpSpPr>
+      <p:grpSpPr>
+        <a:xfrm>
+          <a:off x="0" y="0"/>
+          <a:ext cx="0" cy="0"/>
+          <a:chOff x="0" y="0"/>
+          <a:chExt cx="0" cy="0"/>
+        </a:xfrm>
+      </p:grpSpPr>
+      <p:sp>
+        <p:nvSpPr>
+          <p:cNvPr id="2" name="タイトル 1"/>
+          <p:cNvSpPr>
+            <a:spLocks noGrp="1"/>
+          </p:cNvSpPr>
+          <p:nvPr>
+            <p:ph type="title"/>
+          </p:nvPr>
+        </p:nvSpPr>
+        <p:spPr/>
+        <p:txBody>
+          <a:bodyPr/>
+          <a:lstStyle/>
+          <a:p>
+            <a:r>
+              <a:rPr kumimoji="1" lang="ja-JP" altLang="en-US" dirty="0" smtClean="0"/>
+              <a:t>しじみ</a:t>
+            </a:r>
+            <a:endParaRPr kumimoji="1" lang="ja-JP" altLang="en-US" dirty="0"/>
+          </a:p>
+        </p:txBody>
+      </p:sp>
+      <p:sp>
+        <p:nvSpPr>
+          <p:cNvPr id="4" name="スライド番号プレースホルダー 3"/>
+          <p:cNvSpPr>
+            <a:spLocks noGrp="1"/>
+          </p:cNvSpPr>
+          <p:nvPr>
+            <p:ph type="sldNum" sz="quarter" idx="12"/>
+          </p:nvPr>
+        </p:nvSpPr>
+        <p:spPr/>
+        <p:txBody>
+          <a:bodyPr/>
+          <a:lstStyle/>
+          <a:p>
+            <a:fld id="{FA01AF0C-45ED-4F62-92C7-A07C97864F1B}" type="slidenum">
+              <a:rPr lang="en-US" altLang="ja-JP" smtClean="0"/>
+              <a:pPr/>
+              <a:t>5</a:t>
+            </a:fld>
+            <a:endParaRPr lang="en-US" altLang="ja-JP"/>
+          </a:p>
+        </p:txBody>
+      </p:sp>
+      <p:sp>
+        <p:nvSpPr>
+          <p:cNvPr id="6" name="コンテンツ プレースホルダー 5"/>
+          <p:cNvSpPr>
+            <a:spLocks noGrp="1"/>
+          </p:cNvSpPr>
+          <p:nvPr>
+            <p:ph idx="1"/>
+          </p:nvPr>
+        </p:nvSpPr>
+        <p:spPr/>
+        <p:txBody>
+          <a:bodyPr/>
+          <a:lstStyle/>
+          <a:p>
+            <a:r>
+              <a:rPr kumimoji="1" lang="ja-JP" altLang="en-US" sz="4000" dirty="0" smtClean="0"/>
+              <a:t>接触するとスコアが減少</a:t>
+            </a:r>
+            <a:r>
+              <a:rPr kumimoji="1" lang="ja-JP" altLang="en-US" sz="4000" dirty="0" smtClean="0"/>
+              <a:t>する</a:t>
+            </a:r>
+            <a:endParaRPr lang="en-US" altLang="ja-JP" sz="4000" dirty="0"/>
+          </a:p>
+          <a:p>
+            <a:r>
+              <a:rPr kumimoji="1" lang="ja-JP" altLang="en-US" sz="4000" dirty="0" smtClean="0"/>
+              <a:t>壁は通り抜ける</a:t>
+            </a:r>
+            <a:endParaRPr kumimoji="1" lang="en-US" altLang="ja-JP" sz="4000" dirty="0" smtClean="0"/>
+          </a:p>
+          <a:p>
+            <a:r>
+              <a:rPr kumimoji="1" lang="ja-JP" altLang="en-US" sz="4000" dirty="0" smtClean="0"/>
+              <a:t>時々ワープする（仕様です</a:t>
+            </a:r>
+            <a:r>
+              <a:rPr kumimoji="1" lang="en-US" altLang="ja-JP" sz="4000" dirty="0" smtClean="0"/>
+              <a:t>)</a:t>
+            </a:r>
+            <a:endParaRPr kumimoji="1" lang="ja-JP" altLang="en-US" sz="4000" dirty="0"/>
+          </a:p>
+        </p:txBody>
+      </p:sp>
+      <p:pic>
+        <p:nvPicPr>
+          <p:cNvPr id="7" name="コンテンツ プレースホルダー 4"/>
+          <p:cNvPicPr>
+            <a:picLocks noChangeAspect="1"/>
+          </p:cNvPicPr>
+          <p:nvPr/>
+        </p:nvPicPr>
+        <p:blipFill>
+          <a:blip r:embed="rId3">
+            <a:extLst>
+              <a:ext uri="{28A0092B-C50C-407E-A947-70E740481C1C}">
+                <a14:useLocalDpi xmlns:a14="http://schemas.microsoft.com/office/drawing/2010/main" val="0"/>
+              </a:ext>
+            </a:extLst>
+          </a:blip>
+          <a:stretch>
+            <a:fillRect/>
+          </a:stretch>
+        </p:blipFill>
+        <p:spPr bwMode="auto">
+          <a:xfrm>
+            <a:off x="6929972" y="3501008"/>
+            <a:ext cx="2518817" cy="2518817"/>
+          </a:xfrm>
+          <a:prstGeom prst="rect">
+            <a:avLst/>
+          </a:prstGeom>
+          <a:noFill/>
+          <a:ln w="9525">
+            <a:solidFill>
+              <a:schemeClr val="tx1"/>
+            </a:solidFill>
+            <a:miter lim="800000"/>
+            <a:headEnd/>
+            <a:tailEnd/>
+          </a:ln>
+          <a:effectLst/>
+          <a:extLst>
+            <a:ext uri="{909E8E84-426E-40DD-AFC4-6F175D3DCCD1}">
+              <a14:hiddenFill xmlns:a14="http://schemas.microsoft.com/office/drawing/2010/main">
+                <a:solidFill>
+                  <a:schemeClr val="accent1"/>
+                </a:solidFill>
+              </a14:hiddenFill>
+            </a:ext>
+            <a:ext uri="{AF507438-7753-43E0-B8FC-AC1667EBCBE1}">
+              <a14:hiddenEffects xmlns:a14="http://schemas.microsoft.com/office/drawing/2010/main">
+                <a:effectLst>
+                  <a:outerShdw dist="35921" dir="2700000" algn="ctr" rotWithShape="0">
+                    <a:schemeClr val="bg2"/>
+                  </a:outerShdw>
+                </a:effectLst>
+              </a14:hiddenEffects>
+            </a:ext>
+          </a:extLst>
+        </p:spPr>
+      </p:pic>
+    </p:spTree>
+    <p:extLst>
+      <p:ext uri="{BB962C8B-B14F-4D97-AF65-F5344CB8AC3E}">
+        <p14:creationId xmlns:p14="http://schemas.microsoft.com/office/powerpoint/2010/main" val="4066333966"/>
       </p:ext>
     </p:extLst>
   </p:cSld>
@@ -5529,7 +6600,7 @@
 </p:sld>
 </file>
 
-<file path=ppt/slides/slide5.xml><?xml version="1.0" encoding="utf-8"?>
+<file path=ppt/slides/slide7.xml><?xml version="1.0" encoding="utf-8"?>
 <p:sld xmlns:a="http://schemas.openxmlformats.org/drawingml/2006/main" xmlns:r="http://schemas.openxmlformats.org/officeDocument/2006/relationships" xmlns:p="http://schemas.openxmlformats.org/presentationml/2006/main">
   <p:cSld>
     <p:spTree>
@@ -5563,9 +6634,42 @@
           <a:p>
             <a:r>
               <a:rPr kumimoji="1" lang="ja-JP" altLang="en-US" dirty="0" smtClean="0"/>
-              <a:t>イソギンチャク</a:t>
+              <a:t>えさ</a:t>
             </a:r>
             <a:endParaRPr kumimoji="1" lang="ja-JP" altLang="en-US" dirty="0"/>
+          </a:p>
+        </p:txBody>
+      </p:sp>
+      <p:sp>
+        <p:nvSpPr>
+          <p:cNvPr id="3" name="コンテンツ プレースホルダー 2"/>
+          <p:cNvSpPr>
+            <a:spLocks noGrp="1"/>
+          </p:cNvSpPr>
+          <p:nvPr>
+            <p:ph idx="1"/>
+          </p:nvPr>
+        </p:nvSpPr>
+        <p:spPr/>
+        <p:txBody>
+          <a:bodyPr/>
+          <a:lstStyle/>
+          <a:p>
+            <a:r>
+              <a:rPr kumimoji="1" lang="ja-JP" altLang="en-US" sz="4000" dirty="0" smtClean="0"/>
+              <a:t>サメが当たると一時的に動きが止まり、これ以上追って来なくなる</a:t>
+            </a:r>
+            <a:endParaRPr kumimoji="1" lang="en-US" altLang="ja-JP" sz="4000" dirty="0" smtClean="0"/>
+          </a:p>
+          <a:p>
+            <a:endParaRPr lang="en-US" altLang="ja-JP" sz="4000" dirty="0"/>
+          </a:p>
+          <a:p>
+            <a:r>
+              <a:rPr kumimoji="1" lang="ja-JP" altLang="en-US" sz="4000" dirty="0" smtClean="0"/>
+              <a:t>５コ使用可能</a:t>
+            </a:r>
+            <a:endParaRPr kumimoji="1" lang="en-US" altLang="ja-JP" sz="4000" dirty="0" smtClean="0"/>
           </a:p>
         </p:txBody>
       </p:sp>
@@ -5587,7 +6691,126 @@
             <a:fld id="{FA01AF0C-45ED-4F62-92C7-A07C97864F1B}" type="slidenum">
               <a:rPr lang="en-US" altLang="ja-JP" smtClean="0"/>
               <a:pPr/>
-              <a:t>4</a:t>
+              <a:t>6</a:t>
+            </a:fld>
+            <a:endParaRPr lang="en-US" altLang="ja-JP"/>
+          </a:p>
+        </p:txBody>
+      </p:sp>
+      <p:pic>
+        <p:nvPicPr>
+          <p:cNvPr id="5" name="図 4"/>
+          <p:cNvPicPr>
+            <a:picLocks noChangeAspect="1"/>
+          </p:cNvPicPr>
+          <p:nvPr/>
+        </p:nvPicPr>
+        <p:blipFill>
+          <a:blip r:embed="rId2">
+            <a:extLst>
+              <a:ext uri="{28A0092B-C50C-407E-A947-70E740481C1C}">
+                <a14:useLocalDpi xmlns:a14="http://schemas.microsoft.com/office/drawing/2010/main" val="0"/>
+              </a:ext>
+            </a:extLst>
+          </a:blip>
+          <a:stretch>
+            <a:fillRect/>
+          </a:stretch>
+        </p:blipFill>
+        <p:spPr>
+          <a:xfrm>
+            <a:off x="7104429" y="3842117"/>
+            <a:ext cx="2312621" cy="2312621"/>
+          </a:xfrm>
+          <a:prstGeom prst="rect">
+            <a:avLst/>
+          </a:prstGeom>
+          <a:ln>
+            <a:solidFill>
+              <a:schemeClr val="tx1"/>
+            </a:solidFill>
+          </a:ln>
+        </p:spPr>
+      </p:pic>
+    </p:spTree>
+    <p:extLst>
+      <p:ext uri="{BB962C8B-B14F-4D97-AF65-F5344CB8AC3E}">
+        <p14:creationId xmlns:p14="http://schemas.microsoft.com/office/powerpoint/2010/main" val="3314357624"/>
+      </p:ext>
+    </p:extLst>
+  </p:cSld>
+  <p:clrMapOvr>
+    <a:masterClrMapping/>
+  </p:clrMapOvr>
+  <p:timing>
+    <p:tnLst>
+      <p:par>
+        <p:cTn id="1" dur="indefinite" restart="never" nodeType="tmRoot"/>
+      </p:par>
+    </p:tnLst>
+  </p:timing>
+</p:sld>
+</file>
+
+<file path=ppt/slides/slide8.xml><?xml version="1.0" encoding="utf-8"?>
+<p:sld xmlns:a="http://schemas.openxmlformats.org/drawingml/2006/main" xmlns:r="http://schemas.openxmlformats.org/officeDocument/2006/relationships" xmlns:p="http://schemas.openxmlformats.org/presentationml/2006/main">
+  <p:cSld>
+    <p:spTree>
+      <p:nvGrpSpPr>
+        <p:cNvPr id="1" name=""/>
+        <p:cNvGrpSpPr/>
+        <p:nvPr/>
+      </p:nvGrpSpPr>
+      <p:grpSpPr>
+        <a:xfrm>
+          <a:off x="0" y="0"/>
+          <a:ext cx="0" cy="0"/>
+          <a:chOff x="0" y="0"/>
+          <a:chExt cx="0" cy="0"/>
+        </a:xfrm>
+      </p:grpSpPr>
+      <p:sp>
+        <p:nvSpPr>
+          <p:cNvPr id="2" name="タイトル 1"/>
+          <p:cNvSpPr>
+            <a:spLocks noGrp="1"/>
+          </p:cNvSpPr>
+          <p:nvPr>
+            <p:ph type="title"/>
+          </p:nvPr>
+        </p:nvSpPr>
+        <p:spPr/>
+        <p:txBody>
+          <a:bodyPr/>
+          <a:lstStyle/>
+          <a:p>
+            <a:r>
+              <a:rPr kumimoji="1" lang="ja-JP" altLang="en-US" dirty="0" smtClean="0"/>
+              <a:t>もろげえび</a:t>
+            </a:r>
+            <a:endParaRPr kumimoji="1" lang="ja-JP" altLang="en-US" dirty="0"/>
+          </a:p>
+        </p:txBody>
+      </p:sp>
+      <p:sp>
+        <p:nvSpPr>
+          <p:cNvPr id="4" name="スライド番号プレースホルダー 3"/>
+          <p:cNvSpPr>
+            <a:spLocks noGrp="1"/>
+          </p:cNvSpPr>
+          <p:nvPr>
+            <p:ph type="sldNum" sz="quarter" idx="12"/>
+          </p:nvPr>
+        </p:nvSpPr>
+        <p:spPr/>
+        <p:txBody>
+          <a:bodyPr/>
+          <a:lstStyle/>
+          <a:p>
+            <a:fld id="{FA01AF0C-45ED-4F62-92C7-A07C97864F1B}" type="slidenum">
+              <a:rPr lang="en-US" altLang="ja-JP" smtClean="0"/>
+              <a:pPr/>
+              <a:t>7</a:t>
             </a:fld>
             <a:endParaRPr lang="en-US" altLang="ja-JP"/>
           </a:p>
@@ -5628,7 +6851,7 @@
           <p:nvPr/>
         </p:nvPicPr>
         <p:blipFill>
-          <a:blip r:embed="rId2">
+          <a:blip r:embed="rId3">
             <a:extLst>
               <a:ext uri="{28A0092B-C50C-407E-A947-70E740481C1C}">
                 <a14:useLocalDpi xmlns:a14="http://schemas.microsoft.com/office/drawing/2010/main" val="0"/>
@@ -5648,8 +6871,13 @@
             <a:avLst/>
           </a:prstGeom>
           <a:noFill/>
-          <a:ln>
-            <a:noFill/>
+          <a:ln w="9525">
+            <a:solidFill>
+              <a:schemeClr val="tx1"/>
+            </a:solidFill>
+            <a:miter lim="800000"/>
+            <a:headEnd/>
+            <a:tailEnd/>
           </a:ln>
           <a:effectLst/>
           <a:extLst>
@@ -5659,16 +6887,6 @@
                   <a:schemeClr val="accent1"/>
                 </a:solidFill>
               </a14:hiddenFill>
-            </a:ext>
-            <a:ext uri="{91240B29-F687-4F45-9708-019B960494DF}">
-              <a14:hiddenLine xmlns:a14="http://schemas.microsoft.com/office/drawing/2010/main" w="9525">
-                <a:solidFill>
-                  <a:schemeClr val="tx1"/>
-                </a:solidFill>
-                <a:miter lim="800000"/>
-                <a:headEnd/>
-                <a:tailEnd/>
-              </a14:hiddenLine>
             </a:ext>
             <a:ext uri="{AF507438-7753-43E0-B8FC-AC1667EBCBE1}">
               <a14:hiddenEffects xmlns:a14="http://schemas.microsoft.com/office/drawing/2010/main">
@@ -5702,7 +6920,7 @@
 </p:sld>
 </file>
 
-<file path=ppt/slides/slide6.xml><?xml version="1.0" encoding="utf-8"?>
+<file path=ppt/slides/slide9.xml><?xml version="1.0" encoding="utf-8"?>
 <p:sld xmlns:a="http://schemas.openxmlformats.org/drawingml/2006/main" xmlns:r="http://schemas.openxmlformats.org/officeDocument/2006/relationships" xmlns:p="http://schemas.openxmlformats.org/presentationml/2006/main">
   <p:cSld>
     <p:spTree>
@@ -5736,7 +6954,7 @@
           <a:p>
             <a:r>
               <a:rPr kumimoji="1" lang="ja-JP" altLang="en-US" dirty="0" smtClean="0"/>
-              <a:t>えさ</a:t>
+              <a:t>あわ</a:t>
             </a:r>
             <a:endParaRPr kumimoji="1" lang="ja-JP" altLang="en-US" dirty="0"/>
           </a:p>
@@ -5758,20 +6976,17 @@
           <a:lstStyle/>
           <a:p>
             <a:r>
-              <a:rPr kumimoji="1" lang="ja-JP" altLang="en-US" sz="4000" dirty="0" smtClean="0"/>
-              <a:t>サメが当たると一時的に動きが止まり、これ以上追って来なくなる</a:t>
-            </a:r>
-            <a:endParaRPr kumimoji="1" lang="en-US" altLang="ja-JP" sz="4000" dirty="0" smtClean="0"/>
-          </a:p>
-          <a:p>
-            <a:endParaRPr lang="en-US" altLang="ja-JP" sz="4000" dirty="0"/>
-          </a:p>
-          <a:p>
-            <a:r>
-              <a:rPr kumimoji="1" lang="ja-JP" altLang="en-US" sz="4000" dirty="0" smtClean="0"/>
-              <a:t>５コ使用可能</a:t>
-            </a:r>
-            <a:endParaRPr kumimoji="1" lang="en-US" altLang="ja-JP" sz="4000" dirty="0" smtClean="0"/>
+              <a:rPr kumimoji="1" lang="ja-JP" altLang="en-US" sz="4400" dirty="0" smtClean="0"/>
+              <a:t>プレイヤーが触れるとライフを回復する</a:t>
+            </a:r>
+            <a:endParaRPr kumimoji="1" lang="en-US" altLang="ja-JP" sz="4400" dirty="0" smtClean="0"/>
+          </a:p>
+          <a:p>
+            <a:r>
+              <a:rPr kumimoji="1" lang="ja-JP" altLang="en-US" sz="4400" dirty="0" smtClean="0"/>
+              <a:t>一度しか回復できない</a:t>
+            </a:r>
+            <a:endParaRPr kumimoji="1" lang="ja-JP" altLang="en-US" sz="4400" dirty="0"/>
           </a:p>
         </p:txBody>
       </p:sp>
@@ -5793,7 +7008,7 @@
             <a:fld id="{FA01AF0C-45ED-4F62-92C7-A07C97864F1B}" type="slidenum">
               <a:rPr lang="en-US" altLang="ja-JP" smtClean="0"/>
               <a:pPr/>
-              <a:t>5</a:t>
+              <a:t>8</a:t>
             </a:fld>
             <a:endParaRPr lang="en-US" altLang="ja-JP"/>
           </a:p>
@@ -5821,18 +7036,23 @@
         </p:blipFill>
         <p:spPr>
           <a:xfrm>
-            <a:off x="7104429" y="3842117"/>
-            <a:ext cx="2312621" cy="2312621"/>
+            <a:off x="6818596" y="3573016"/>
+            <a:ext cx="2906735" cy="2906735"/>
           </a:xfrm>
           <a:prstGeom prst="rect">
             <a:avLst/>
           </a:prstGeom>
+          <a:ln>
+            <a:solidFill>
+              <a:schemeClr val="tx1"/>
+            </a:solidFill>
+          </a:ln>
         </p:spPr>
       </p:pic>
     </p:spTree>
     <p:extLst>
       <p:ext uri="{BB962C8B-B14F-4D97-AF65-F5344CB8AC3E}">
-        <p14:creationId xmlns:p14="http://schemas.microsoft.com/office/powerpoint/2010/main" val="3314357624"/>
+        <p14:creationId xmlns:p14="http://schemas.microsoft.com/office/powerpoint/2010/main" val="4065382186"/>
       </p:ext>
     </p:extLst>
   </p:cSld>
@@ -5846,464 +7066,6 @@
       </p:par>
     </p:tnLst>
   </p:timing>
-</p:sld>
-</file>
-
-<file path=ppt/slides/slide7.xml><?xml version="1.0" encoding="utf-8"?>
-<p:sld xmlns:a="http://schemas.openxmlformats.org/drawingml/2006/main" xmlns:r="http://schemas.openxmlformats.org/officeDocument/2006/relationships" xmlns:p="http://schemas.openxmlformats.org/presentationml/2006/main">
-  <p:cSld>
-    <p:spTree>
-      <p:nvGrpSpPr>
-        <p:cNvPr id="1" name=""/>
-        <p:cNvGrpSpPr/>
-        <p:nvPr/>
-      </p:nvGrpSpPr>
-      <p:grpSpPr>
-        <a:xfrm>
-          <a:off x="0" y="0"/>
-          <a:ext cx="0" cy="0"/>
-          <a:chOff x="0" y="0"/>
-          <a:chExt cx="0" cy="0"/>
-        </a:xfrm>
-      </p:grpSpPr>
-      <p:sp>
-        <p:nvSpPr>
-          <p:cNvPr id="2" name="タイトル 1"/>
-          <p:cNvSpPr>
-            <a:spLocks noGrp="1"/>
-          </p:cNvSpPr>
-          <p:nvPr>
-            <p:ph type="title"/>
-          </p:nvPr>
-        </p:nvSpPr>
-        <p:spPr/>
-        <p:txBody>
-          <a:bodyPr/>
-          <a:lstStyle/>
-          <a:p>
-            <a:r>
-              <a:rPr kumimoji="1" lang="ja-JP" altLang="en-US" dirty="0" smtClean="0"/>
-              <a:t>宝箱</a:t>
-            </a:r>
-            <a:endParaRPr kumimoji="1" lang="ja-JP" altLang="en-US" dirty="0"/>
-          </a:p>
-        </p:txBody>
-      </p:sp>
-      <p:sp>
-        <p:nvSpPr>
-          <p:cNvPr id="4" name="スライド番号プレースホルダー 3"/>
-          <p:cNvSpPr>
-            <a:spLocks noGrp="1"/>
-          </p:cNvSpPr>
-          <p:nvPr>
-            <p:ph type="sldNum" sz="quarter" idx="12"/>
-          </p:nvPr>
-        </p:nvSpPr>
-        <p:spPr/>
-        <p:txBody>
-          <a:bodyPr/>
-          <a:lstStyle/>
-          <a:p>
-            <a:fld id="{FA01AF0C-45ED-4F62-92C7-A07C97864F1B}" type="slidenum">
-              <a:rPr lang="en-US" altLang="ja-JP" smtClean="0"/>
-              <a:pPr/>
-              <a:t>6</a:t>
-            </a:fld>
-            <a:endParaRPr lang="en-US" altLang="ja-JP"/>
-          </a:p>
-        </p:txBody>
-      </p:sp>
-      <p:sp>
-        <p:nvSpPr>
-          <p:cNvPr id="6" name="コンテンツ プレースホルダー 5"/>
-          <p:cNvSpPr>
-            <a:spLocks noGrp="1"/>
-          </p:cNvSpPr>
-          <p:nvPr>
-            <p:ph idx="1"/>
-          </p:nvPr>
-        </p:nvSpPr>
-        <p:spPr/>
-        <p:txBody>
-          <a:bodyPr/>
-          <a:lstStyle/>
-          <a:p>
-            <a:r>
-              <a:rPr kumimoji="1" lang="ja-JP" altLang="en-US" sz="4000" dirty="0" smtClean="0"/>
-              <a:t>これを集めるとスコアアップする</a:t>
-            </a:r>
-            <a:endParaRPr kumimoji="1" lang="en-US" altLang="ja-JP" sz="4000" dirty="0" smtClean="0"/>
-          </a:p>
-          <a:p>
-            <a:r>
-              <a:rPr kumimoji="1" lang="ja-JP" altLang="en-US" sz="4000" dirty="0" smtClean="0"/>
-              <a:t>宝をとるとおばけが出現する</a:t>
-            </a:r>
-            <a:endParaRPr kumimoji="1" lang="ja-JP" altLang="en-US" sz="4000" dirty="0"/>
-          </a:p>
-        </p:txBody>
-      </p:sp>
-      <p:pic>
-        <p:nvPicPr>
-          <p:cNvPr id="7" name="コンテンツ プレースホルダー 4"/>
-          <p:cNvPicPr>
-            <a:picLocks noChangeAspect="1"/>
-          </p:cNvPicPr>
-          <p:nvPr/>
-        </p:nvPicPr>
-        <p:blipFill>
-          <a:blip r:embed="rId2">
-            <a:extLst>
-              <a:ext uri="{28A0092B-C50C-407E-A947-70E740481C1C}">
-                <a14:useLocalDpi xmlns:a14="http://schemas.microsoft.com/office/drawing/2010/main" val="0"/>
-              </a:ext>
-            </a:extLst>
-          </a:blip>
-          <a:stretch>
-            <a:fillRect/>
-          </a:stretch>
-        </p:blipFill>
-        <p:spPr bwMode="auto">
-          <a:xfrm>
-            <a:off x="6753200" y="3490888"/>
-            <a:ext cx="2663850" cy="2663850"/>
-          </a:xfrm>
-          <a:prstGeom prst="rect">
-            <a:avLst/>
-          </a:prstGeom>
-          <a:noFill/>
-          <a:ln>
-            <a:noFill/>
-          </a:ln>
-          <a:effectLst/>
-          <a:extLst>
-            <a:ext uri="{909E8E84-426E-40DD-AFC4-6F175D3DCCD1}">
-              <a14:hiddenFill xmlns:a14="http://schemas.microsoft.com/office/drawing/2010/main">
-                <a:solidFill>
-                  <a:schemeClr val="accent1"/>
-                </a:solidFill>
-              </a14:hiddenFill>
-            </a:ext>
-            <a:ext uri="{91240B29-F687-4F45-9708-019B960494DF}">
-              <a14:hiddenLine xmlns:a14="http://schemas.microsoft.com/office/drawing/2010/main" w="9525">
-                <a:solidFill>
-                  <a:schemeClr val="tx1"/>
-                </a:solidFill>
-                <a:miter lim="800000"/>
-                <a:headEnd/>
-                <a:tailEnd/>
-              </a14:hiddenLine>
-            </a:ext>
-            <a:ext uri="{AF507438-7753-43E0-B8FC-AC1667EBCBE1}">
-              <a14:hiddenEffects xmlns:a14="http://schemas.microsoft.com/office/drawing/2010/main">
-                <a:effectLst>
-                  <a:outerShdw dist="35921" dir="2700000" algn="ctr" rotWithShape="0">
-                    <a:schemeClr val="bg2"/>
-                  </a:outerShdw>
-                </a:effectLst>
-              </a14:hiddenEffects>
-            </a:ext>
-          </a:extLst>
-        </p:spPr>
-      </p:pic>
-    </p:spTree>
-    <p:extLst>
-      <p:ext uri="{BB962C8B-B14F-4D97-AF65-F5344CB8AC3E}">
-        <p14:creationId xmlns:p14="http://schemas.microsoft.com/office/powerpoint/2010/main" val="858598099"/>
-      </p:ext>
-    </p:extLst>
-  </p:cSld>
-  <p:clrMapOvr>
-    <a:masterClrMapping/>
-  </p:clrMapOvr>
-  <p:timing>
-    <p:tnLst>
-      <p:par>
-        <p:cTn id="1" dur="indefinite" restart="never" nodeType="tmRoot"/>
-      </p:par>
-    </p:tnLst>
-  </p:timing>
-</p:sld>
-</file>
-
-<file path=ppt/slides/slide8.xml><?xml version="1.0" encoding="utf-8"?>
-<p:sld xmlns:a="http://schemas.openxmlformats.org/drawingml/2006/main" xmlns:r="http://schemas.openxmlformats.org/officeDocument/2006/relationships" xmlns:p="http://schemas.openxmlformats.org/presentationml/2006/main">
-  <p:cSld>
-    <p:spTree>
-      <p:nvGrpSpPr>
-        <p:cNvPr id="1" name=""/>
-        <p:cNvGrpSpPr/>
-        <p:nvPr/>
-      </p:nvGrpSpPr>
-      <p:grpSpPr>
-        <a:xfrm>
-          <a:off x="0" y="0"/>
-          <a:ext cx="0" cy="0"/>
-          <a:chOff x="0" y="0"/>
-          <a:chExt cx="0" cy="0"/>
-        </a:xfrm>
-      </p:grpSpPr>
-      <p:sp>
-        <p:nvSpPr>
-          <p:cNvPr id="2" name="タイトル 1"/>
-          <p:cNvSpPr>
-            <a:spLocks noGrp="1"/>
-          </p:cNvSpPr>
-          <p:nvPr>
-            <p:ph type="title"/>
-          </p:nvPr>
-        </p:nvSpPr>
-        <p:spPr/>
-        <p:txBody>
-          <a:bodyPr/>
-          <a:lstStyle/>
-          <a:p>
-            <a:r>
-              <a:rPr kumimoji="1" lang="ja-JP" altLang="en-US" dirty="0" smtClean="0"/>
-              <a:t>おばけ</a:t>
-            </a:r>
-            <a:endParaRPr kumimoji="1" lang="ja-JP" altLang="en-US" dirty="0"/>
-          </a:p>
-        </p:txBody>
-      </p:sp>
-      <p:sp>
-        <p:nvSpPr>
-          <p:cNvPr id="4" name="スライド番号プレースホルダー 3"/>
-          <p:cNvSpPr>
-            <a:spLocks noGrp="1"/>
-          </p:cNvSpPr>
-          <p:nvPr>
-            <p:ph type="sldNum" sz="quarter" idx="12"/>
-          </p:nvPr>
-        </p:nvSpPr>
-        <p:spPr/>
-        <p:txBody>
-          <a:bodyPr/>
-          <a:lstStyle/>
-          <a:p>
-            <a:fld id="{FA01AF0C-45ED-4F62-92C7-A07C97864F1B}" type="slidenum">
-              <a:rPr lang="en-US" altLang="ja-JP" smtClean="0"/>
-              <a:pPr/>
-              <a:t>7</a:t>
-            </a:fld>
-            <a:endParaRPr lang="en-US" altLang="ja-JP"/>
-          </a:p>
-        </p:txBody>
-      </p:sp>
-      <p:sp>
-        <p:nvSpPr>
-          <p:cNvPr id="6" name="コンテンツ プレースホルダー 5"/>
-          <p:cNvSpPr>
-            <a:spLocks noGrp="1"/>
-          </p:cNvSpPr>
-          <p:nvPr>
-            <p:ph idx="1"/>
-          </p:nvPr>
-        </p:nvSpPr>
-        <p:spPr/>
-        <p:txBody>
-          <a:bodyPr/>
-          <a:lstStyle/>
-          <a:p>
-            <a:r>
-              <a:rPr kumimoji="1" lang="ja-JP" altLang="en-US" sz="4000" dirty="0" smtClean="0"/>
-              <a:t>接触するとスコアが減少する</a:t>
-            </a:r>
-            <a:endParaRPr kumimoji="1" lang="en-US" altLang="ja-JP" sz="4000" dirty="0" smtClean="0"/>
-          </a:p>
-          <a:p>
-            <a:r>
-              <a:rPr kumimoji="1" lang="ja-JP" altLang="en-US" sz="4000" dirty="0" smtClean="0"/>
-              <a:t>時々ワープする（仕様です</a:t>
-            </a:r>
-            <a:r>
-              <a:rPr kumimoji="1" lang="en-US" altLang="ja-JP" sz="4000" dirty="0" smtClean="0"/>
-              <a:t>)</a:t>
-            </a:r>
-            <a:endParaRPr kumimoji="1" lang="ja-JP" altLang="en-US" sz="4000" dirty="0"/>
-          </a:p>
-        </p:txBody>
-      </p:sp>
-      <p:pic>
-        <p:nvPicPr>
-          <p:cNvPr id="7" name="コンテンツ プレースホルダー 4"/>
-          <p:cNvPicPr>
-            <a:picLocks noChangeAspect="1"/>
-          </p:cNvPicPr>
-          <p:nvPr/>
-        </p:nvPicPr>
-        <p:blipFill>
-          <a:blip r:embed="rId2">
-            <a:extLst>
-              <a:ext uri="{28A0092B-C50C-407E-A947-70E740481C1C}">
-                <a14:useLocalDpi xmlns:a14="http://schemas.microsoft.com/office/drawing/2010/main" val="0"/>
-              </a:ext>
-            </a:extLst>
-          </a:blip>
-          <a:stretch>
-            <a:fillRect/>
-          </a:stretch>
-        </p:blipFill>
-        <p:spPr bwMode="auto">
-          <a:xfrm>
-            <a:off x="6929972" y="3501008"/>
-            <a:ext cx="2518817" cy="2518817"/>
-          </a:xfrm>
-          <a:prstGeom prst="rect">
-            <a:avLst/>
-          </a:prstGeom>
-          <a:noFill/>
-          <a:ln>
-            <a:noFill/>
-          </a:ln>
-          <a:effectLst/>
-          <a:extLst>
-            <a:ext uri="{909E8E84-426E-40DD-AFC4-6F175D3DCCD1}">
-              <a14:hiddenFill xmlns:a14="http://schemas.microsoft.com/office/drawing/2010/main">
-                <a:solidFill>
-                  <a:schemeClr val="accent1"/>
-                </a:solidFill>
-              </a14:hiddenFill>
-            </a:ext>
-            <a:ext uri="{91240B29-F687-4F45-9708-019B960494DF}">
-              <a14:hiddenLine xmlns:a14="http://schemas.microsoft.com/office/drawing/2010/main" w="9525">
-                <a:solidFill>
-                  <a:schemeClr val="tx1"/>
-                </a:solidFill>
-                <a:miter lim="800000"/>
-                <a:headEnd/>
-                <a:tailEnd/>
-              </a14:hiddenLine>
-            </a:ext>
-            <a:ext uri="{AF507438-7753-43E0-B8FC-AC1667EBCBE1}">
-              <a14:hiddenEffects xmlns:a14="http://schemas.microsoft.com/office/drawing/2010/main">
-                <a:effectLst>
-                  <a:outerShdw dist="35921" dir="2700000" algn="ctr" rotWithShape="0">
-                    <a:schemeClr val="bg2"/>
-                  </a:outerShdw>
-                </a:effectLst>
-              </a14:hiddenEffects>
-            </a:ext>
-          </a:extLst>
-        </p:spPr>
-      </p:pic>
-    </p:spTree>
-    <p:extLst>
-      <p:ext uri="{BB962C8B-B14F-4D97-AF65-F5344CB8AC3E}">
-        <p14:creationId xmlns:p14="http://schemas.microsoft.com/office/powerpoint/2010/main" val="4066333966"/>
-      </p:ext>
-    </p:extLst>
-  </p:cSld>
-  <p:clrMapOvr>
-    <a:masterClrMapping/>
-  </p:clrMapOvr>
-  <p:timing>
-    <p:tnLst>
-      <p:par>
-        <p:cTn id="1" dur="indefinite" restart="never" nodeType="tmRoot"/>
-      </p:par>
-    </p:tnLst>
-  </p:timing>
-</p:sld>
-</file>
-
-<file path=ppt/slides/slide9.xml><?xml version="1.0" encoding="utf-8"?>
-<p:sld xmlns:a="http://schemas.openxmlformats.org/drawingml/2006/main" xmlns:r="http://schemas.openxmlformats.org/officeDocument/2006/relationships" xmlns:p="http://schemas.openxmlformats.org/presentationml/2006/main">
-  <p:cSld>
-    <p:spTree>
-      <p:nvGrpSpPr>
-        <p:cNvPr id="1" name=""/>
-        <p:cNvGrpSpPr/>
-        <p:nvPr/>
-      </p:nvGrpSpPr>
-      <p:grpSpPr>
-        <a:xfrm>
-          <a:off x="0" y="0"/>
-          <a:ext cx="0" cy="0"/>
-          <a:chOff x="0" y="0"/>
-          <a:chExt cx="0" cy="0"/>
-        </a:xfrm>
-      </p:grpSpPr>
-      <p:sp>
-        <p:nvSpPr>
-          <p:cNvPr id="2" name="タイトル 1"/>
-          <p:cNvSpPr>
-            <a:spLocks noGrp="1"/>
-          </p:cNvSpPr>
-          <p:nvPr>
-            <p:ph type="title"/>
-          </p:nvPr>
-        </p:nvSpPr>
-        <p:spPr/>
-        <p:txBody>
-          <a:bodyPr/>
-          <a:lstStyle/>
-          <a:p>
-            <a:r>
-              <a:rPr kumimoji="1" lang="ja-JP" altLang="en-US" dirty="0" smtClean="0"/>
-              <a:t>あわ</a:t>
-            </a:r>
-            <a:endParaRPr kumimoji="1" lang="ja-JP" altLang="en-US" dirty="0"/>
-          </a:p>
-        </p:txBody>
-      </p:sp>
-      <p:sp>
-        <p:nvSpPr>
-          <p:cNvPr id="3" name="コンテンツ プレースホルダー 2"/>
-          <p:cNvSpPr>
-            <a:spLocks noGrp="1"/>
-          </p:cNvSpPr>
-          <p:nvPr>
-            <p:ph idx="1"/>
-          </p:nvPr>
-        </p:nvSpPr>
-        <p:spPr/>
-        <p:txBody>
-          <a:bodyPr/>
-          <a:lstStyle/>
-          <a:p>
-            <a:r>
-              <a:rPr kumimoji="1" lang="ja-JP" altLang="en-US" dirty="0" smtClean="0"/>
-              <a:t>プレイヤーが触れるとライフを回復する</a:t>
-            </a:r>
-            <a:endParaRPr kumimoji="1" lang="ja-JP" altLang="en-US" dirty="0"/>
-          </a:p>
-        </p:txBody>
-      </p:sp>
-      <p:sp>
-        <p:nvSpPr>
-          <p:cNvPr id="4" name="スライド番号プレースホルダー 3"/>
-          <p:cNvSpPr>
-            <a:spLocks noGrp="1"/>
-          </p:cNvSpPr>
-          <p:nvPr>
-            <p:ph type="sldNum" sz="quarter" idx="12"/>
-          </p:nvPr>
-        </p:nvSpPr>
-        <p:spPr/>
-        <p:txBody>
-          <a:bodyPr/>
-          <a:lstStyle/>
-          <a:p>
-            <a:fld id="{FA01AF0C-45ED-4F62-92C7-A07C97864F1B}" type="slidenum">
-              <a:rPr lang="en-US" altLang="ja-JP" smtClean="0"/>
-              <a:pPr/>
-              <a:t>8</a:t>
-            </a:fld>
-            <a:endParaRPr lang="en-US" altLang="ja-JP"/>
-          </a:p>
-        </p:txBody>
-      </p:sp>
-    </p:spTree>
-    <p:extLst>
-      <p:ext uri="{BB962C8B-B14F-4D97-AF65-F5344CB8AC3E}">
-        <p14:creationId xmlns:p14="http://schemas.microsoft.com/office/powerpoint/2010/main" val="4065382186"/>
-      </p:ext>
-    </p:extLst>
-  </p:cSld>
-  <p:clrMapOvr>
-    <a:masterClrMapping/>
-  </p:clrMapOvr>
 </p:sld>
 </file>
 

--- a/shinziko.pptx
+++ b/shinziko.pptx
@@ -901,6 +901,192 @@
 </p:notes>
 </file>
 
+<file path=ppt/notesSlides/notesSlide10.xml><?xml version="1.0" encoding="utf-8"?>
+<p:notes xmlns:a="http://schemas.openxmlformats.org/drawingml/2006/main" xmlns:r="http://schemas.openxmlformats.org/officeDocument/2006/relationships" xmlns:p="http://schemas.openxmlformats.org/presentationml/2006/main">
+  <p:cSld>
+    <p:spTree>
+      <p:nvGrpSpPr>
+        <p:cNvPr id="1" name=""/>
+        <p:cNvGrpSpPr/>
+        <p:nvPr/>
+      </p:nvGrpSpPr>
+      <p:grpSpPr>
+        <a:xfrm>
+          <a:off x="0" y="0"/>
+          <a:ext cx="0" cy="0"/>
+          <a:chOff x="0" y="0"/>
+          <a:chExt cx="0" cy="0"/>
+        </a:xfrm>
+      </p:grpSpPr>
+      <p:sp>
+        <p:nvSpPr>
+          <p:cNvPr id="2" name="スライド イメージ プレースホルダー 1"/>
+          <p:cNvSpPr>
+            <a:spLocks noGrp="1" noRot="1" noChangeAspect="1"/>
+          </p:cNvSpPr>
+          <p:nvPr>
+            <p:ph type="sldImg"/>
+          </p:nvPr>
+        </p:nvSpPr>
+        <p:spPr/>
+      </p:sp>
+      <p:sp>
+        <p:nvSpPr>
+          <p:cNvPr id="3" name="ノート プレースホルダー 2"/>
+          <p:cNvSpPr>
+            <a:spLocks noGrp="1"/>
+          </p:cNvSpPr>
+          <p:nvPr>
+            <p:ph type="body" idx="1"/>
+          </p:nvPr>
+        </p:nvSpPr>
+        <p:spPr/>
+        <p:txBody>
+          <a:bodyPr/>
+          <a:lstStyle/>
+          <a:p>
+            <a:r>
+              <a:rPr kumimoji="1" lang="ja-JP" altLang="en-US" dirty="0" smtClean="0"/>
+              <a:t>岩見でとれた銀で作られたアクセサリーをとるとスコアがアップします。これを取ると、しじみが怒り狂いおそってきます。</a:t>
+            </a:r>
+            <a:endParaRPr kumimoji="1" lang="ja-JP" altLang="en-US" dirty="0"/>
+          </a:p>
+        </p:txBody>
+      </p:sp>
+      <p:sp>
+        <p:nvSpPr>
+          <p:cNvPr id="4" name="スライド番号プレースホルダー 3"/>
+          <p:cNvSpPr>
+            <a:spLocks noGrp="1"/>
+          </p:cNvSpPr>
+          <p:nvPr>
+            <p:ph type="sldNum" sz="quarter" idx="10"/>
+          </p:nvPr>
+        </p:nvSpPr>
+        <p:spPr/>
+        <p:txBody>
+          <a:bodyPr/>
+          <a:lstStyle/>
+          <a:p>
+            <a:fld id="{D8D89B86-C13A-45E9-BBE0-965D1DC3C5CD}" type="slidenum">
+              <a:rPr lang="en-US" altLang="ja-JP" smtClean="0"/>
+              <a:pPr/>
+              <a:t>9</a:t>
+            </a:fld>
+            <a:endParaRPr lang="en-US" altLang="ja-JP"/>
+          </a:p>
+        </p:txBody>
+      </p:sp>
+    </p:spTree>
+    <p:extLst>
+      <p:ext uri="{BB962C8B-B14F-4D97-AF65-F5344CB8AC3E}">
+        <p14:creationId xmlns:p14="http://schemas.microsoft.com/office/powerpoint/2010/main" val="1476730303"/>
+      </p:ext>
+    </p:extLst>
+  </p:cSld>
+  <p:clrMapOvr>
+    <a:masterClrMapping/>
+  </p:clrMapOvr>
+</p:notes>
+</file>
+
+<file path=ppt/notesSlides/notesSlide11.xml><?xml version="1.0" encoding="utf-8"?>
+<p:notes xmlns:a="http://schemas.openxmlformats.org/drawingml/2006/main" xmlns:r="http://schemas.openxmlformats.org/officeDocument/2006/relationships" xmlns:p="http://schemas.openxmlformats.org/presentationml/2006/main">
+  <p:cSld>
+    <p:spTree>
+      <p:nvGrpSpPr>
+        <p:cNvPr id="1" name=""/>
+        <p:cNvGrpSpPr/>
+        <p:nvPr/>
+      </p:nvGrpSpPr>
+      <p:grpSpPr>
+        <a:xfrm>
+          <a:off x="0" y="0"/>
+          <a:ext cx="0" cy="0"/>
+          <a:chOff x="0" y="0"/>
+          <a:chExt cx="0" cy="0"/>
+        </a:xfrm>
+      </p:grpSpPr>
+      <p:sp>
+        <p:nvSpPr>
+          <p:cNvPr id="2" name="スライド イメージ プレースホルダー 1"/>
+          <p:cNvSpPr>
+            <a:spLocks noGrp="1" noRot="1" noChangeAspect="1"/>
+          </p:cNvSpPr>
+          <p:nvPr>
+            <p:ph type="sldImg"/>
+          </p:nvPr>
+        </p:nvSpPr>
+        <p:spPr/>
+      </p:sp>
+      <p:sp>
+        <p:nvSpPr>
+          <p:cNvPr id="3" name="ノート プレースホルダー 2"/>
+          <p:cNvSpPr>
+            <a:spLocks noGrp="1"/>
+          </p:cNvSpPr>
+          <p:nvPr>
+            <p:ph type="body" idx="1"/>
+          </p:nvPr>
+        </p:nvSpPr>
+        <p:spPr/>
+        <p:txBody>
+          <a:bodyPr/>
+          <a:lstStyle/>
+          <a:p>
+            <a:r>
+              <a:rPr kumimoji="1" lang="ja-JP" altLang="en-US" dirty="0" smtClean="0"/>
+              <a:t>最後にこのゲームで高得点を狙うためのポイントはこの三点です。これを踏まえて、今からゲームをプレイしていき</a:t>
+            </a:r>
+            <a:r>
+              <a:rPr kumimoji="1" lang="ja-JP" altLang="en-US" dirty="0" err="1" smtClean="0"/>
+              <a:t>す</a:t>
+            </a:r>
+            <a:r>
+              <a:rPr kumimoji="1" lang="ja-JP" altLang="en-US" dirty="0" smtClean="0"/>
+              <a:t>。</a:t>
+            </a:r>
+            <a:endParaRPr kumimoji="1" lang="ja-JP" altLang="en-US" dirty="0"/>
+          </a:p>
+        </p:txBody>
+      </p:sp>
+      <p:sp>
+        <p:nvSpPr>
+          <p:cNvPr id="4" name="スライド番号プレースホルダー 3"/>
+          <p:cNvSpPr>
+            <a:spLocks noGrp="1"/>
+          </p:cNvSpPr>
+          <p:nvPr>
+            <p:ph type="sldNum" sz="quarter" idx="10"/>
+          </p:nvPr>
+        </p:nvSpPr>
+        <p:spPr/>
+        <p:txBody>
+          <a:bodyPr/>
+          <a:lstStyle/>
+          <a:p>
+            <a:fld id="{D8D89B86-C13A-45E9-BBE0-965D1DC3C5CD}" type="slidenum">
+              <a:rPr lang="en-US" altLang="ja-JP" smtClean="0"/>
+              <a:pPr/>
+              <a:t>10</a:t>
+            </a:fld>
+            <a:endParaRPr lang="en-US" altLang="ja-JP"/>
+          </a:p>
+        </p:txBody>
+      </p:sp>
+    </p:spTree>
+    <p:extLst>
+      <p:ext uri="{BB962C8B-B14F-4D97-AF65-F5344CB8AC3E}">
+        <p14:creationId xmlns:p14="http://schemas.microsoft.com/office/powerpoint/2010/main" val="2372134548"/>
+      </p:ext>
+    </p:extLst>
+  </p:cSld>
+  <p:clrMapOvr>
+    <a:masterClrMapping/>
+  </p:clrMapOvr>
+</p:notes>
+</file>
+
 <file path=ppt/notesSlides/notesSlide2.xml><?xml version="1.0" encoding="utf-8"?>
 <p:notes xmlns:a="http://schemas.openxmlformats.org/drawingml/2006/main" xmlns:r="http://schemas.openxmlformats.org/officeDocument/2006/relationships" xmlns:p="http://schemas.openxmlformats.org/presentationml/2006/main">
   <p:cSld>
@@ -1137,7 +1323,7 @@
             </a:r>
             <a:r>
               <a:rPr kumimoji="1" lang="ja-JP" altLang="en-US" dirty="0" smtClean="0"/>
-              <a:t>ためえさで点滴の注意を集め安全を確保します。</a:t>
+              <a:t>ためえさで点滴の注意を集め安全を確保します。ちなみにハーンは長時間水中にいると窒息してしまいます。</a:t>
             </a:r>
             <a:endParaRPr kumimoji="1" lang="en-US" altLang="ja-JP" dirty="0" smtClean="0"/>
           </a:p>
@@ -1331,7 +1517,7 @@
             </a:r>
             <a:r>
               <a:rPr kumimoji="1" lang="ja-JP" altLang="en-US" dirty="0" smtClean="0"/>
-              <a:t>いやーの錯乱をしてきます。</a:t>
+              <a:t>いやーの錯乱をしてきます。ちなみに接触するとスコアが減少します。</a:t>
             </a:r>
             <a:endParaRPr kumimoji="1" lang="ja-JP" altLang="en-US" dirty="0"/>
           </a:p>
@@ -1418,6 +1604,107 @@
           <a:bodyPr/>
           <a:lstStyle/>
           <a:p>
+            <a:r>
+              <a:rPr kumimoji="1" lang="ja-JP" altLang="en-US" dirty="0" smtClean="0"/>
+              <a:t>次はこいつです。すずきはあまさきが好物でこれを食べると、感動してうごけなくなります。はー</a:t>
+            </a:r>
+            <a:r>
+              <a:rPr kumimoji="1" lang="ja-JP" altLang="en-US" dirty="0" err="1" smtClean="0"/>
+              <a:t>んは</a:t>
+            </a:r>
+            <a:r>
+              <a:rPr kumimoji="1" lang="ja-JP" altLang="en-US" dirty="0" smtClean="0"/>
+              <a:t>五個しか持つことができません。ちなみに画像はイメージです</a:t>
+            </a:r>
+            <a:endParaRPr kumimoji="1" lang="ja-JP" altLang="en-US" dirty="0"/>
+          </a:p>
+        </p:txBody>
+      </p:sp>
+      <p:sp>
+        <p:nvSpPr>
+          <p:cNvPr id="4" name="スライド番号プレースホルダー 3"/>
+          <p:cNvSpPr>
+            <a:spLocks noGrp="1"/>
+          </p:cNvSpPr>
+          <p:nvPr>
+            <p:ph type="sldNum" sz="quarter" idx="10"/>
+          </p:nvPr>
+        </p:nvSpPr>
+        <p:spPr/>
+        <p:txBody>
+          <a:bodyPr/>
+          <a:lstStyle/>
+          <a:p>
+            <a:fld id="{D8D89B86-C13A-45E9-BBE0-965D1DC3C5CD}" type="slidenum">
+              <a:rPr lang="en-US" altLang="ja-JP" smtClean="0"/>
+              <a:pPr/>
+              <a:t>6</a:t>
+            </a:fld>
+            <a:endParaRPr lang="en-US" altLang="ja-JP"/>
+          </a:p>
+        </p:txBody>
+      </p:sp>
+    </p:spTree>
+    <p:extLst>
+      <p:ext uri="{BB962C8B-B14F-4D97-AF65-F5344CB8AC3E}">
+        <p14:creationId xmlns:p14="http://schemas.microsoft.com/office/powerpoint/2010/main" val="1081431091"/>
+      </p:ext>
+    </p:extLst>
+  </p:cSld>
+  <p:clrMapOvr>
+    <a:masterClrMapping/>
+  </p:clrMapOvr>
+</p:notes>
+</file>
+
+<file path=ppt/notesSlides/notesSlide8.xml><?xml version="1.0" encoding="utf-8"?>
+<p:notes xmlns:a="http://schemas.openxmlformats.org/drawingml/2006/main" xmlns:r="http://schemas.openxmlformats.org/officeDocument/2006/relationships" xmlns:p="http://schemas.openxmlformats.org/presentationml/2006/main">
+  <p:cSld>
+    <p:spTree>
+      <p:nvGrpSpPr>
+        <p:cNvPr id="1" name=""/>
+        <p:cNvGrpSpPr/>
+        <p:nvPr/>
+      </p:nvGrpSpPr>
+      <p:grpSpPr>
+        <a:xfrm>
+          <a:off x="0" y="0"/>
+          <a:ext cx="0" cy="0"/>
+          <a:chOff x="0" y="0"/>
+          <a:chExt cx="0" cy="0"/>
+        </a:xfrm>
+      </p:grpSpPr>
+      <p:sp>
+        <p:nvSpPr>
+          <p:cNvPr id="2" name="スライド イメージ プレースホルダー 1"/>
+          <p:cNvSpPr>
+            <a:spLocks noGrp="1" noRot="1" noChangeAspect="1"/>
+          </p:cNvSpPr>
+          <p:nvPr>
+            <p:ph type="sldImg"/>
+          </p:nvPr>
+        </p:nvSpPr>
+        <p:spPr/>
+      </p:sp>
+      <p:sp>
+        <p:nvSpPr>
+          <p:cNvPr id="3" name="ノート プレースホルダー 2"/>
+          <p:cNvSpPr>
+            <a:spLocks noGrp="1"/>
+          </p:cNvSpPr>
+          <p:nvPr>
+            <p:ph type="body" idx="1"/>
+          </p:nvPr>
+        </p:nvSpPr>
+        <p:spPr/>
+        <p:txBody>
+          <a:bodyPr/>
+          <a:lstStyle/>
+          <a:p>
+            <a:r>
+              <a:rPr kumimoji="1" lang="ja-JP" altLang="en-US" dirty="0" smtClean="0"/>
+              <a:t>これはもろげえびの大群です。もろげえびは毒を出しているためすずきは恐れをなして逃げてしまいます。ちなみに、</a:t>
+            </a:r>
             <a:endParaRPr kumimoji="1" lang="ja-JP" altLang="en-US" dirty="0"/>
           </a:p>
         </p:txBody>
@@ -1450,6 +1737,98 @@
     <p:extLst>
       <p:ext uri="{BB962C8B-B14F-4D97-AF65-F5344CB8AC3E}">
         <p14:creationId xmlns:p14="http://schemas.microsoft.com/office/powerpoint/2010/main" val="718454800"/>
+      </p:ext>
+    </p:extLst>
+  </p:cSld>
+  <p:clrMapOvr>
+    <a:masterClrMapping/>
+  </p:clrMapOvr>
+</p:notes>
+</file>
+
+<file path=ppt/notesSlides/notesSlide9.xml><?xml version="1.0" encoding="utf-8"?>
+<p:notes xmlns:a="http://schemas.openxmlformats.org/drawingml/2006/main" xmlns:r="http://schemas.openxmlformats.org/officeDocument/2006/relationships" xmlns:p="http://schemas.openxmlformats.org/presentationml/2006/main">
+  <p:cSld>
+    <p:spTree>
+      <p:nvGrpSpPr>
+        <p:cNvPr id="1" name=""/>
+        <p:cNvGrpSpPr/>
+        <p:nvPr/>
+      </p:nvGrpSpPr>
+      <p:grpSpPr>
+        <a:xfrm>
+          <a:off x="0" y="0"/>
+          <a:ext cx="0" cy="0"/>
+          <a:chOff x="0" y="0"/>
+          <a:chExt cx="0" cy="0"/>
+        </a:xfrm>
+      </p:grpSpPr>
+      <p:sp>
+        <p:nvSpPr>
+          <p:cNvPr id="2" name="スライド イメージ プレースホルダー 1"/>
+          <p:cNvSpPr>
+            <a:spLocks noGrp="1" noRot="1" noChangeAspect="1"/>
+          </p:cNvSpPr>
+          <p:nvPr>
+            <p:ph type="sldImg"/>
+          </p:nvPr>
+        </p:nvSpPr>
+        <p:spPr/>
+      </p:sp>
+      <p:sp>
+        <p:nvSpPr>
+          <p:cNvPr id="3" name="ノート プレースホルダー 2"/>
+          <p:cNvSpPr>
+            <a:spLocks noGrp="1"/>
+          </p:cNvSpPr>
+          <p:nvPr>
+            <p:ph type="body" idx="1"/>
+          </p:nvPr>
+        </p:nvSpPr>
+        <p:spPr/>
+        <p:txBody>
+          <a:bodyPr/>
+          <a:lstStyle/>
+          <a:p>
+            <a:r>
+              <a:rPr kumimoji="1" lang="ja-JP" altLang="en-US" dirty="0" smtClean="0"/>
+              <a:t>次は回復アイテムである泡です。これをとるとハーンはライフを回復し、長時間水中にいることができます。一個につき一回しか回復できません。</a:t>
+            </a:r>
+            <a:endParaRPr kumimoji="1" lang="en-US" altLang="ja-JP" dirty="0" smtClean="0"/>
+          </a:p>
+          <a:p>
+            <a:endParaRPr kumimoji="1" lang="ja-JP" altLang="en-US" dirty="0"/>
+          </a:p>
+        </p:txBody>
+      </p:sp>
+      <p:sp>
+        <p:nvSpPr>
+          <p:cNvPr id="4" name="スライド番号プレースホルダー 3"/>
+          <p:cNvSpPr>
+            <a:spLocks noGrp="1"/>
+          </p:cNvSpPr>
+          <p:nvPr>
+            <p:ph type="sldNum" sz="quarter" idx="10"/>
+          </p:nvPr>
+        </p:nvSpPr>
+        <p:spPr/>
+        <p:txBody>
+          <a:bodyPr/>
+          <a:lstStyle/>
+          <a:p>
+            <a:fld id="{D8D89B86-C13A-45E9-BBE0-965D1DC3C5CD}" type="slidenum">
+              <a:rPr lang="en-US" altLang="ja-JP" smtClean="0"/>
+              <a:pPr/>
+              <a:t>8</a:t>
+            </a:fld>
+            <a:endParaRPr lang="en-US" altLang="ja-JP"/>
+          </a:p>
+        </p:txBody>
+      </p:sp>
+    </p:spTree>
+    <p:extLst>
+      <p:ext uri="{BB962C8B-B14F-4D97-AF65-F5344CB8AC3E}">
+        <p14:creationId xmlns:p14="http://schemas.microsoft.com/office/powerpoint/2010/main" val="2925391821"/>
       </p:ext>
     </p:extLst>
   </p:cSld>
@@ -5354,7 +5733,15 @@
           <a:p>
             <a:r>
               <a:rPr kumimoji="1" lang="ja-JP" altLang="en-US" sz="4000" dirty="0" smtClean="0"/>
-              <a:t>宝をとるとおばけが出現する</a:t>
+              <a:t>宝をとる</a:t>
+            </a:r>
+            <a:r>
+              <a:rPr kumimoji="1" lang="ja-JP" altLang="en-US" sz="4000" dirty="0" smtClean="0"/>
+              <a:t>としじみが</a:t>
+            </a:r>
+            <a:r>
+              <a:rPr kumimoji="1" lang="ja-JP" altLang="en-US" sz="4000" dirty="0" smtClean="0"/>
+              <a:t>出現する</a:t>
             </a:r>
             <a:endParaRPr kumimoji="1" lang="ja-JP" altLang="en-US" sz="4000" dirty="0"/>
           </a:p>
@@ -5369,7 +5756,7 @@
           <p:nvPr/>
         </p:nvPicPr>
         <p:blipFill>
-          <a:blip r:embed="rId2">
+          <a:blip r:embed="rId3">
             <a:extLst>
               <a:ext uri="{28A0092B-C50C-407E-A947-70E740481C1C}">
                 <a14:useLocalDpi xmlns:a14="http://schemas.microsoft.com/office/drawing/2010/main" val="0"/>
@@ -5513,6 +5900,16 @@
             <a:endParaRPr lang="en-US" altLang="ja-JP" dirty="0"/>
           </a:p>
           <a:p>
+            <a:r>
+              <a:rPr kumimoji="1" lang="ja-JP" altLang="en-US" dirty="0" smtClean="0"/>
+              <a:t>深い場所にある宝は高得点なので狙って行きましょう</a:t>
+            </a:r>
+            <a:endParaRPr kumimoji="1" lang="en-US" altLang="ja-JP" dirty="0" smtClean="0"/>
+          </a:p>
+          <a:p>
+            <a:endParaRPr lang="en-US" altLang="ja-JP" dirty="0"/>
+          </a:p>
+          <a:p>
             <a:endParaRPr lang="en-US" altLang="ja-JP" dirty="0" smtClean="0"/>
           </a:p>
           <a:p>
@@ -5777,6 +6174,12 @@
               <a:rPr lang="ja-JP" altLang="en-US" sz="3600" dirty="0" smtClean="0"/>
               <a:t>登場キャラ：宍道湖の生物たち</a:t>
             </a:r>
+            <a:endParaRPr lang="en-US" altLang="ja-JP" sz="3600" dirty="0" smtClean="0"/>
+          </a:p>
+          <a:p>
+            <a:pPr marL="0" indent="0">
+              <a:buNone/>
+            </a:pPr>
             <a:endParaRPr lang="en-US" altLang="ja-JP" sz="3600" dirty="0"/>
           </a:p>
           <a:p>
@@ -5926,7 +6329,18 @@
             </a:r>
             <a:r>
               <a:rPr lang="ja-JP" altLang="en-US" sz="4400" dirty="0" smtClean="0"/>
-              <a:t>えさを巻く</a:t>
+              <a:t>えさを</a:t>
+            </a:r>
+            <a:r>
+              <a:rPr lang="ja-JP" altLang="en-US" sz="4400" dirty="0" smtClean="0"/>
+              <a:t>巻く</a:t>
+            </a:r>
+            <a:endParaRPr lang="en-US" altLang="ja-JP" sz="4400" dirty="0" smtClean="0"/>
+          </a:p>
+          <a:p>
+            <a:r>
+              <a:rPr lang="ja-JP" altLang="en-US" sz="4400" dirty="0" smtClean="0"/>
+              <a:t>ライフ：時間経過で減る</a:t>
             </a:r>
             <a:endParaRPr lang="en-US" altLang="ja-JP" sz="4400" dirty="0" smtClean="0"/>
           </a:p>
@@ -6634,7 +7048,7 @@
           <a:p>
             <a:r>
               <a:rPr kumimoji="1" lang="ja-JP" altLang="en-US" dirty="0" smtClean="0"/>
-              <a:t>えさ</a:t>
+              <a:t>あまさき（えさ）</a:t>
             </a:r>
             <a:endParaRPr kumimoji="1" lang="ja-JP" altLang="en-US" dirty="0"/>
           </a:p>
@@ -6657,7 +7071,11 @@
           <a:p>
             <a:r>
               <a:rPr kumimoji="1" lang="ja-JP" altLang="en-US" sz="4000" dirty="0" smtClean="0"/>
-              <a:t>サメが当たると一時的に動きが止まり、これ以上追って来なくなる</a:t>
+              <a:t>すずきが</a:t>
+            </a:r>
+            <a:r>
+              <a:rPr kumimoji="1" lang="ja-JP" altLang="en-US" sz="4000" dirty="0" smtClean="0"/>
+              <a:t>当たると一時的に動きが止まり、これ以上追って来なくなる</a:t>
             </a:r>
             <a:endParaRPr kumimoji="1" lang="en-US" altLang="ja-JP" sz="4000" dirty="0" smtClean="0"/>
           </a:p>
@@ -6706,7 +7124,7 @@
           <p:nvPr/>
         </p:nvPicPr>
         <p:blipFill>
-          <a:blip r:embed="rId2">
+          <a:blip r:embed="rId3">
             <a:extLst>
               <a:ext uri="{28A0092B-C50C-407E-A947-70E740481C1C}">
                 <a14:useLocalDpi xmlns:a14="http://schemas.microsoft.com/office/drawing/2010/main" val="0"/>
@@ -6833,7 +7251,15 @@
           <a:p>
             <a:r>
               <a:rPr kumimoji="1" lang="ja-JP" altLang="en-US" sz="4400" dirty="0" smtClean="0"/>
-              <a:t>サメが当たると初期位置に戻る</a:t>
+              <a:t>サメが当たる</a:t>
+            </a:r>
+            <a:r>
+              <a:rPr kumimoji="1" lang="ja-JP" altLang="en-US" sz="4400" dirty="0" smtClean="0"/>
+              <a:t>とサメの初期</a:t>
+            </a:r>
+            <a:r>
+              <a:rPr kumimoji="1" lang="ja-JP" altLang="en-US" sz="4400" dirty="0" smtClean="0"/>
+              <a:t>位置に戻る</a:t>
             </a:r>
             <a:endParaRPr kumimoji="1" lang="en-US" altLang="ja-JP" sz="4400" dirty="0" smtClean="0"/>
           </a:p>
@@ -7023,7 +7449,7 @@
           <p:nvPr/>
         </p:nvPicPr>
         <p:blipFill>
-          <a:blip r:embed="rId2">
+          <a:blip r:embed="rId3">
             <a:extLst>
               <a:ext uri="{28A0092B-C50C-407E-A947-70E740481C1C}">
                 <a14:useLocalDpi xmlns:a14="http://schemas.microsoft.com/office/drawing/2010/main" val="0"/>

--- a/shinziko.pptx
+++ b/shinziko.pptx
@@ -5,13 +5,20 @@
     <p:sldMasterId id="2147483648" r:id="rId1"/>
   </p:sldMasterIdLst>
   <p:notesMasterIdLst>
-    <p:notesMasterId r:id="rId6"/>
+    <p:notesMasterId r:id="rId13"/>
   </p:notesMasterIdLst>
   <p:sldIdLst>
     <p:sldId id="256" r:id="rId2"/>
-    <p:sldId id="257" r:id="rId3"/>
-    <p:sldId id="258" r:id="rId4"/>
-    <p:sldId id="259" r:id="rId5"/>
+    <p:sldId id="266" r:id="rId3"/>
+    <p:sldId id="257" r:id="rId4"/>
+    <p:sldId id="258" r:id="rId5"/>
+    <p:sldId id="259" r:id="rId6"/>
+    <p:sldId id="261" r:id="rId7"/>
+    <p:sldId id="263" r:id="rId8"/>
+    <p:sldId id="262" r:id="rId9"/>
+    <p:sldId id="264" r:id="rId10"/>
+    <p:sldId id="260" r:id="rId11"/>
+    <p:sldId id="265" r:id="rId12"/>
   </p:sldIdLst>
   <p:sldSz cx="9906000" cy="6858000" type="A4"/>
   <p:notesSz cx="6858000" cy="9144000"/>
@@ -157,6 +164,18 @@
     </p:ext>
   </p:extLst>
 </p:presentation>
+</file>
+
+<file path=ppt/commentAuthors.xml><?xml version="1.0" encoding="utf-8"?>
+<p:cmAuthorLst xmlns:a="http://schemas.openxmlformats.org/drawingml/2006/main" xmlns:r="http://schemas.openxmlformats.org/officeDocument/2006/relationships" xmlns:p="http://schemas.openxmlformats.org/presentationml/2006/main">
+  <p:cmAuthor id="1" name="toru nagai" initials="tn" lastIdx="1" clrIdx="0">
+    <p:extLst>
+      <p:ext uri="{19B8F6BF-5375-455C-9EA6-DF929625EA0E}">
+        <p15:presenceInfo xmlns:p15="http://schemas.microsoft.com/office/powerpoint/2012/main" userId="a8c73e65fe6889f7" providerId="Windows Live"/>
+      </p:ext>
+    </p:extLst>
+  </p:cmAuthor>
+</p:cmAuthorLst>
 </file>
 
 <file path=ppt/notesMasters/notesMaster1.xml><?xml version="1.0" encoding="utf-8"?>
@@ -838,7 +857,34 @@
           <a:bodyPr/>
           <a:lstStyle/>
           <a:p>
-            <a:endParaRPr lang="ja-JP" altLang="ja-JP"/>
+            <a:r>
+              <a:rPr lang="ja-JP" altLang="en-US" sz="2000" dirty="0" smtClean="0"/>
+              <a:t>こんにちは、突然ですが、みなさん海坊主を見たことがありますか。会ってみたいと思いませんか？安心してくださいここにいますよ！そう私たちは、</a:t>
+            </a:r>
+            <a:r>
+              <a:rPr lang="ja-JP" altLang="en-US" sz="2000" dirty="0" err="1" smtClean="0"/>
+              <a:t>ち</a:t>
+            </a:r>
+            <a:r>
+              <a:rPr lang="ja-JP" altLang="en-US" sz="2000" dirty="0" smtClean="0"/>
+              <a:t>ーむ～～～、「うみぼうず～～～」。</a:t>
+            </a:r>
+            <a:endParaRPr lang="en-US" altLang="ja-JP" sz="2000" dirty="0" smtClean="0"/>
+          </a:p>
+          <a:p>
+            <a:r>
+              <a:rPr lang="ja-JP" altLang="en-US" sz="2000" dirty="0" smtClean="0"/>
+              <a:t>私たちは宍道湖を舞台にしたげー</a:t>
+            </a:r>
+            <a:r>
+              <a:rPr lang="ja-JP" altLang="en-US" sz="2000" dirty="0" err="1" smtClean="0"/>
+              <a:t>む</a:t>
+            </a:r>
+            <a:r>
+              <a:rPr lang="ja-JP" altLang="en-US" sz="2000" dirty="0" smtClean="0"/>
+              <a:t>「宍道湖」を作成しました。</a:t>
+            </a:r>
+            <a:endParaRPr lang="ja-JP" altLang="ja-JP" sz="2000" dirty="0"/>
           </a:p>
         </p:txBody>
       </p:sp>
@@ -846,6 +892,192 @@
     <p:extLst>
       <p:ext uri="{BB962C8B-B14F-4D97-AF65-F5344CB8AC3E}">
         <p14:creationId xmlns:p14="http://schemas.microsoft.com/office/powerpoint/2010/main" val="2323004339"/>
+      </p:ext>
+    </p:extLst>
+  </p:cSld>
+  <p:clrMapOvr>
+    <a:masterClrMapping/>
+  </p:clrMapOvr>
+</p:notes>
+</file>
+
+<file path=ppt/notesSlides/notesSlide10.xml><?xml version="1.0" encoding="utf-8"?>
+<p:notes xmlns:a="http://schemas.openxmlformats.org/drawingml/2006/main" xmlns:r="http://schemas.openxmlformats.org/officeDocument/2006/relationships" xmlns:p="http://schemas.openxmlformats.org/presentationml/2006/main">
+  <p:cSld>
+    <p:spTree>
+      <p:nvGrpSpPr>
+        <p:cNvPr id="1" name=""/>
+        <p:cNvGrpSpPr/>
+        <p:nvPr/>
+      </p:nvGrpSpPr>
+      <p:grpSpPr>
+        <a:xfrm>
+          <a:off x="0" y="0"/>
+          <a:ext cx="0" cy="0"/>
+          <a:chOff x="0" y="0"/>
+          <a:chExt cx="0" cy="0"/>
+        </a:xfrm>
+      </p:grpSpPr>
+      <p:sp>
+        <p:nvSpPr>
+          <p:cNvPr id="2" name="スライド イメージ プレースホルダー 1"/>
+          <p:cNvSpPr>
+            <a:spLocks noGrp="1" noRot="1" noChangeAspect="1"/>
+          </p:cNvSpPr>
+          <p:nvPr>
+            <p:ph type="sldImg"/>
+          </p:nvPr>
+        </p:nvSpPr>
+        <p:spPr/>
+      </p:sp>
+      <p:sp>
+        <p:nvSpPr>
+          <p:cNvPr id="3" name="ノート プレースホルダー 2"/>
+          <p:cNvSpPr>
+            <a:spLocks noGrp="1"/>
+          </p:cNvSpPr>
+          <p:nvPr>
+            <p:ph type="body" idx="1"/>
+          </p:nvPr>
+        </p:nvSpPr>
+        <p:spPr/>
+        <p:txBody>
+          <a:bodyPr/>
+          <a:lstStyle/>
+          <a:p>
+            <a:r>
+              <a:rPr kumimoji="1" lang="ja-JP" altLang="en-US" dirty="0" smtClean="0"/>
+              <a:t>岩見でとれた銀で作られたアクセサリーをとるとスコアがアップします。これを取ると、しじみが怒り狂いおそってきます。</a:t>
+            </a:r>
+            <a:endParaRPr kumimoji="1" lang="ja-JP" altLang="en-US" dirty="0"/>
+          </a:p>
+        </p:txBody>
+      </p:sp>
+      <p:sp>
+        <p:nvSpPr>
+          <p:cNvPr id="4" name="スライド番号プレースホルダー 3"/>
+          <p:cNvSpPr>
+            <a:spLocks noGrp="1"/>
+          </p:cNvSpPr>
+          <p:nvPr>
+            <p:ph type="sldNum" sz="quarter" idx="10"/>
+          </p:nvPr>
+        </p:nvSpPr>
+        <p:spPr/>
+        <p:txBody>
+          <a:bodyPr/>
+          <a:lstStyle/>
+          <a:p>
+            <a:fld id="{D8D89B86-C13A-45E9-BBE0-965D1DC3C5CD}" type="slidenum">
+              <a:rPr lang="en-US" altLang="ja-JP" smtClean="0"/>
+              <a:pPr/>
+              <a:t>9</a:t>
+            </a:fld>
+            <a:endParaRPr lang="en-US" altLang="ja-JP"/>
+          </a:p>
+        </p:txBody>
+      </p:sp>
+    </p:spTree>
+    <p:extLst>
+      <p:ext uri="{BB962C8B-B14F-4D97-AF65-F5344CB8AC3E}">
+        <p14:creationId xmlns:p14="http://schemas.microsoft.com/office/powerpoint/2010/main" val="1476730303"/>
+      </p:ext>
+    </p:extLst>
+  </p:cSld>
+  <p:clrMapOvr>
+    <a:masterClrMapping/>
+  </p:clrMapOvr>
+</p:notes>
+</file>
+
+<file path=ppt/notesSlides/notesSlide11.xml><?xml version="1.0" encoding="utf-8"?>
+<p:notes xmlns:a="http://schemas.openxmlformats.org/drawingml/2006/main" xmlns:r="http://schemas.openxmlformats.org/officeDocument/2006/relationships" xmlns:p="http://schemas.openxmlformats.org/presentationml/2006/main">
+  <p:cSld>
+    <p:spTree>
+      <p:nvGrpSpPr>
+        <p:cNvPr id="1" name=""/>
+        <p:cNvGrpSpPr/>
+        <p:nvPr/>
+      </p:nvGrpSpPr>
+      <p:grpSpPr>
+        <a:xfrm>
+          <a:off x="0" y="0"/>
+          <a:ext cx="0" cy="0"/>
+          <a:chOff x="0" y="0"/>
+          <a:chExt cx="0" cy="0"/>
+        </a:xfrm>
+      </p:grpSpPr>
+      <p:sp>
+        <p:nvSpPr>
+          <p:cNvPr id="2" name="スライド イメージ プレースホルダー 1"/>
+          <p:cNvSpPr>
+            <a:spLocks noGrp="1" noRot="1" noChangeAspect="1"/>
+          </p:cNvSpPr>
+          <p:nvPr>
+            <p:ph type="sldImg"/>
+          </p:nvPr>
+        </p:nvSpPr>
+        <p:spPr/>
+      </p:sp>
+      <p:sp>
+        <p:nvSpPr>
+          <p:cNvPr id="3" name="ノート プレースホルダー 2"/>
+          <p:cNvSpPr>
+            <a:spLocks noGrp="1"/>
+          </p:cNvSpPr>
+          <p:nvPr>
+            <p:ph type="body" idx="1"/>
+          </p:nvPr>
+        </p:nvSpPr>
+        <p:spPr/>
+        <p:txBody>
+          <a:bodyPr/>
+          <a:lstStyle/>
+          <a:p>
+            <a:r>
+              <a:rPr kumimoji="1" lang="ja-JP" altLang="en-US" dirty="0" smtClean="0"/>
+              <a:t>最後にこのゲームで高得点を狙うためのポイントはこの三点です。これを踏まえて、今からゲームをプレイしていき</a:t>
+            </a:r>
+            <a:r>
+              <a:rPr kumimoji="1" lang="ja-JP" altLang="en-US" dirty="0" err="1" smtClean="0"/>
+              <a:t>す</a:t>
+            </a:r>
+            <a:r>
+              <a:rPr kumimoji="1" lang="ja-JP" altLang="en-US" dirty="0" smtClean="0"/>
+              <a:t>。</a:t>
+            </a:r>
+            <a:endParaRPr kumimoji="1" lang="ja-JP" altLang="en-US" dirty="0"/>
+          </a:p>
+        </p:txBody>
+      </p:sp>
+      <p:sp>
+        <p:nvSpPr>
+          <p:cNvPr id="4" name="スライド番号プレースホルダー 3"/>
+          <p:cNvSpPr>
+            <a:spLocks noGrp="1"/>
+          </p:cNvSpPr>
+          <p:nvPr>
+            <p:ph type="sldNum" sz="quarter" idx="10"/>
+          </p:nvPr>
+        </p:nvSpPr>
+        <p:spPr/>
+        <p:txBody>
+          <a:bodyPr/>
+          <a:lstStyle/>
+          <a:p>
+            <a:fld id="{D8D89B86-C13A-45E9-BBE0-965D1DC3C5CD}" type="slidenum">
+              <a:rPr lang="en-US" altLang="ja-JP" smtClean="0"/>
+              <a:pPr/>
+              <a:t>10</a:t>
+            </a:fld>
+            <a:endParaRPr lang="en-US" altLang="ja-JP"/>
+          </a:p>
+        </p:txBody>
+      </p:sp>
+    </p:spTree>
+    <p:extLst>
+      <p:ext uri="{BB962C8B-B14F-4D97-AF65-F5344CB8AC3E}">
+        <p14:creationId xmlns:p14="http://schemas.microsoft.com/office/powerpoint/2010/main" val="2372134548"/>
       </p:ext>
     </p:extLst>
   </p:cSld>
@@ -874,23 +1106,56 @@
       </p:grpSpPr>
       <p:sp>
         <p:nvSpPr>
-          <p:cNvPr id="7" name="Rectangle 7"/>
-          <p:cNvSpPr>
-            <a:spLocks noGrp="1" noChangeArrowheads="1"/>
-          </p:cNvSpPr>
-          <p:nvPr>
-            <p:ph type="sldNum" sz="quarter" idx="5"/>
-          </p:nvPr>
-        </p:nvSpPr>
-        <p:spPr>
-          <a:ln/>
-        </p:spPr>
+          <p:cNvPr id="2" name="スライド イメージ プレースホルダー 1"/>
+          <p:cNvSpPr>
+            <a:spLocks noGrp="1" noRot="1" noChangeAspect="1"/>
+          </p:cNvSpPr>
+          <p:nvPr>
+            <p:ph type="sldImg"/>
+          </p:nvPr>
+        </p:nvSpPr>
+        <p:spPr/>
+      </p:sp>
+      <p:sp>
+        <p:nvSpPr>
+          <p:cNvPr id="3" name="ノート プレースホルダー 2"/>
+          <p:cNvSpPr>
+            <a:spLocks noGrp="1"/>
+          </p:cNvSpPr>
+          <p:nvPr>
+            <p:ph type="body" idx="1"/>
+          </p:nvPr>
+        </p:nvSpPr>
+        <p:spPr/>
         <p:txBody>
           <a:bodyPr/>
           <a:lstStyle/>
           <a:p>
-            <a:fld id="{428DA4DC-6E78-4C50-9350-86C95BFD7B4E}" type="slidenum">
-              <a:rPr lang="en-US" altLang="ja-JP"/>
+            <a:r>
+              <a:rPr kumimoji="1" lang="ja-JP" altLang="en-US" sz="3200" dirty="0" smtClean="0"/>
+              <a:t>今回は水中で敵から逃げるというゲームを作りました。</a:t>
+            </a:r>
+            <a:endParaRPr kumimoji="1" lang="en-US" altLang="ja-JP" sz="3200" dirty="0" smtClean="0"/>
+          </a:p>
+        </p:txBody>
+      </p:sp>
+      <p:sp>
+        <p:nvSpPr>
+          <p:cNvPr id="4" name="スライド番号プレースホルダー 3"/>
+          <p:cNvSpPr>
+            <a:spLocks noGrp="1"/>
+          </p:cNvSpPr>
+          <p:nvPr>
+            <p:ph type="sldNum" sz="quarter" idx="10"/>
+          </p:nvPr>
+        </p:nvSpPr>
+        <p:spPr/>
+        <p:txBody>
+          <a:bodyPr/>
+          <a:lstStyle/>
+          <a:p>
+            <a:fld id="{D8D89B86-C13A-45E9-BBE0-965D1DC3C5CD}" type="slidenum">
+              <a:rPr lang="en-US" altLang="ja-JP" smtClean="0"/>
               <a:pPr/>
               <a:t>1</a:t>
             </a:fld>
@@ -898,19 +1163,75 @@
           </a:p>
         </p:txBody>
       </p:sp>
-      <p:sp>
-        <p:nvSpPr>
-          <p:cNvPr id="7170" name="Rectangle 2"/>
-          <p:cNvSpPr>
-            <a:spLocks noGrp="1" noRot="1" noChangeAspect="1" noChangeArrowheads="1" noTextEdit="1"/>
-          </p:cNvSpPr>
-          <p:nvPr>
-            <p:ph type="sldImg"/>
+    </p:spTree>
+    <p:extLst>
+      <p:ext uri="{BB962C8B-B14F-4D97-AF65-F5344CB8AC3E}">
+        <p14:creationId xmlns:p14="http://schemas.microsoft.com/office/powerpoint/2010/main" val="2250676427"/>
+      </p:ext>
+    </p:extLst>
+  </p:cSld>
+  <p:clrMapOvr>
+    <a:masterClrMapping/>
+  </p:clrMapOvr>
+</p:notes>
+</file>
+
+<file path=ppt/notesSlides/notesSlide3.xml><?xml version="1.0" encoding="utf-8"?>
+<p:notes xmlns:a="http://schemas.openxmlformats.org/drawingml/2006/main" xmlns:r="http://schemas.openxmlformats.org/officeDocument/2006/relationships" xmlns:p="http://schemas.openxmlformats.org/presentationml/2006/main">
+  <p:cSld>
+    <p:spTree>
+      <p:nvGrpSpPr>
+        <p:cNvPr id="1" name=""/>
+        <p:cNvGrpSpPr/>
+        <p:nvPr/>
+      </p:nvGrpSpPr>
+      <p:grpSpPr>
+        <a:xfrm>
+          <a:off x="0" y="0"/>
+          <a:ext cx="0" cy="0"/>
+          <a:chOff x="0" y="0"/>
+          <a:chExt cx="0" cy="0"/>
+        </a:xfrm>
+      </p:grpSpPr>
+      <p:sp>
+        <p:nvSpPr>
+          <p:cNvPr id="7" name="Rectangle 7"/>
+          <p:cNvSpPr>
+            <a:spLocks noGrp="1" noChangeArrowheads="1"/>
+          </p:cNvSpPr>
+          <p:nvPr>
+            <p:ph type="sldNum" sz="quarter" idx="5"/>
           </p:nvPr>
         </p:nvSpPr>
         <p:spPr>
           <a:ln/>
         </p:spPr>
+        <p:txBody>
+          <a:bodyPr/>
+          <a:lstStyle/>
+          <a:p>
+            <a:fld id="{428DA4DC-6E78-4C50-9350-86C95BFD7B4E}" type="slidenum">
+              <a:rPr lang="en-US" altLang="ja-JP"/>
+              <a:pPr/>
+              <a:t>2</a:t>
+            </a:fld>
+            <a:endParaRPr lang="en-US" altLang="ja-JP"/>
+          </a:p>
+        </p:txBody>
+      </p:sp>
+      <p:sp>
+        <p:nvSpPr>
+          <p:cNvPr id="7170" name="Rectangle 2"/>
+          <p:cNvSpPr>
+            <a:spLocks noGrp="1" noRot="1" noChangeAspect="1" noChangeArrowheads="1" noTextEdit="1"/>
+          </p:cNvSpPr>
+          <p:nvPr>
+            <p:ph type="sldImg"/>
+          </p:nvPr>
+        </p:nvSpPr>
+        <p:spPr>
+          <a:ln/>
+        </p:spPr>
       </p:sp>
       <p:sp>
         <p:nvSpPr>
@@ -927,7 +1248,11 @@
           <a:bodyPr/>
           <a:lstStyle/>
           <a:p>
-            <a:endParaRPr lang="ja-JP" altLang="ja-JP"/>
+            <a:r>
+              <a:rPr lang="ja-JP" altLang="en-US" dirty="0" smtClean="0"/>
+              <a:t>このゲームの目的は、宝を集めて船に変えることです。しかし、財宝をまもる宍道湖の生物たちが襲いかかってきます。</a:t>
+            </a:r>
+            <a:endParaRPr lang="ja-JP" altLang="ja-JP" dirty="0"/>
           </a:p>
         </p:txBody>
       </p:sp>
@@ -935,6 +1260,575 @@
     <p:extLst>
       <p:ext uri="{BB962C8B-B14F-4D97-AF65-F5344CB8AC3E}">
         <p14:creationId xmlns:p14="http://schemas.microsoft.com/office/powerpoint/2010/main" val="1911982113"/>
+      </p:ext>
+    </p:extLst>
+  </p:cSld>
+  <p:clrMapOvr>
+    <a:masterClrMapping/>
+  </p:clrMapOvr>
+</p:notes>
+</file>
+
+<file path=ppt/notesSlides/notesSlide4.xml><?xml version="1.0" encoding="utf-8"?>
+<p:notes xmlns:a="http://schemas.openxmlformats.org/drawingml/2006/main" xmlns:r="http://schemas.openxmlformats.org/officeDocument/2006/relationships" xmlns:p="http://schemas.openxmlformats.org/presentationml/2006/main">
+  <p:cSld>
+    <p:spTree>
+      <p:nvGrpSpPr>
+        <p:cNvPr id="1" name=""/>
+        <p:cNvGrpSpPr/>
+        <p:nvPr/>
+      </p:nvGrpSpPr>
+      <p:grpSpPr>
+        <a:xfrm>
+          <a:off x="0" y="0"/>
+          <a:ext cx="0" cy="0"/>
+          <a:chOff x="0" y="0"/>
+          <a:chExt cx="0" cy="0"/>
+        </a:xfrm>
+      </p:grpSpPr>
+      <p:sp>
+        <p:nvSpPr>
+          <p:cNvPr id="2" name="スライド イメージ プレースホルダー 1"/>
+          <p:cNvSpPr>
+            <a:spLocks noGrp="1" noRot="1" noChangeAspect="1"/>
+          </p:cNvSpPr>
+          <p:nvPr>
+            <p:ph type="sldImg"/>
+          </p:nvPr>
+        </p:nvSpPr>
+        <p:spPr/>
+      </p:sp>
+      <p:sp>
+        <p:nvSpPr>
+          <p:cNvPr id="3" name="ノート プレースホルダー 2"/>
+          <p:cNvSpPr>
+            <a:spLocks noGrp="1"/>
+          </p:cNvSpPr>
+          <p:nvPr>
+            <p:ph type="body" idx="1"/>
+          </p:nvPr>
+        </p:nvSpPr>
+        <p:spPr/>
+        <p:txBody>
+          <a:bodyPr/>
+          <a:lstStyle/>
+          <a:p>
+            <a:r>
+              <a:rPr kumimoji="1" lang="ja-JP" altLang="en-US" dirty="0" smtClean="0"/>
+              <a:t>プレイヤーの説明をします。操作キャラはこの右上の赤いバンダナをまいたラフカディオ・ハーンです。このハーンは十字キーで自由に動き回れます。ハーンは体力自慢のため水中でダッシュをすることができます。ハーンは非常に</a:t>
+            </a:r>
+            <a:r>
+              <a:rPr kumimoji="1" lang="en-US" altLang="ja-JP" dirty="0" smtClean="0"/>
+              <a:t>clever</a:t>
+            </a:r>
+            <a:r>
+              <a:rPr kumimoji="1" lang="ja-JP" altLang="en-US" dirty="0" smtClean="0"/>
+              <a:t>ためえさで点滴の注意を集め安全を確保します。ちなみにハーンは長時間水中にいると窒息してしまいます。</a:t>
+            </a:r>
+            <a:endParaRPr kumimoji="1" lang="en-US" altLang="ja-JP" dirty="0" smtClean="0"/>
+          </a:p>
+        </p:txBody>
+      </p:sp>
+      <p:sp>
+        <p:nvSpPr>
+          <p:cNvPr id="4" name="スライド番号プレースホルダー 3"/>
+          <p:cNvSpPr>
+            <a:spLocks noGrp="1"/>
+          </p:cNvSpPr>
+          <p:nvPr>
+            <p:ph type="sldNum" sz="quarter" idx="10"/>
+          </p:nvPr>
+        </p:nvSpPr>
+        <p:spPr/>
+        <p:txBody>
+          <a:bodyPr/>
+          <a:lstStyle/>
+          <a:p>
+            <a:fld id="{D8D89B86-C13A-45E9-BBE0-965D1DC3C5CD}" type="slidenum">
+              <a:rPr lang="en-US" altLang="ja-JP" smtClean="0"/>
+              <a:pPr/>
+              <a:t>3</a:t>
+            </a:fld>
+            <a:endParaRPr lang="en-US" altLang="ja-JP"/>
+          </a:p>
+        </p:txBody>
+      </p:sp>
+    </p:spTree>
+    <p:extLst>
+      <p:ext uri="{BB962C8B-B14F-4D97-AF65-F5344CB8AC3E}">
+        <p14:creationId xmlns:p14="http://schemas.microsoft.com/office/powerpoint/2010/main" val="1169319182"/>
+      </p:ext>
+    </p:extLst>
+  </p:cSld>
+  <p:clrMapOvr>
+    <a:masterClrMapping/>
+  </p:clrMapOvr>
+</p:notes>
+</file>
+
+<file path=ppt/notesSlides/notesSlide5.xml><?xml version="1.0" encoding="utf-8"?>
+<p:notes xmlns:a="http://schemas.openxmlformats.org/drawingml/2006/main" xmlns:r="http://schemas.openxmlformats.org/officeDocument/2006/relationships" xmlns:p="http://schemas.openxmlformats.org/presentationml/2006/main">
+  <p:cSld>
+    <p:spTree>
+      <p:nvGrpSpPr>
+        <p:cNvPr id="1" name=""/>
+        <p:cNvGrpSpPr/>
+        <p:nvPr/>
+      </p:nvGrpSpPr>
+      <p:grpSpPr>
+        <a:xfrm>
+          <a:off x="0" y="0"/>
+          <a:ext cx="0" cy="0"/>
+          <a:chOff x="0" y="0"/>
+          <a:chExt cx="0" cy="0"/>
+        </a:xfrm>
+      </p:grpSpPr>
+      <p:sp>
+        <p:nvSpPr>
+          <p:cNvPr id="2" name="スライド イメージ プレースホルダー 1"/>
+          <p:cNvSpPr>
+            <a:spLocks noGrp="1" noRot="1" noChangeAspect="1"/>
+          </p:cNvSpPr>
+          <p:nvPr>
+            <p:ph type="sldImg"/>
+          </p:nvPr>
+        </p:nvSpPr>
+        <p:spPr/>
+      </p:sp>
+      <p:sp>
+        <p:nvSpPr>
+          <p:cNvPr id="3" name="ノート プレースホルダー 2"/>
+          <p:cNvSpPr>
+            <a:spLocks noGrp="1"/>
+          </p:cNvSpPr>
+          <p:nvPr>
+            <p:ph type="body" idx="1"/>
+          </p:nvPr>
+        </p:nvSpPr>
+        <p:spPr/>
+        <p:txBody>
+          <a:bodyPr/>
+          <a:lstStyle/>
+          <a:p>
+            <a:r>
+              <a:rPr kumimoji="1" lang="ja-JP" altLang="en-US" dirty="0" smtClean="0"/>
+              <a:t>次に敵の説明をしていきます。まずはあの「すもうあしこし」の先頭に立つ男すずきです。このゲームに登場する鈴木は非常にできる男で、やるときはやってくるのでハーンを見つけると一目散に向かってきます。彼は満身の力をあごに込め襲いかかってきます。ちなみに当たったらゲームオーバーです。</a:t>
+            </a:r>
+            <a:endParaRPr kumimoji="1" lang="ja-JP" altLang="en-US" dirty="0"/>
+          </a:p>
+        </p:txBody>
+      </p:sp>
+      <p:sp>
+        <p:nvSpPr>
+          <p:cNvPr id="4" name="スライド番号プレースホルダー 3"/>
+          <p:cNvSpPr>
+            <a:spLocks noGrp="1"/>
+          </p:cNvSpPr>
+          <p:nvPr>
+            <p:ph type="sldNum" sz="quarter" idx="10"/>
+          </p:nvPr>
+        </p:nvSpPr>
+        <p:spPr/>
+        <p:txBody>
+          <a:bodyPr/>
+          <a:lstStyle/>
+          <a:p>
+            <a:fld id="{D8D89B86-C13A-45E9-BBE0-965D1DC3C5CD}" type="slidenum">
+              <a:rPr lang="en-US" altLang="ja-JP" smtClean="0"/>
+              <a:pPr/>
+              <a:t>4</a:t>
+            </a:fld>
+            <a:endParaRPr lang="en-US" altLang="ja-JP"/>
+          </a:p>
+        </p:txBody>
+      </p:sp>
+    </p:spTree>
+    <p:extLst>
+      <p:ext uri="{BB962C8B-B14F-4D97-AF65-F5344CB8AC3E}">
+        <p14:creationId xmlns:p14="http://schemas.microsoft.com/office/powerpoint/2010/main" val="2392780663"/>
+      </p:ext>
+    </p:extLst>
+  </p:cSld>
+  <p:clrMapOvr>
+    <a:masterClrMapping/>
+  </p:clrMapOvr>
+</p:notes>
+</file>
+
+<file path=ppt/notesSlides/notesSlide6.xml><?xml version="1.0" encoding="utf-8"?>
+<p:notes xmlns:a="http://schemas.openxmlformats.org/drawingml/2006/main" xmlns:r="http://schemas.openxmlformats.org/officeDocument/2006/relationships" xmlns:p="http://schemas.openxmlformats.org/presentationml/2006/main">
+  <p:cSld>
+    <p:spTree>
+      <p:nvGrpSpPr>
+        <p:cNvPr id="1" name=""/>
+        <p:cNvGrpSpPr/>
+        <p:nvPr/>
+      </p:nvGrpSpPr>
+      <p:grpSpPr>
+        <a:xfrm>
+          <a:off x="0" y="0"/>
+          <a:ext cx="0" cy="0"/>
+          <a:chOff x="0" y="0"/>
+          <a:chExt cx="0" cy="0"/>
+        </a:xfrm>
+      </p:grpSpPr>
+      <p:sp>
+        <p:nvSpPr>
+          <p:cNvPr id="2" name="スライド イメージ プレースホルダー 1"/>
+          <p:cNvSpPr>
+            <a:spLocks noGrp="1" noRot="1" noChangeAspect="1"/>
+          </p:cNvSpPr>
+          <p:nvPr>
+            <p:ph type="sldImg"/>
+          </p:nvPr>
+        </p:nvSpPr>
+        <p:spPr/>
+      </p:sp>
+      <p:sp>
+        <p:nvSpPr>
+          <p:cNvPr id="3" name="ノート プレースホルダー 2"/>
+          <p:cNvSpPr>
+            <a:spLocks noGrp="1"/>
+          </p:cNvSpPr>
+          <p:nvPr>
+            <p:ph type="body" idx="1"/>
+          </p:nvPr>
+        </p:nvSpPr>
+        <p:spPr/>
+        <p:txBody>
+          <a:bodyPr/>
+          <a:lstStyle/>
+          <a:p>
+            <a:r>
+              <a:rPr kumimoji="1" lang="ja-JP" altLang="en-US" dirty="0" smtClean="0"/>
+              <a:t>島根と言えばこの方シジミです。このゲームに出てくるシジミは非常に</a:t>
+            </a:r>
+            <a:r>
+              <a:rPr kumimoji="1" lang="en-US" altLang="ja-JP" dirty="0" smtClean="0"/>
+              <a:t>GENIUS</a:t>
+            </a:r>
+            <a:r>
+              <a:rPr kumimoji="1" lang="ja-JP" altLang="en-US" dirty="0" smtClean="0"/>
+              <a:t>で、壁を通り抜ける事ができます。時々ワープをして</a:t>
+            </a:r>
+            <a:r>
+              <a:rPr kumimoji="1" lang="ja-JP" altLang="en-US" dirty="0" err="1" smtClean="0"/>
+              <a:t>ぷれ</a:t>
+            </a:r>
+            <a:r>
+              <a:rPr kumimoji="1" lang="ja-JP" altLang="en-US" dirty="0" smtClean="0"/>
+              <a:t>いやーの錯乱をしてきます。ちなみに接触するとスコアが減少します。</a:t>
+            </a:r>
+            <a:endParaRPr kumimoji="1" lang="ja-JP" altLang="en-US" dirty="0"/>
+          </a:p>
+        </p:txBody>
+      </p:sp>
+      <p:sp>
+        <p:nvSpPr>
+          <p:cNvPr id="4" name="スライド番号プレースホルダー 3"/>
+          <p:cNvSpPr>
+            <a:spLocks noGrp="1"/>
+          </p:cNvSpPr>
+          <p:nvPr>
+            <p:ph type="sldNum" sz="quarter" idx="10"/>
+          </p:nvPr>
+        </p:nvSpPr>
+        <p:spPr/>
+        <p:txBody>
+          <a:bodyPr/>
+          <a:lstStyle/>
+          <a:p>
+            <a:fld id="{D8D89B86-C13A-45E9-BBE0-965D1DC3C5CD}" type="slidenum">
+              <a:rPr lang="en-US" altLang="ja-JP" smtClean="0"/>
+              <a:pPr/>
+              <a:t>5</a:t>
+            </a:fld>
+            <a:endParaRPr lang="en-US" altLang="ja-JP"/>
+          </a:p>
+        </p:txBody>
+      </p:sp>
+    </p:spTree>
+    <p:extLst>
+      <p:ext uri="{BB962C8B-B14F-4D97-AF65-F5344CB8AC3E}">
+        <p14:creationId xmlns:p14="http://schemas.microsoft.com/office/powerpoint/2010/main" val="2796554877"/>
+      </p:ext>
+    </p:extLst>
+  </p:cSld>
+  <p:clrMapOvr>
+    <a:masterClrMapping/>
+  </p:clrMapOvr>
+</p:notes>
+</file>
+
+<file path=ppt/notesSlides/notesSlide7.xml><?xml version="1.0" encoding="utf-8"?>
+<p:notes xmlns:a="http://schemas.openxmlformats.org/drawingml/2006/main" xmlns:r="http://schemas.openxmlformats.org/officeDocument/2006/relationships" xmlns:p="http://schemas.openxmlformats.org/presentationml/2006/main">
+  <p:cSld>
+    <p:spTree>
+      <p:nvGrpSpPr>
+        <p:cNvPr id="1" name=""/>
+        <p:cNvGrpSpPr/>
+        <p:nvPr/>
+      </p:nvGrpSpPr>
+      <p:grpSpPr>
+        <a:xfrm>
+          <a:off x="0" y="0"/>
+          <a:ext cx="0" cy="0"/>
+          <a:chOff x="0" y="0"/>
+          <a:chExt cx="0" cy="0"/>
+        </a:xfrm>
+      </p:grpSpPr>
+      <p:sp>
+        <p:nvSpPr>
+          <p:cNvPr id="2" name="スライド イメージ プレースホルダー 1"/>
+          <p:cNvSpPr>
+            <a:spLocks noGrp="1" noRot="1" noChangeAspect="1"/>
+          </p:cNvSpPr>
+          <p:nvPr>
+            <p:ph type="sldImg"/>
+          </p:nvPr>
+        </p:nvSpPr>
+        <p:spPr/>
+      </p:sp>
+      <p:sp>
+        <p:nvSpPr>
+          <p:cNvPr id="3" name="ノート プレースホルダー 2"/>
+          <p:cNvSpPr>
+            <a:spLocks noGrp="1"/>
+          </p:cNvSpPr>
+          <p:nvPr>
+            <p:ph type="body" idx="1"/>
+          </p:nvPr>
+        </p:nvSpPr>
+        <p:spPr/>
+        <p:txBody>
+          <a:bodyPr/>
+          <a:lstStyle/>
+          <a:p>
+            <a:r>
+              <a:rPr kumimoji="1" lang="ja-JP" altLang="en-US" dirty="0" smtClean="0"/>
+              <a:t>次はこいつです。すずきはあまさきが好物でこれを食べると、感動してうごけなくなります。はー</a:t>
+            </a:r>
+            <a:r>
+              <a:rPr kumimoji="1" lang="ja-JP" altLang="en-US" dirty="0" err="1" smtClean="0"/>
+              <a:t>んは</a:t>
+            </a:r>
+            <a:r>
+              <a:rPr kumimoji="1" lang="ja-JP" altLang="en-US" dirty="0" smtClean="0"/>
+              <a:t>五個しか持つことができません。ちなみに画像はイメージです</a:t>
+            </a:r>
+            <a:endParaRPr kumimoji="1" lang="ja-JP" altLang="en-US" dirty="0"/>
+          </a:p>
+        </p:txBody>
+      </p:sp>
+      <p:sp>
+        <p:nvSpPr>
+          <p:cNvPr id="4" name="スライド番号プレースホルダー 3"/>
+          <p:cNvSpPr>
+            <a:spLocks noGrp="1"/>
+          </p:cNvSpPr>
+          <p:nvPr>
+            <p:ph type="sldNum" sz="quarter" idx="10"/>
+          </p:nvPr>
+        </p:nvSpPr>
+        <p:spPr/>
+        <p:txBody>
+          <a:bodyPr/>
+          <a:lstStyle/>
+          <a:p>
+            <a:fld id="{D8D89B86-C13A-45E9-BBE0-965D1DC3C5CD}" type="slidenum">
+              <a:rPr lang="en-US" altLang="ja-JP" smtClean="0"/>
+              <a:pPr/>
+              <a:t>6</a:t>
+            </a:fld>
+            <a:endParaRPr lang="en-US" altLang="ja-JP"/>
+          </a:p>
+        </p:txBody>
+      </p:sp>
+    </p:spTree>
+    <p:extLst>
+      <p:ext uri="{BB962C8B-B14F-4D97-AF65-F5344CB8AC3E}">
+        <p14:creationId xmlns:p14="http://schemas.microsoft.com/office/powerpoint/2010/main" val="1081431091"/>
+      </p:ext>
+    </p:extLst>
+  </p:cSld>
+  <p:clrMapOvr>
+    <a:masterClrMapping/>
+  </p:clrMapOvr>
+</p:notes>
+</file>
+
+<file path=ppt/notesSlides/notesSlide8.xml><?xml version="1.0" encoding="utf-8"?>
+<p:notes xmlns:a="http://schemas.openxmlformats.org/drawingml/2006/main" xmlns:r="http://schemas.openxmlformats.org/officeDocument/2006/relationships" xmlns:p="http://schemas.openxmlformats.org/presentationml/2006/main">
+  <p:cSld>
+    <p:spTree>
+      <p:nvGrpSpPr>
+        <p:cNvPr id="1" name=""/>
+        <p:cNvGrpSpPr/>
+        <p:nvPr/>
+      </p:nvGrpSpPr>
+      <p:grpSpPr>
+        <a:xfrm>
+          <a:off x="0" y="0"/>
+          <a:ext cx="0" cy="0"/>
+          <a:chOff x="0" y="0"/>
+          <a:chExt cx="0" cy="0"/>
+        </a:xfrm>
+      </p:grpSpPr>
+      <p:sp>
+        <p:nvSpPr>
+          <p:cNvPr id="2" name="スライド イメージ プレースホルダー 1"/>
+          <p:cNvSpPr>
+            <a:spLocks noGrp="1" noRot="1" noChangeAspect="1"/>
+          </p:cNvSpPr>
+          <p:nvPr>
+            <p:ph type="sldImg"/>
+          </p:nvPr>
+        </p:nvSpPr>
+        <p:spPr/>
+      </p:sp>
+      <p:sp>
+        <p:nvSpPr>
+          <p:cNvPr id="3" name="ノート プレースホルダー 2"/>
+          <p:cNvSpPr>
+            <a:spLocks noGrp="1"/>
+          </p:cNvSpPr>
+          <p:nvPr>
+            <p:ph type="body" idx="1"/>
+          </p:nvPr>
+        </p:nvSpPr>
+        <p:spPr/>
+        <p:txBody>
+          <a:bodyPr/>
+          <a:lstStyle/>
+          <a:p>
+            <a:r>
+              <a:rPr kumimoji="1" lang="ja-JP" altLang="en-US" dirty="0" smtClean="0"/>
+              <a:t>これはもろげえびの大群です。もろげえびは毒を出しているためすずきは恐れをなして逃げてしまいます。ちなみに、</a:t>
+            </a:r>
+            <a:endParaRPr kumimoji="1" lang="ja-JP" altLang="en-US" dirty="0"/>
+          </a:p>
+        </p:txBody>
+      </p:sp>
+      <p:sp>
+        <p:nvSpPr>
+          <p:cNvPr id="4" name="スライド番号プレースホルダー 3"/>
+          <p:cNvSpPr>
+            <a:spLocks noGrp="1"/>
+          </p:cNvSpPr>
+          <p:nvPr>
+            <p:ph type="sldNum" sz="quarter" idx="10"/>
+          </p:nvPr>
+        </p:nvSpPr>
+        <p:spPr/>
+        <p:txBody>
+          <a:bodyPr/>
+          <a:lstStyle/>
+          <a:p>
+            <a:fld id="{D8D89B86-C13A-45E9-BBE0-965D1DC3C5CD}" type="slidenum">
+              <a:rPr lang="en-US" altLang="ja-JP" smtClean="0"/>
+              <a:pPr/>
+              <a:t>7</a:t>
+            </a:fld>
+            <a:endParaRPr lang="en-US" altLang="ja-JP"/>
+          </a:p>
+        </p:txBody>
+      </p:sp>
+    </p:spTree>
+    <p:extLst>
+      <p:ext uri="{BB962C8B-B14F-4D97-AF65-F5344CB8AC3E}">
+        <p14:creationId xmlns:p14="http://schemas.microsoft.com/office/powerpoint/2010/main" val="718454800"/>
+      </p:ext>
+    </p:extLst>
+  </p:cSld>
+  <p:clrMapOvr>
+    <a:masterClrMapping/>
+  </p:clrMapOvr>
+</p:notes>
+</file>
+
+<file path=ppt/notesSlides/notesSlide9.xml><?xml version="1.0" encoding="utf-8"?>
+<p:notes xmlns:a="http://schemas.openxmlformats.org/drawingml/2006/main" xmlns:r="http://schemas.openxmlformats.org/officeDocument/2006/relationships" xmlns:p="http://schemas.openxmlformats.org/presentationml/2006/main">
+  <p:cSld>
+    <p:spTree>
+      <p:nvGrpSpPr>
+        <p:cNvPr id="1" name=""/>
+        <p:cNvGrpSpPr/>
+        <p:nvPr/>
+      </p:nvGrpSpPr>
+      <p:grpSpPr>
+        <a:xfrm>
+          <a:off x="0" y="0"/>
+          <a:ext cx="0" cy="0"/>
+          <a:chOff x="0" y="0"/>
+          <a:chExt cx="0" cy="0"/>
+        </a:xfrm>
+      </p:grpSpPr>
+      <p:sp>
+        <p:nvSpPr>
+          <p:cNvPr id="2" name="スライド イメージ プレースホルダー 1"/>
+          <p:cNvSpPr>
+            <a:spLocks noGrp="1" noRot="1" noChangeAspect="1"/>
+          </p:cNvSpPr>
+          <p:nvPr>
+            <p:ph type="sldImg"/>
+          </p:nvPr>
+        </p:nvSpPr>
+        <p:spPr/>
+      </p:sp>
+      <p:sp>
+        <p:nvSpPr>
+          <p:cNvPr id="3" name="ノート プレースホルダー 2"/>
+          <p:cNvSpPr>
+            <a:spLocks noGrp="1"/>
+          </p:cNvSpPr>
+          <p:nvPr>
+            <p:ph type="body" idx="1"/>
+          </p:nvPr>
+        </p:nvSpPr>
+        <p:spPr/>
+        <p:txBody>
+          <a:bodyPr/>
+          <a:lstStyle/>
+          <a:p>
+            <a:r>
+              <a:rPr kumimoji="1" lang="ja-JP" altLang="en-US" dirty="0" smtClean="0"/>
+              <a:t>次は回復アイテムである泡です。これをとるとハーンはライフを回復し、長時間水中にいることができます。一個につき一回しか回復できません。</a:t>
+            </a:r>
+            <a:endParaRPr kumimoji="1" lang="en-US" altLang="ja-JP" dirty="0" smtClean="0"/>
+          </a:p>
+          <a:p>
+            <a:endParaRPr kumimoji="1" lang="ja-JP" altLang="en-US" dirty="0"/>
+          </a:p>
+        </p:txBody>
+      </p:sp>
+      <p:sp>
+        <p:nvSpPr>
+          <p:cNvPr id="4" name="スライド番号プレースホルダー 3"/>
+          <p:cNvSpPr>
+            <a:spLocks noGrp="1"/>
+          </p:cNvSpPr>
+          <p:nvPr>
+            <p:ph type="sldNum" sz="quarter" idx="10"/>
+          </p:nvPr>
+        </p:nvSpPr>
+        <p:spPr/>
+        <p:txBody>
+          <a:bodyPr/>
+          <a:lstStyle/>
+          <a:p>
+            <a:fld id="{D8D89B86-C13A-45E9-BBE0-965D1DC3C5CD}" type="slidenum">
+              <a:rPr lang="en-US" altLang="ja-JP" smtClean="0"/>
+              <a:pPr/>
+              <a:t>8</a:t>
+            </a:fld>
+            <a:endParaRPr lang="en-US" altLang="ja-JP"/>
+          </a:p>
+        </p:txBody>
+      </p:sp>
+    </p:spTree>
+    <p:extLst>
+      <p:ext uri="{BB962C8B-B14F-4D97-AF65-F5344CB8AC3E}">
+        <p14:creationId xmlns:p14="http://schemas.microsoft.com/office/powerpoint/2010/main" val="2925391821"/>
       </p:ext>
     </p:extLst>
   </p:cSld>
@@ -4707,7 +5601,7 @@
         <p:spPr>
           <a:xfrm>
             <a:off x="1466850" y="4941168"/>
-            <a:ext cx="6934200" cy="695325"/>
+            <a:ext cx="6934200" cy="1440160"/>
           </a:xfrm>
         </p:spPr>
         <p:txBody>
@@ -4715,156 +5609,27 @@
           <a:lstStyle/>
           <a:p>
             <a:r>
+              <a:rPr lang="en-US" altLang="ja-JP" sz="4000" dirty="0" smtClean="0"/>
+              <a:t>Rubycamp2016 summer</a:t>
+            </a:r>
+          </a:p>
+          <a:p>
+            <a:r>
               <a:rPr lang="ja-JP" altLang="en-US" sz="4000" dirty="0" smtClean="0"/>
-              <a:t>Ｔｅａｍうみぼうず</a:t>
+              <a:t>チーム名「Ｔｅａｍ</a:t>
+            </a:r>
+            <a:r>
+              <a:rPr lang="ja-JP" altLang="en-US" sz="4000" dirty="0" smtClean="0"/>
+              <a:t>うみぼう</a:t>
+            </a:r>
+            <a:r>
+              <a:rPr lang="ja-JP" altLang="en-US" sz="4000" dirty="0" smtClean="0"/>
+              <a:t>ず」</a:t>
             </a:r>
             <a:endParaRPr lang="ja-JP" altLang="ja-JP" sz="4000" dirty="0"/>
           </a:p>
         </p:txBody>
       </p:sp>
-      <p:grpSp>
-        <p:nvGrpSpPr>
-          <p:cNvPr id="3" name="グループ化 2"/>
-          <p:cNvGrpSpPr/>
-          <p:nvPr/>
-        </p:nvGrpSpPr>
-        <p:grpSpPr>
-          <a:xfrm>
-            <a:off x="1483965" y="1700808"/>
-            <a:ext cx="7128792" cy="6845698"/>
-            <a:chOff x="1483965" y="1700808"/>
-            <a:chExt cx="7128792" cy="6845698"/>
-          </a:xfrm>
-        </p:grpSpPr>
-        <p:sp>
-          <p:nvSpPr>
-            <p:cNvPr id="4" name="フローチャート: 論理積ゲート 3"/>
-            <p:cNvSpPr/>
-            <p:nvPr/>
-          </p:nvSpPr>
-          <p:spPr>
-            <a:xfrm rot="16200000">
-              <a:off x="1625512" y="1559261"/>
-              <a:ext cx="6845698" cy="7128792"/>
-            </a:xfrm>
-            <a:prstGeom prst="flowChartDelay">
-              <a:avLst/>
-            </a:prstGeom>
-          </p:spPr>
-          <p:style>
-            <a:lnRef idx="2">
-              <a:schemeClr val="accent4">
-                <a:shade val="50000"/>
-              </a:schemeClr>
-            </a:lnRef>
-            <a:fillRef idx="1">
-              <a:schemeClr val="accent4"/>
-            </a:fillRef>
-            <a:effectRef idx="0">
-              <a:schemeClr val="accent4"/>
-            </a:effectRef>
-            <a:fontRef idx="minor">
-              <a:schemeClr val="lt1"/>
-            </a:fontRef>
-          </p:style>
-          <p:txBody>
-            <a:bodyPr rtlCol="0" anchor="ctr"/>
-            <a:lstStyle/>
-            <a:p>
-              <a:pPr algn="ctr"/>
-              <a:endParaRPr kumimoji="1" lang="ja-JP" altLang="en-US"/>
-            </a:p>
-          </p:txBody>
-        </p:sp>
-        <p:sp>
-          <p:nvSpPr>
-            <p:cNvPr id="2" name="ドーナツ 1"/>
-            <p:cNvSpPr/>
-            <p:nvPr/>
-          </p:nvSpPr>
-          <p:spPr>
-            <a:xfrm>
-              <a:off x="3224808" y="3969060"/>
-              <a:ext cx="792088" cy="792088"/>
-            </a:xfrm>
-            <a:prstGeom prst="donut">
-              <a:avLst/>
-            </a:prstGeom>
-          </p:spPr>
-          <p:style>
-            <a:lnRef idx="2">
-              <a:schemeClr val="accent3">
-                <a:shade val="50000"/>
-              </a:schemeClr>
-            </a:lnRef>
-            <a:fillRef idx="1">
-              <a:schemeClr val="accent3"/>
-            </a:fillRef>
-            <a:effectRef idx="0">
-              <a:schemeClr val="accent3"/>
-            </a:effectRef>
-            <a:fontRef idx="minor">
-              <a:schemeClr val="lt1"/>
-            </a:fontRef>
-          </p:style>
-          <p:txBody>
-            <a:bodyPr rtlCol="0" anchor="ctr"/>
-            <a:lstStyle/>
-            <a:p>
-              <a:pPr algn="ctr"/>
-              <a:endParaRPr kumimoji="1" lang="ja-JP" altLang="en-US">
-                <a:solidFill>
-                  <a:schemeClr val="tx1"/>
-                </a:solidFill>
-              </a:endParaRPr>
-            </a:p>
-          </p:txBody>
-        </p:sp>
-        <p:sp>
-          <p:nvSpPr>
-            <p:cNvPr id="6" name="ドーナツ 5"/>
-            <p:cNvSpPr/>
-            <p:nvPr/>
-          </p:nvSpPr>
-          <p:spPr>
-            <a:xfrm>
-              <a:off x="5918782" y="3969060"/>
-              <a:ext cx="792088" cy="792088"/>
-            </a:xfrm>
-            <a:prstGeom prst="donut">
-              <a:avLst/>
-            </a:prstGeom>
-          </p:spPr>
-          <p:style>
-            <a:lnRef idx="2">
-              <a:schemeClr val="accent3">
-                <a:shade val="50000"/>
-              </a:schemeClr>
-            </a:lnRef>
-            <a:fillRef idx="1">
-              <a:schemeClr val="accent3"/>
-            </a:fillRef>
-            <a:effectRef idx="0">
-              <a:schemeClr val="accent3"/>
-            </a:effectRef>
-            <a:fontRef idx="minor">
-              <a:schemeClr val="lt1"/>
-            </a:fontRef>
-          </p:style>
-          <p:txBody>
-            <a:bodyPr rtlCol="0" anchor="ctr"/>
-            <a:lstStyle/>
-            <a:p>
-              <a:pPr algn="ctr"/>
-              <a:endParaRPr kumimoji="1" lang="ja-JP" altLang="en-US">
-                <a:solidFill>
-                  <a:schemeClr val="tx1"/>
-                </a:solidFill>
-              </a:endParaRPr>
-            </a:p>
-          </p:txBody>
-        </p:sp>
-      </p:grpSp>
     </p:spTree>
   </p:cSld>
   <p:clrMapOvr>
@@ -4873,129 +5638,326 @@
   <p:timing>
     <p:tnLst>
       <p:par>
-        <p:cTn id="1" dur="indefinite" restart="never" nodeType="tmRoot">
-          <p:childTnLst>
-            <p:seq concurrent="1" nextAc="seek">
-              <p:cTn id="2" dur="indefinite" nodeType="mainSeq">
-                <p:childTnLst>
-                  <p:par>
-                    <p:cTn id="3" fill="hold">
-                      <p:stCondLst>
-                        <p:cond delay="indefinite"/>
-                      </p:stCondLst>
-                      <p:childTnLst>
-                        <p:par>
-                          <p:cTn id="4" fill="hold">
-                            <p:stCondLst>
-                              <p:cond delay="0"/>
-                            </p:stCondLst>
-                            <p:childTnLst>
-                              <p:par>
-                                <p:cTn id="5" presetID="42" presetClass="entr" presetSubtype="0" fill="hold" nodeType="clickEffect">
-                                  <p:stCondLst>
-                                    <p:cond delay="0"/>
-                                  </p:stCondLst>
-                                  <p:childTnLst>
-                                    <p:set>
-                                      <p:cBhvr>
-                                        <p:cTn id="6" dur="1" fill="hold">
-                                          <p:stCondLst>
-                                            <p:cond delay="0"/>
-                                          </p:stCondLst>
-                                        </p:cTn>
-                                        <p:tgtEl>
-                                          <p:spTgt spid="3"/>
-                                        </p:tgtEl>
-                                        <p:attrNameLst>
-                                          <p:attrName>style.visibility</p:attrName>
-                                        </p:attrNameLst>
-                                      </p:cBhvr>
-                                      <p:to>
-                                        <p:strVal val="visible"/>
-                                      </p:to>
-                                    </p:set>
-                                    <p:animEffect transition="in" filter="fade">
-                                      <p:cBhvr>
-                                        <p:cTn id="7" dur="1000"/>
-                                        <p:tgtEl>
-                                          <p:spTgt spid="3"/>
-                                        </p:tgtEl>
-                                      </p:cBhvr>
-                                    </p:animEffect>
-                                    <p:anim calcmode="lin" valueType="num">
-                                      <p:cBhvr>
-                                        <p:cTn id="8" dur="1000" fill="hold"/>
-                                        <p:tgtEl>
-                                          <p:spTgt spid="3"/>
-                                        </p:tgtEl>
-                                        <p:attrNameLst>
-                                          <p:attrName>ppt_x</p:attrName>
-                                        </p:attrNameLst>
-                                      </p:cBhvr>
-                                      <p:tavLst>
-                                        <p:tav tm="0">
-                                          <p:val>
-                                            <p:strVal val="#ppt_x"/>
-                                          </p:val>
-                                        </p:tav>
-                                        <p:tav tm="100000">
-                                          <p:val>
-                                            <p:strVal val="#ppt_x"/>
-                                          </p:val>
-                                        </p:tav>
-                                      </p:tavLst>
-                                    </p:anim>
-                                    <p:anim calcmode="lin" valueType="num">
-                                      <p:cBhvr>
-                                        <p:cTn id="9" dur="1000" fill="hold"/>
-                                        <p:tgtEl>
-                                          <p:spTgt spid="3"/>
-                                        </p:tgtEl>
-                                        <p:attrNameLst>
-                                          <p:attrName>ppt_y</p:attrName>
-                                        </p:attrNameLst>
-                                      </p:cBhvr>
-                                      <p:tavLst>
-                                        <p:tav tm="0">
-                                          <p:val>
-                                            <p:strVal val="#ppt_y+.1"/>
-                                          </p:val>
-                                        </p:tav>
-                                        <p:tav tm="100000">
-                                          <p:val>
-                                            <p:strVal val="#ppt_y"/>
-                                          </p:val>
-                                        </p:tav>
-                                      </p:tavLst>
-                                    </p:anim>
-                                  </p:childTnLst>
-                                </p:cTn>
-                              </p:par>
-                            </p:childTnLst>
-                          </p:cTn>
-                        </p:par>
-                      </p:childTnLst>
-                    </p:cTn>
-                  </p:par>
-                </p:childTnLst>
-              </p:cTn>
-              <p:prevCondLst>
-                <p:cond evt="onPrev" delay="0">
-                  <p:tgtEl>
-                    <p:sldTgt/>
-                  </p:tgtEl>
-                </p:cond>
-              </p:prevCondLst>
-              <p:nextCondLst>
-                <p:cond evt="onNext" delay="0">
-                  <p:tgtEl>
-                    <p:sldTgt/>
-                  </p:tgtEl>
-                </p:cond>
-              </p:nextCondLst>
-            </p:seq>
-          </p:childTnLst>
-        </p:cTn>
+        <p:cTn id="1" dur="indefinite" restart="never" nodeType="tmRoot"/>
+      </p:par>
+    </p:tnLst>
+  </p:timing>
+</p:sld>
+</file>
+
+<file path=ppt/slides/slide10.xml><?xml version="1.0" encoding="utf-8"?>
+<p:sld xmlns:a="http://schemas.openxmlformats.org/drawingml/2006/main" xmlns:r="http://schemas.openxmlformats.org/officeDocument/2006/relationships" xmlns:p="http://schemas.openxmlformats.org/presentationml/2006/main">
+  <p:cSld>
+    <p:spTree>
+      <p:nvGrpSpPr>
+        <p:cNvPr id="1" name=""/>
+        <p:cNvGrpSpPr/>
+        <p:nvPr/>
+      </p:nvGrpSpPr>
+      <p:grpSpPr>
+        <a:xfrm>
+          <a:off x="0" y="0"/>
+          <a:ext cx="0" cy="0"/>
+          <a:chOff x="0" y="0"/>
+          <a:chExt cx="0" cy="0"/>
+        </a:xfrm>
+      </p:grpSpPr>
+      <p:sp>
+        <p:nvSpPr>
+          <p:cNvPr id="2" name="タイトル 1"/>
+          <p:cNvSpPr>
+            <a:spLocks noGrp="1"/>
+          </p:cNvSpPr>
+          <p:nvPr>
+            <p:ph type="title"/>
+          </p:nvPr>
+        </p:nvSpPr>
+        <p:spPr/>
+        <p:txBody>
+          <a:bodyPr/>
+          <a:lstStyle/>
+          <a:p>
+            <a:r>
+              <a:rPr kumimoji="1" lang="ja-JP" altLang="en-US" dirty="0" smtClean="0"/>
+              <a:t>たから</a:t>
+            </a:r>
+            <a:endParaRPr kumimoji="1" lang="ja-JP" altLang="en-US" dirty="0"/>
+          </a:p>
+        </p:txBody>
+      </p:sp>
+      <p:sp>
+        <p:nvSpPr>
+          <p:cNvPr id="4" name="スライド番号プレースホルダー 3"/>
+          <p:cNvSpPr>
+            <a:spLocks noGrp="1"/>
+          </p:cNvSpPr>
+          <p:nvPr>
+            <p:ph type="sldNum" sz="quarter" idx="12"/>
+          </p:nvPr>
+        </p:nvSpPr>
+        <p:spPr/>
+        <p:txBody>
+          <a:bodyPr/>
+          <a:lstStyle/>
+          <a:p>
+            <a:fld id="{FA01AF0C-45ED-4F62-92C7-A07C97864F1B}" type="slidenum">
+              <a:rPr lang="en-US" altLang="ja-JP" smtClean="0"/>
+              <a:pPr/>
+              <a:t>9</a:t>
+            </a:fld>
+            <a:endParaRPr lang="en-US" altLang="ja-JP"/>
+          </a:p>
+        </p:txBody>
+      </p:sp>
+      <p:sp>
+        <p:nvSpPr>
+          <p:cNvPr id="6" name="コンテンツ プレースホルダー 5"/>
+          <p:cNvSpPr>
+            <a:spLocks noGrp="1"/>
+          </p:cNvSpPr>
+          <p:nvPr>
+            <p:ph idx="1"/>
+          </p:nvPr>
+        </p:nvSpPr>
+        <p:spPr/>
+        <p:txBody>
+          <a:bodyPr/>
+          <a:lstStyle/>
+          <a:p>
+            <a:r>
+              <a:rPr kumimoji="1" lang="ja-JP" altLang="en-US" sz="4000" dirty="0" smtClean="0"/>
+              <a:t>これを集めるとスコアアップする</a:t>
+            </a:r>
+            <a:endParaRPr kumimoji="1" lang="en-US" altLang="ja-JP" sz="4000" dirty="0" smtClean="0"/>
+          </a:p>
+          <a:p>
+            <a:r>
+              <a:rPr kumimoji="1" lang="ja-JP" altLang="en-US" sz="4000" dirty="0" smtClean="0"/>
+              <a:t>宝をとる</a:t>
+            </a:r>
+            <a:r>
+              <a:rPr kumimoji="1" lang="ja-JP" altLang="en-US" sz="4000" dirty="0" smtClean="0"/>
+              <a:t>としじみが</a:t>
+            </a:r>
+            <a:r>
+              <a:rPr kumimoji="1" lang="ja-JP" altLang="en-US" sz="4000" dirty="0" smtClean="0"/>
+              <a:t>出現する</a:t>
+            </a:r>
+            <a:endParaRPr kumimoji="1" lang="ja-JP" altLang="en-US" sz="4000" dirty="0"/>
+          </a:p>
+        </p:txBody>
+      </p:sp>
+      <p:pic>
+        <p:nvPicPr>
+          <p:cNvPr id="7" name="コンテンツ プレースホルダー 4"/>
+          <p:cNvPicPr>
+            <a:picLocks noChangeAspect="1"/>
+          </p:cNvPicPr>
+          <p:nvPr/>
+        </p:nvPicPr>
+        <p:blipFill>
+          <a:blip r:embed="rId3">
+            <a:extLst>
+              <a:ext uri="{28A0092B-C50C-407E-A947-70E740481C1C}">
+                <a14:useLocalDpi xmlns:a14="http://schemas.microsoft.com/office/drawing/2010/main" val="0"/>
+              </a:ext>
+            </a:extLst>
+          </a:blip>
+          <a:stretch>
+            <a:fillRect/>
+          </a:stretch>
+        </p:blipFill>
+        <p:spPr bwMode="auto">
+          <a:xfrm>
+            <a:off x="6753200" y="3490888"/>
+            <a:ext cx="2663850" cy="2663850"/>
+          </a:xfrm>
+          <a:prstGeom prst="rect">
+            <a:avLst/>
+          </a:prstGeom>
+          <a:noFill/>
+          <a:ln w="9525">
+            <a:solidFill>
+              <a:schemeClr val="tx1"/>
+            </a:solidFill>
+            <a:miter lim="800000"/>
+            <a:headEnd/>
+            <a:tailEnd/>
+          </a:ln>
+          <a:effectLst/>
+          <a:extLst>
+            <a:ext uri="{909E8E84-426E-40DD-AFC4-6F175D3DCCD1}">
+              <a14:hiddenFill xmlns:a14="http://schemas.microsoft.com/office/drawing/2010/main">
+                <a:solidFill>
+                  <a:schemeClr val="accent1"/>
+                </a:solidFill>
+              </a14:hiddenFill>
+            </a:ext>
+            <a:ext uri="{AF507438-7753-43E0-B8FC-AC1667EBCBE1}">
+              <a14:hiddenEffects xmlns:a14="http://schemas.microsoft.com/office/drawing/2010/main">
+                <a:effectLst>
+                  <a:outerShdw dist="35921" dir="2700000" algn="ctr" rotWithShape="0">
+                    <a:schemeClr val="bg2"/>
+                  </a:outerShdw>
+                </a:effectLst>
+              </a14:hiddenEffects>
+            </a:ext>
+          </a:extLst>
+        </p:spPr>
+      </p:pic>
+    </p:spTree>
+    <p:extLst>
+      <p:ext uri="{BB962C8B-B14F-4D97-AF65-F5344CB8AC3E}">
+        <p14:creationId xmlns:p14="http://schemas.microsoft.com/office/powerpoint/2010/main" val="858598099"/>
+      </p:ext>
+    </p:extLst>
+  </p:cSld>
+  <p:clrMapOvr>
+    <a:masterClrMapping/>
+  </p:clrMapOvr>
+  <p:timing>
+    <p:tnLst>
+      <p:par>
+        <p:cTn id="1" dur="indefinite" restart="never" nodeType="tmRoot"/>
+      </p:par>
+    </p:tnLst>
+  </p:timing>
+</p:sld>
+</file>
+
+<file path=ppt/slides/slide11.xml><?xml version="1.0" encoding="utf-8"?>
+<p:sld xmlns:a="http://schemas.openxmlformats.org/drawingml/2006/main" xmlns:r="http://schemas.openxmlformats.org/officeDocument/2006/relationships" xmlns:p="http://schemas.openxmlformats.org/presentationml/2006/main">
+  <p:cSld>
+    <p:spTree>
+      <p:nvGrpSpPr>
+        <p:cNvPr id="1" name=""/>
+        <p:cNvGrpSpPr/>
+        <p:nvPr/>
+      </p:nvGrpSpPr>
+      <p:grpSpPr>
+        <a:xfrm>
+          <a:off x="0" y="0"/>
+          <a:ext cx="0" cy="0"/>
+          <a:chOff x="0" y="0"/>
+          <a:chExt cx="0" cy="0"/>
+        </a:xfrm>
+      </p:grpSpPr>
+      <p:sp>
+        <p:nvSpPr>
+          <p:cNvPr id="2" name="タイトル 1"/>
+          <p:cNvSpPr>
+            <a:spLocks noGrp="1"/>
+          </p:cNvSpPr>
+          <p:nvPr>
+            <p:ph type="title"/>
+          </p:nvPr>
+        </p:nvSpPr>
+        <p:spPr/>
+        <p:txBody>
+          <a:bodyPr/>
+          <a:lstStyle/>
+          <a:p>
+            <a:r>
+              <a:rPr kumimoji="1" lang="ja-JP" altLang="en-US" dirty="0" smtClean="0"/>
+              <a:t>高得点をとるためのポイント</a:t>
+            </a:r>
+            <a:endParaRPr kumimoji="1" lang="ja-JP" altLang="en-US" dirty="0"/>
+          </a:p>
+        </p:txBody>
+      </p:sp>
+      <p:sp>
+        <p:nvSpPr>
+          <p:cNvPr id="3" name="コンテンツ プレースホルダー 2"/>
+          <p:cNvSpPr>
+            <a:spLocks noGrp="1"/>
+          </p:cNvSpPr>
+          <p:nvPr>
+            <p:ph idx="1"/>
+          </p:nvPr>
+        </p:nvSpPr>
+        <p:spPr/>
+        <p:txBody>
+          <a:bodyPr/>
+          <a:lstStyle/>
+          <a:p>
+            <a:r>
+              <a:rPr kumimoji="1" lang="ja-JP" altLang="en-US" dirty="0" smtClean="0"/>
+              <a:t>ゴールすると残り時間がスコアに換算される</a:t>
+            </a:r>
+            <a:endParaRPr kumimoji="1" lang="en-US" altLang="ja-JP" dirty="0" smtClean="0"/>
+          </a:p>
+          <a:p>
+            <a:endParaRPr lang="en-US" altLang="ja-JP" dirty="0"/>
+          </a:p>
+          <a:p>
+            <a:r>
+              <a:rPr kumimoji="1" lang="ja-JP" altLang="en-US" dirty="0" smtClean="0"/>
+              <a:t>えさを使ってすずきの注意を引く</a:t>
+            </a:r>
+            <a:endParaRPr kumimoji="1" lang="en-US" altLang="ja-JP" dirty="0" smtClean="0"/>
+          </a:p>
+          <a:p>
+            <a:endParaRPr lang="en-US" altLang="ja-JP" dirty="0"/>
+          </a:p>
+          <a:p>
+            <a:r>
+              <a:rPr kumimoji="1" lang="ja-JP" altLang="en-US" dirty="0" smtClean="0"/>
+              <a:t>深い場所にある宝は高得点なので狙って行きましょう</a:t>
+            </a:r>
+            <a:endParaRPr kumimoji="1" lang="en-US" altLang="ja-JP" dirty="0" smtClean="0"/>
+          </a:p>
+          <a:p>
+            <a:endParaRPr lang="en-US" altLang="ja-JP" dirty="0"/>
+          </a:p>
+          <a:p>
+            <a:endParaRPr lang="en-US" altLang="ja-JP" dirty="0" smtClean="0"/>
+          </a:p>
+          <a:p>
+            <a:pPr marL="0" indent="0">
+              <a:buNone/>
+            </a:pPr>
+            <a:endParaRPr kumimoji="1" lang="en-US" altLang="ja-JP" dirty="0"/>
+          </a:p>
+        </p:txBody>
+      </p:sp>
+      <p:sp>
+        <p:nvSpPr>
+          <p:cNvPr id="4" name="スライド番号プレースホルダー 3"/>
+          <p:cNvSpPr>
+            <a:spLocks noGrp="1"/>
+          </p:cNvSpPr>
+          <p:nvPr>
+            <p:ph type="sldNum" sz="quarter" idx="12"/>
+          </p:nvPr>
+        </p:nvSpPr>
+        <p:spPr/>
+        <p:txBody>
+          <a:bodyPr/>
+          <a:lstStyle/>
+          <a:p>
+            <a:fld id="{FA01AF0C-45ED-4F62-92C7-A07C97864F1B}" type="slidenum">
+              <a:rPr lang="en-US" altLang="ja-JP" smtClean="0"/>
+              <a:pPr/>
+              <a:t>10</a:t>
+            </a:fld>
+            <a:endParaRPr lang="en-US" altLang="ja-JP"/>
+          </a:p>
+        </p:txBody>
+      </p:sp>
+    </p:spTree>
+    <p:extLst>
+      <p:ext uri="{BB962C8B-B14F-4D97-AF65-F5344CB8AC3E}">
+        <p14:creationId xmlns:p14="http://schemas.microsoft.com/office/powerpoint/2010/main" val="472097878"/>
+      </p:ext>
+    </p:extLst>
+  </p:cSld>
+  <p:clrMapOvr>
+    <a:masterClrMapping/>
+  </p:clrMapOvr>
+  <p:timing>
+    <p:tnLst>
+      <p:par>
+        <p:cTn id="1" dur="indefinite" restart="never" nodeType="tmRoot"/>
       </p:par>
     </p:tnLst>
   </p:timing>
@@ -5021,7 +5983,59 @@
       </p:grpSpPr>
       <p:sp>
         <p:nvSpPr>
-          <p:cNvPr id="5" name="スライド番号プレースホルダー 5"/>
+          <p:cNvPr id="2" name="タイトル 1"/>
+          <p:cNvSpPr>
+            <a:spLocks noGrp="1"/>
+          </p:cNvSpPr>
+          <p:nvPr>
+            <p:ph type="title"/>
+          </p:nvPr>
+        </p:nvSpPr>
+        <p:spPr/>
+        <p:txBody>
+          <a:bodyPr/>
+          <a:lstStyle/>
+          <a:p>
+            <a:r>
+              <a:rPr kumimoji="1" lang="ja-JP" altLang="en-US" dirty="0" smtClean="0"/>
+              <a:t>設定</a:t>
+            </a:r>
+            <a:endParaRPr kumimoji="1" lang="ja-JP" altLang="en-US" dirty="0"/>
+          </a:p>
+        </p:txBody>
+      </p:sp>
+      <p:sp>
+        <p:nvSpPr>
+          <p:cNvPr id="3" name="コンテンツ プレースホルダー 2"/>
+          <p:cNvSpPr>
+            <a:spLocks noGrp="1"/>
+          </p:cNvSpPr>
+          <p:nvPr>
+            <p:ph idx="1"/>
+          </p:nvPr>
+        </p:nvSpPr>
+        <p:spPr/>
+        <p:txBody>
+          <a:bodyPr/>
+          <a:lstStyle/>
+          <a:p>
+            <a:r>
+              <a:rPr kumimoji="1" lang="ja-JP" altLang="en-US" dirty="0" smtClean="0"/>
+              <a:t>舞台：宍道湖</a:t>
+            </a:r>
+            <a:endParaRPr kumimoji="1" lang="en-US" altLang="ja-JP" dirty="0" smtClean="0"/>
+          </a:p>
+          <a:p>
+            <a:endParaRPr lang="en-US" altLang="ja-JP" dirty="0"/>
+          </a:p>
+          <a:p>
+            <a:endParaRPr kumimoji="1" lang="en-US" altLang="ja-JP" dirty="0" smtClean="0"/>
+          </a:p>
+        </p:txBody>
+      </p:sp>
+      <p:sp>
+        <p:nvSpPr>
+          <p:cNvPr id="4" name="スライド番号プレースホルダー 3"/>
           <p:cNvSpPr>
             <a:spLocks noGrp="1"/>
           </p:cNvSpPr>
@@ -5034,8 +6048,8 @@
           <a:bodyPr/>
           <a:lstStyle/>
           <a:p>
-            <a:fld id="{4D867FF8-8EEC-439A-882E-1EFD99059148}" type="slidenum">
-              <a:rPr lang="en-US" altLang="ja-JP"/>
+            <a:fld id="{FA01AF0C-45ED-4F62-92C7-A07C97864F1B}" type="slidenum">
+              <a:rPr lang="en-US" altLang="ja-JP" smtClean="0"/>
               <a:pPr/>
               <a:t>1</a:t>
             </a:fld>
@@ -5043,77 +6057,12 @@
           </a:p>
         </p:txBody>
       </p:sp>
-      <p:sp>
-        <p:nvSpPr>
-          <p:cNvPr id="4098" name="Rectangle 2"/>
-          <p:cNvSpPr>
-            <a:spLocks noGrp="1" noChangeArrowheads="1"/>
-          </p:cNvSpPr>
-          <p:nvPr>
-            <p:ph type="title"/>
-          </p:nvPr>
-        </p:nvSpPr>
-        <p:spPr/>
-        <p:txBody>
-          <a:bodyPr/>
-          <a:lstStyle/>
-          <a:p>
-            <a:r>
-              <a:rPr lang="ja-JP" altLang="en-US" sz="4400" dirty="0" smtClean="0"/>
-              <a:t>ゲームの説明</a:t>
-            </a:r>
-            <a:endParaRPr lang="ja-JP" altLang="ja-JP" sz="4400" dirty="0"/>
-          </a:p>
-        </p:txBody>
-      </p:sp>
-      <p:sp>
-        <p:nvSpPr>
-          <p:cNvPr id="4099" name="Rectangle 3"/>
-          <p:cNvSpPr>
-            <a:spLocks noGrp="1" noChangeArrowheads="1"/>
-          </p:cNvSpPr>
-          <p:nvPr>
-            <p:ph type="body" idx="1"/>
-          </p:nvPr>
-        </p:nvSpPr>
-        <p:spPr/>
-        <p:txBody>
-          <a:bodyPr/>
-          <a:lstStyle/>
-          <a:p>
-            <a:r>
-              <a:rPr lang="ja-JP" altLang="en-US" sz="3600" dirty="0" smtClean="0"/>
-              <a:t>目的　：　宝を集めてゴールを</a:t>
-            </a:r>
-            <a:r>
-              <a:rPr lang="ja-JP" altLang="en-US" sz="3600" dirty="0" smtClean="0"/>
-              <a:t>目指す</a:t>
-            </a:r>
-            <a:endParaRPr lang="en-US" altLang="ja-JP" sz="3600" dirty="0" smtClean="0"/>
-          </a:p>
-          <a:p>
-            <a:endParaRPr lang="en-US" altLang="ja-JP" sz="3600" dirty="0"/>
-          </a:p>
-          <a:p>
-            <a:r>
-              <a:rPr lang="ja-JP" altLang="en-US" sz="3600" dirty="0" smtClean="0"/>
-              <a:t>サメにあたるか、ライフがなくなるとゲームオーバー</a:t>
-            </a:r>
-            <a:endParaRPr lang="en-US" altLang="ja-JP" sz="3600" dirty="0" smtClean="0"/>
-          </a:p>
-          <a:p>
-            <a:endParaRPr lang="en-US" altLang="ja-JP" sz="3600" dirty="0"/>
-          </a:p>
-          <a:p>
-            <a:r>
-              <a:rPr lang="ja-JP" altLang="en-US" sz="3600" dirty="0" smtClean="0"/>
-              <a:t>スコアを競う</a:t>
-            </a:r>
-            <a:endParaRPr lang="en-US" altLang="ja-JP" sz="3600" dirty="0" smtClean="0"/>
-          </a:p>
-        </p:txBody>
-      </p:sp>
     </p:spTree>
+    <p:extLst>
+      <p:ext uri="{BB962C8B-B14F-4D97-AF65-F5344CB8AC3E}">
+        <p14:creationId xmlns:p14="http://schemas.microsoft.com/office/powerpoint/2010/main" val="957432624"/>
+      </p:ext>
+    </p:extLst>
   </p:cSld>
   <p:clrMapOvr>
     <a:masterClrMapping/>
@@ -5147,12 +6096,12 @@
       </p:grpSpPr>
       <p:sp>
         <p:nvSpPr>
-          <p:cNvPr id="2" name="タイトル 1"/>
-          <p:cNvSpPr>
-            <a:spLocks noGrp="1"/>
-          </p:cNvSpPr>
-          <p:nvPr>
-            <p:ph type="title"/>
+          <p:cNvPr id="5" name="スライド番号プレースホルダー 5"/>
+          <p:cNvSpPr>
+            <a:spLocks noGrp="1"/>
+          </p:cNvSpPr>
+          <p:nvPr>
+            <p:ph type="sldNum" sz="quarter" idx="12"/>
           </p:nvPr>
         </p:nvSpPr>
         <p:spPr/>
@@ -5160,31 +6109,8 @@
           <a:bodyPr/>
           <a:lstStyle/>
           <a:p>
-            <a:r>
-              <a:rPr kumimoji="1" lang="ja-JP" altLang="en-US" dirty="0" smtClean="0"/>
-              <a:t>プレイヤー</a:t>
-            </a:r>
-            <a:endParaRPr kumimoji="1" lang="ja-JP" altLang="en-US" dirty="0"/>
-          </a:p>
-        </p:txBody>
-      </p:sp>
-      <p:sp>
-        <p:nvSpPr>
-          <p:cNvPr id="4" name="スライド番号プレースホルダー 3"/>
-          <p:cNvSpPr>
-            <a:spLocks noGrp="1"/>
-          </p:cNvSpPr>
-          <p:nvPr>
-            <p:ph type="sldNum" sz="quarter" idx="12"/>
-          </p:nvPr>
-        </p:nvSpPr>
-        <p:spPr/>
-        <p:txBody>
-          <a:bodyPr/>
-          <a:lstStyle/>
-          <a:p>
-            <a:fld id="{FA01AF0C-45ED-4F62-92C7-A07C97864F1B}" type="slidenum">
-              <a:rPr lang="en-US" altLang="ja-JP" smtClean="0"/>
+            <a:fld id="{4D867FF8-8EEC-439A-882E-1EFD99059148}" type="slidenum">
+              <a:rPr lang="en-US" altLang="ja-JP"/>
               <a:pPr/>
               <a:t>2</a:t>
             </a:fld>
@@ -5194,6 +6120,163 @@
       </p:sp>
       <p:sp>
         <p:nvSpPr>
+          <p:cNvPr id="4098" name="Rectangle 2"/>
+          <p:cNvSpPr>
+            <a:spLocks noGrp="1" noChangeArrowheads="1"/>
+          </p:cNvSpPr>
+          <p:nvPr>
+            <p:ph type="title"/>
+          </p:nvPr>
+        </p:nvSpPr>
+        <p:spPr/>
+        <p:txBody>
+          <a:bodyPr/>
+          <a:lstStyle/>
+          <a:p>
+            <a:r>
+              <a:rPr lang="ja-JP" altLang="en-US" sz="4400" dirty="0" smtClean="0"/>
+              <a:t>ゲームの説明</a:t>
+            </a:r>
+            <a:endParaRPr lang="ja-JP" altLang="ja-JP" sz="4400" dirty="0"/>
+          </a:p>
+        </p:txBody>
+      </p:sp>
+      <p:sp>
+        <p:nvSpPr>
+          <p:cNvPr id="4099" name="Rectangle 3"/>
+          <p:cNvSpPr>
+            <a:spLocks noGrp="1" noChangeArrowheads="1"/>
+          </p:cNvSpPr>
+          <p:nvPr>
+            <p:ph type="body" idx="1"/>
+          </p:nvPr>
+        </p:nvSpPr>
+        <p:spPr/>
+        <p:txBody>
+          <a:bodyPr/>
+          <a:lstStyle/>
+          <a:p>
+            <a:r>
+              <a:rPr lang="ja-JP" altLang="en-US" sz="3600" dirty="0" smtClean="0"/>
+              <a:t>目的　：　宝を</a:t>
+            </a:r>
+            <a:r>
+              <a:rPr lang="ja-JP" altLang="en-US" sz="3600" dirty="0" smtClean="0"/>
+              <a:t>集めて船に帰る</a:t>
+            </a:r>
+            <a:endParaRPr lang="en-US" altLang="ja-JP" sz="3600" dirty="0" smtClean="0"/>
+          </a:p>
+          <a:p>
+            <a:endParaRPr lang="en-US" altLang="ja-JP" sz="3600" dirty="0"/>
+          </a:p>
+          <a:p>
+            <a:r>
+              <a:rPr lang="ja-JP" altLang="en-US" sz="3600" dirty="0" smtClean="0"/>
+              <a:t>登場キャラ：宍道湖の生物たち</a:t>
+            </a:r>
+            <a:endParaRPr lang="en-US" altLang="ja-JP" sz="3600" dirty="0" smtClean="0"/>
+          </a:p>
+          <a:p>
+            <a:pPr marL="0" indent="0">
+              <a:buNone/>
+            </a:pPr>
+            <a:endParaRPr lang="en-US" altLang="ja-JP" sz="3600" dirty="0"/>
+          </a:p>
+          <a:p>
+            <a:endParaRPr lang="en-US" altLang="ja-JP" sz="3600" dirty="0" smtClean="0"/>
+          </a:p>
+          <a:p>
+            <a:endParaRPr lang="en-US" altLang="ja-JP" sz="3600" dirty="0" smtClean="0"/>
+          </a:p>
+          <a:p>
+            <a:endParaRPr lang="en-US" altLang="ja-JP" sz="3600" dirty="0"/>
+          </a:p>
+          <a:p>
+            <a:endParaRPr lang="en-US" altLang="ja-JP" sz="3600" dirty="0" smtClean="0"/>
+          </a:p>
+        </p:txBody>
+      </p:sp>
+    </p:spTree>
+  </p:cSld>
+  <p:clrMapOvr>
+    <a:masterClrMapping/>
+  </p:clrMapOvr>
+  <p:timing>
+    <p:tnLst>
+      <p:par>
+        <p:cTn id="1" dur="indefinite" restart="never" nodeType="tmRoot"/>
+      </p:par>
+    </p:tnLst>
+  </p:timing>
+</p:sld>
+</file>
+
+<file path=ppt/slides/slide4.xml><?xml version="1.0" encoding="utf-8"?>
+<p:sld xmlns:a="http://schemas.openxmlformats.org/drawingml/2006/main" xmlns:r="http://schemas.openxmlformats.org/officeDocument/2006/relationships" xmlns:p="http://schemas.openxmlformats.org/presentationml/2006/main">
+  <p:cSld>
+    <p:spTree>
+      <p:nvGrpSpPr>
+        <p:cNvPr id="1" name=""/>
+        <p:cNvGrpSpPr/>
+        <p:nvPr/>
+      </p:nvGrpSpPr>
+      <p:grpSpPr>
+        <a:xfrm>
+          <a:off x="0" y="0"/>
+          <a:ext cx="0" cy="0"/>
+          <a:chOff x="0" y="0"/>
+          <a:chExt cx="0" cy="0"/>
+        </a:xfrm>
+      </p:grpSpPr>
+      <p:sp>
+        <p:nvSpPr>
+          <p:cNvPr id="2" name="タイトル 1"/>
+          <p:cNvSpPr>
+            <a:spLocks noGrp="1"/>
+          </p:cNvSpPr>
+          <p:nvPr>
+            <p:ph type="title"/>
+          </p:nvPr>
+        </p:nvSpPr>
+        <p:spPr/>
+        <p:txBody>
+          <a:bodyPr/>
+          <a:lstStyle/>
+          <a:p>
+            <a:r>
+              <a:rPr kumimoji="1" lang="ja-JP" altLang="en-US" dirty="0" smtClean="0"/>
+              <a:t>ラフカディオ・ハーン</a:t>
+            </a:r>
+            <a:endParaRPr kumimoji="1" lang="ja-JP" altLang="en-US" dirty="0"/>
+          </a:p>
+        </p:txBody>
+      </p:sp>
+      <p:sp>
+        <p:nvSpPr>
+          <p:cNvPr id="4" name="スライド番号プレースホルダー 3"/>
+          <p:cNvSpPr>
+            <a:spLocks noGrp="1"/>
+          </p:cNvSpPr>
+          <p:nvPr>
+            <p:ph type="sldNum" sz="quarter" idx="12"/>
+          </p:nvPr>
+        </p:nvSpPr>
+        <p:spPr/>
+        <p:txBody>
+          <a:bodyPr/>
+          <a:lstStyle/>
+          <a:p>
+            <a:fld id="{FA01AF0C-45ED-4F62-92C7-A07C97864F1B}" type="slidenum">
+              <a:rPr lang="en-US" altLang="ja-JP" smtClean="0"/>
+              <a:pPr/>
+              <a:t>3</a:t>
+            </a:fld>
+            <a:endParaRPr lang="en-US" altLang="ja-JP"/>
+          </a:p>
+        </p:txBody>
+      </p:sp>
+      <p:sp>
+        <p:nvSpPr>
           <p:cNvPr id="6" name="コンテンツ プレースホルダー 5"/>
           <p:cNvSpPr>
             <a:spLocks noGrp="1"/>
@@ -5208,17 +6291,61 @@
           <a:lstStyle/>
           <a:p>
             <a:r>
-              <a:rPr kumimoji="1" lang="ja-JP" altLang="en-US" dirty="0" smtClean="0"/>
+              <a:rPr kumimoji="1" lang="ja-JP" altLang="en-US" sz="4400" dirty="0" smtClean="0"/>
               <a:t>操作キャラ</a:t>
             </a:r>
-            <a:endParaRPr kumimoji="1" lang="en-US" altLang="ja-JP" dirty="0" smtClean="0"/>
-          </a:p>
-          <a:p>
-            <a:r>
-              <a:rPr kumimoji="1" lang="ja-JP" altLang="en-US" dirty="0" smtClean="0"/>
+            <a:endParaRPr kumimoji="1" lang="en-US" altLang="ja-JP" sz="4400" dirty="0" smtClean="0"/>
+          </a:p>
+          <a:p>
+            <a:r>
+              <a:rPr kumimoji="1" lang="ja-JP" altLang="en-US" sz="4400" dirty="0" smtClean="0"/>
               <a:t>上下左右斜めに動ける</a:t>
             </a:r>
-            <a:endParaRPr kumimoji="1" lang="ja-JP" altLang="en-US" dirty="0"/>
+            <a:endParaRPr kumimoji="1" lang="en-US" altLang="ja-JP" sz="4400" dirty="0" smtClean="0"/>
+          </a:p>
+          <a:p>
+            <a:r>
+              <a:rPr lang="en-US" altLang="ja-JP" sz="4400" dirty="0" err="1" smtClean="0"/>
+              <a:t>C_key</a:t>
+            </a:r>
+            <a:r>
+              <a:rPr lang="en-US" altLang="ja-JP" sz="4400" dirty="0" smtClean="0"/>
+              <a:t> : </a:t>
+            </a:r>
+            <a:r>
+              <a:rPr lang="ja-JP" altLang="en-US" sz="4400" dirty="0" smtClean="0"/>
+              <a:t>ダッシュ</a:t>
+            </a:r>
+            <a:endParaRPr lang="en-US" altLang="ja-JP" sz="4400" dirty="0" smtClean="0"/>
+          </a:p>
+          <a:p>
+            <a:r>
+              <a:rPr lang="en-US" altLang="ja-JP" sz="4400" dirty="0" err="1" smtClean="0"/>
+              <a:t>X_key</a:t>
+            </a:r>
+            <a:r>
+              <a:rPr lang="en-US" altLang="ja-JP" sz="4400" dirty="0" smtClean="0"/>
+              <a:t> : </a:t>
+            </a:r>
+            <a:r>
+              <a:rPr lang="ja-JP" altLang="en-US" sz="4400" dirty="0" smtClean="0"/>
+              <a:t>えさを</a:t>
+            </a:r>
+            <a:r>
+              <a:rPr lang="ja-JP" altLang="en-US" sz="4400" dirty="0" smtClean="0"/>
+              <a:t>巻く</a:t>
+            </a:r>
+            <a:endParaRPr lang="en-US" altLang="ja-JP" sz="4400" dirty="0" smtClean="0"/>
+          </a:p>
+          <a:p>
+            <a:r>
+              <a:rPr lang="ja-JP" altLang="en-US" sz="4400" dirty="0" smtClean="0"/>
+              <a:t>ライフ：時間経過で減る</a:t>
+            </a:r>
+            <a:endParaRPr lang="en-US" altLang="ja-JP" sz="4400" dirty="0" smtClean="0"/>
+          </a:p>
+          <a:p>
+            <a:endParaRPr kumimoji="1" lang="ja-JP" altLang="en-US" sz="4400" dirty="0"/>
           </a:p>
         </p:txBody>
       </p:sp>
@@ -5231,7 +6358,7 @@
           <p:nvPr/>
         </p:nvPicPr>
         <p:blipFill>
-          <a:blip r:embed="rId2">
+          <a:blip r:embed="rId3">
             <a:extLst>
               <a:ext uri="{28A0092B-C50C-407E-A947-70E740481C1C}">
                 <a14:useLocalDpi xmlns:a14="http://schemas.microsoft.com/office/drawing/2010/main" val="0"/>
@@ -5244,15 +6371,20 @@
         </p:blipFill>
         <p:spPr bwMode="auto">
           <a:xfrm>
-            <a:off x="4951958" y="3903263"/>
+            <a:off x="5237187" y="69590"/>
             <a:ext cx="4465092" cy="2232546"/>
           </a:xfrm>
           <a:prstGeom prst="rect">
             <a:avLst/>
           </a:prstGeom>
           <a:noFill/>
-          <a:ln>
-            <a:noFill/>
+          <a:ln w="9525">
+            <a:solidFill>
+              <a:schemeClr val="tx1"/>
+            </a:solidFill>
+            <a:miter lim="800000"/>
+            <a:headEnd/>
+            <a:tailEnd/>
           </a:ln>
           <a:effectLst/>
           <a:extLst>
@@ -5262,16 +6394,6 @@
                   <a:schemeClr val="accent1"/>
                 </a:solidFill>
               </a14:hiddenFill>
-            </a:ext>
-            <a:ext uri="{91240B29-F687-4F45-9708-019B960494DF}">
-              <a14:hiddenLine xmlns:a14="http://schemas.microsoft.com/office/drawing/2010/main" w="9525">
-                <a:solidFill>
-                  <a:schemeClr val="tx1"/>
-                </a:solidFill>
-                <a:miter lim="800000"/>
-                <a:headEnd/>
-                <a:tailEnd/>
-              </a14:hiddenLine>
             </a:ext>
             <a:ext uri="{AF507438-7753-43E0-B8FC-AC1667EBCBE1}">
               <a14:hiddenEffects xmlns:a14="http://schemas.microsoft.com/office/drawing/2010/main">
@@ -5305,7 +6427,7 @@
 </p:sld>
 </file>
 
-<file path=ppt/slides/slide4.xml><?xml version="1.0" encoding="utf-8"?>
+<file path=ppt/slides/slide5.xml><?xml version="1.0" encoding="utf-8"?>
 <p:sld xmlns:a="http://schemas.openxmlformats.org/drawingml/2006/main" xmlns:r="http://schemas.openxmlformats.org/officeDocument/2006/relationships" xmlns:p="http://schemas.openxmlformats.org/presentationml/2006/main">
   <p:cSld>
     <p:spTree>
@@ -5339,7 +6461,7 @@
           <a:p>
             <a:r>
               <a:rPr kumimoji="1" lang="ja-JP" altLang="en-US" dirty="0" smtClean="0"/>
-              <a:t>サメ</a:t>
+              <a:t>すずき</a:t>
             </a:r>
             <a:endParaRPr kumimoji="1" lang="ja-JP" altLang="en-US" dirty="0"/>
           </a:p>
@@ -5363,7 +6485,7 @@
             <a:fld id="{FA01AF0C-45ED-4F62-92C7-A07C97864F1B}" type="slidenum">
               <a:rPr lang="en-US" altLang="ja-JP" smtClean="0"/>
               <a:pPr/>
-              <a:t>3</a:t>
+              <a:t>4</a:t>
             </a:fld>
             <a:endParaRPr lang="en-US" altLang="ja-JP"/>
           </a:p>
@@ -5385,20 +6507,27 @@
           <a:lstStyle/>
           <a:p>
             <a:r>
-              <a:rPr kumimoji="1" lang="ja-JP" altLang="en-US" dirty="0" smtClean="0"/>
+              <a:rPr kumimoji="1" lang="ja-JP" altLang="en-US" sz="3600" dirty="0" smtClean="0"/>
               <a:t>プレイヤーが当たるとゲームオーバー</a:t>
             </a:r>
-            <a:endParaRPr kumimoji="1" lang="en-US" altLang="ja-JP" dirty="0" smtClean="0"/>
-          </a:p>
-          <a:p>
-            <a:r>
-              <a:rPr kumimoji="1" lang="ja-JP" altLang="en-US" dirty="0" smtClean="0"/>
+            <a:endParaRPr kumimoji="1" lang="en-US" altLang="ja-JP" sz="3600" dirty="0" smtClean="0"/>
+          </a:p>
+          <a:p>
+            <a:r>
+              <a:rPr kumimoji="1" lang="ja-JP" altLang="en-US" sz="3600" dirty="0" smtClean="0"/>
               <a:t>通常は左右に動くがサメの視界に入ると向かってくる</a:t>
             </a:r>
-            <a:endParaRPr kumimoji="1" lang="en-US" altLang="ja-JP" dirty="0" smtClean="0"/>
-          </a:p>
-          <a:p>
-            <a:endParaRPr kumimoji="1" lang="ja-JP" altLang="en-US" dirty="0"/>
+            <a:endParaRPr kumimoji="1" lang="en-US" altLang="ja-JP" sz="3600" dirty="0" smtClean="0"/>
+          </a:p>
+          <a:p>
+            <a:r>
+              <a:rPr kumimoji="1" lang="ja-JP" altLang="en-US" sz="3600" dirty="0" smtClean="0"/>
+              <a:t>移動速度はプレイヤーと同じ</a:t>
+            </a:r>
+            <a:endParaRPr kumimoji="1" lang="en-US" altLang="ja-JP" sz="3600" dirty="0" smtClean="0"/>
+          </a:p>
+          <a:p>
+            <a:endParaRPr kumimoji="1" lang="ja-JP" altLang="en-US" sz="3600" dirty="0"/>
           </a:p>
         </p:txBody>
       </p:sp>
@@ -5411,7 +6540,7 @@
           <p:nvPr/>
         </p:nvPicPr>
         <p:blipFill>
-          <a:blip r:embed="rId2">
+          <a:blip r:embed="rId3">
             <a:extLst>
               <a:ext uri="{28A0092B-C50C-407E-A947-70E740481C1C}">
                 <a14:useLocalDpi xmlns:a14="http://schemas.microsoft.com/office/drawing/2010/main" val="0"/>
@@ -5424,15 +6553,20 @@
         </p:blipFill>
         <p:spPr bwMode="auto">
           <a:xfrm>
-            <a:off x="1023386" y="4342156"/>
+            <a:off x="1062090" y="4354538"/>
             <a:ext cx="3600400" cy="1800200"/>
           </a:xfrm>
           <a:prstGeom prst="rect">
             <a:avLst/>
           </a:prstGeom>
           <a:noFill/>
-          <a:ln>
-            <a:noFill/>
+          <a:ln w="9525">
+            <a:solidFill>
+              <a:schemeClr val="tx1"/>
+            </a:solidFill>
+            <a:miter lim="800000"/>
+            <a:headEnd/>
+            <a:tailEnd/>
           </a:ln>
           <a:effectLst/>
           <a:extLst>
@@ -5443,15 +6577,410 @@
                 </a:solidFill>
               </a14:hiddenFill>
             </a:ext>
-            <a:ext uri="{91240B29-F687-4F45-9708-019B960494DF}">
-              <a14:hiddenLine xmlns:a14="http://schemas.microsoft.com/office/drawing/2010/main" w="9525">
+            <a:ext uri="{AF507438-7753-43E0-B8FC-AC1667EBCBE1}">
+              <a14:hiddenEffects xmlns:a14="http://schemas.microsoft.com/office/drawing/2010/main">
+                <a:effectLst>
+                  <a:outerShdw dist="35921" dir="2700000" algn="ctr" rotWithShape="0">
+                    <a:schemeClr val="bg2"/>
+                  </a:outerShdw>
+                </a:effectLst>
+              </a14:hiddenEffects>
+            </a:ext>
+          </a:extLst>
+        </p:spPr>
+      </p:pic>
+      <p:sp>
+        <p:nvSpPr>
+          <p:cNvPr id="3" name="爆発 2 2"/>
+          <p:cNvSpPr/>
+          <p:nvPr/>
+        </p:nvSpPr>
+        <p:spPr>
+          <a:xfrm>
+            <a:off x="3671292" y="3902918"/>
+            <a:ext cx="6049119" cy="2947194"/>
+          </a:xfrm>
+          <a:prstGeom prst="irregularSeal2">
+            <a:avLst/>
+          </a:prstGeom>
+          <a:solidFill>
+            <a:schemeClr val="accent1">
+              <a:lumMod val="75000"/>
+            </a:schemeClr>
+          </a:solidFill>
+        </p:spPr>
+        <p:style>
+          <a:lnRef idx="2">
+            <a:schemeClr val="dk1">
+              <a:shade val="50000"/>
+            </a:schemeClr>
+          </a:lnRef>
+          <a:fillRef idx="1">
+            <a:schemeClr val="dk1"/>
+          </a:fillRef>
+          <a:effectRef idx="0">
+            <a:schemeClr val="dk1"/>
+          </a:effectRef>
+          <a:fontRef idx="minor">
+            <a:schemeClr val="lt1"/>
+          </a:fontRef>
+        </p:style>
+        <p:txBody>
+          <a:bodyPr rtlCol="0" anchor="ctr"/>
+          <a:lstStyle/>
+          <a:p>
+            <a:pPr algn="ctr"/>
+            <a:r>
+              <a:rPr kumimoji="1" lang="ja-JP" altLang="en-US" sz="2800" dirty="0" smtClean="0">
+                <a:ln>
+                  <a:solidFill>
+                    <a:sysClr val="windowText" lastClr="000000"/>
+                  </a:solidFill>
+                </a:ln>
                 <a:solidFill>
-                  <a:schemeClr val="tx1"/>
+                  <a:srgbClr val="FF0000"/>
                 </a:solidFill>
-                <a:miter lim="800000"/>
-                <a:headEnd/>
-                <a:tailEnd/>
-              </a14:hiddenLine>
+              </a:rPr>
+              <a:t>宍道湖の</a:t>
+            </a:r>
+            <a:endParaRPr kumimoji="1" lang="en-US" altLang="ja-JP" sz="2800" dirty="0" smtClean="0">
+              <a:ln>
+                <a:solidFill>
+                  <a:sysClr val="windowText" lastClr="000000"/>
+                </a:solidFill>
+              </a:ln>
+              <a:solidFill>
+                <a:srgbClr val="FF0000"/>
+              </a:solidFill>
+            </a:endParaRPr>
+          </a:p>
+          <a:p>
+            <a:pPr algn="ctr"/>
+            <a:r>
+              <a:rPr kumimoji="1" lang="ja-JP" altLang="en-US" sz="2800" dirty="0" smtClean="0">
+                <a:ln>
+                  <a:solidFill>
+                    <a:sysClr val="windowText" lastClr="000000"/>
+                  </a:solidFill>
+                </a:ln>
+                <a:solidFill>
+                  <a:srgbClr val="FF0000"/>
+                </a:solidFill>
+              </a:rPr>
+              <a:t>ガーディアン</a:t>
+            </a:r>
+            <a:endParaRPr kumimoji="1" lang="ja-JP" altLang="en-US" sz="2800" dirty="0">
+              <a:ln>
+                <a:solidFill>
+                  <a:sysClr val="windowText" lastClr="000000"/>
+                </a:solidFill>
+              </a:ln>
+              <a:solidFill>
+                <a:srgbClr val="FF0000"/>
+              </a:solidFill>
+            </a:endParaRPr>
+          </a:p>
+        </p:txBody>
+      </p:sp>
+    </p:spTree>
+    <p:extLst>
+      <p:ext uri="{BB962C8B-B14F-4D97-AF65-F5344CB8AC3E}">
+        <p14:creationId xmlns:p14="http://schemas.microsoft.com/office/powerpoint/2010/main" val="935069528"/>
+      </p:ext>
+    </p:extLst>
+  </p:cSld>
+  <p:clrMapOvr>
+    <a:masterClrMapping/>
+  </p:clrMapOvr>
+  <p:timing>
+    <p:tnLst>
+      <p:par>
+        <p:cTn id="1" dur="indefinite" restart="never" nodeType="tmRoot">
+          <p:childTnLst>
+            <p:seq concurrent="1" nextAc="seek">
+              <p:cTn id="2" dur="indefinite" nodeType="mainSeq">
+                <p:childTnLst>
+                  <p:par>
+                    <p:cTn id="3" fill="hold">
+                      <p:stCondLst>
+                        <p:cond delay="indefinite"/>
+                      </p:stCondLst>
+                      <p:childTnLst>
+                        <p:par>
+                          <p:cTn id="4" fill="hold">
+                            <p:stCondLst>
+                              <p:cond delay="0"/>
+                            </p:stCondLst>
+                            <p:childTnLst>
+                              <p:par>
+                                <p:cTn id="5" presetID="53" presetClass="entr" presetSubtype="16" fill="hold" grpId="0" nodeType="clickEffect">
+                                  <p:stCondLst>
+                                    <p:cond delay="0"/>
+                                  </p:stCondLst>
+                                  <p:childTnLst>
+                                    <p:set>
+                                      <p:cBhvr>
+                                        <p:cTn id="6" dur="1" fill="hold">
+                                          <p:stCondLst>
+                                            <p:cond delay="0"/>
+                                          </p:stCondLst>
+                                        </p:cTn>
+                                        <p:tgtEl>
+                                          <p:spTgt spid="3"/>
+                                        </p:tgtEl>
+                                        <p:attrNameLst>
+                                          <p:attrName>style.visibility</p:attrName>
+                                        </p:attrNameLst>
+                                      </p:cBhvr>
+                                      <p:to>
+                                        <p:strVal val="visible"/>
+                                      </p:to>
+                                    </p:set>
+                                    <p:anim calcmode="lin" valueType="num">
+                                      <p:cBhvr>
+                                        <p:cTn id="7" dur="500" fill="hold"/>
+                                        <p:tgtEl>
+                                          <p:spTgt spid="3"/>
+                                        </p:tgtEl>
+                                        <p:attrNameLst>
+                                          <p:attrName>ppt_w</p:attrName>
+                                        </p:attrNameLst>
+                                      </p:cBhvr>
+                                      <p:tavLst>
+                                        <p:tav tm="0">
+                                          <p:val>
+                                            <p:fltVal val="0"/>
+                                          </p:val>
+                                        </p:tav>
+                                        <p:tav tm="100000">
+                                          <p:val>
+                                            <p:strVal val="#ppt_w"/>
+                                          </p:val>
+                                        </p:tav>
+                                      </p:tavLst>
+                                    </p:anim>
+                                    <p:anim calcmode="lin" valueType="num">
+                                      <p:cBhvr>
+                                        <p:cTn id="8" dur="500" fill="hold"/>
+                                        <p:tgtEl>
+                                          <p:spTgt spid="3"/>
+                                        </p:tgtEl>
+                                        <p:attrNameLst>
+                                          <p:attrName>ppt_h</p:attrName>
+                                        </p:attrNameLst>
+                                      </p:cBhvr>
+                                      <p:tavLst>
+                                        <p:tav tm="0">
+                                          <p:val>
+                                            <p:fltVal val="0"/>
+                                          </p:val>
+                                        </p:tav>
+                                        <p:tav tm="100000">
+                                          <p:val>
+                                            <p:strVal val="#ppt_h"/>
+                                          </p:val>
+                                        </p:tav>
+                                      </p:tavLst>
+                                    </p:anim>
+                                    <p:animEffect transition="in" filter="fade">
+                                      <p:cBhvr>
+                                        <p:cTn id="9" dur="500"/>
+                                        <p:tgtEl>
+                                          <p:spTgt spid="3"/>
+                                        </p:tgtEl>
+                                      </p:cBhvr>
+                                    </p:animEffect>
+                                  </p:childTnLst>
+                                </p:cTn>
+                              </p:par>
+                            </p:childTnLst>
+                          </p:cTn>
+                        </p:par>
+                      </p:childTnLst>
+                    </p:cTn>
+                  </p:par>
+                </p:childTnLst>
+              </p:cTn>
+              <p:prevCondLst>
+                <p:cond evt="onPrev" delay="0">
+                  <p:tgtEl>
+                    <p:sldTgt/>
+                  </p:tgtEl>
+                </p:cond>
+              </p:prevCondLst>
+              <p:nextCondLst>
+                <p:cond evt="onNext" delay="0">
+                  <p:tgtEl>
+                    <p:sldTgt/>
+                  </p:tgtEl>
+                </p:cond>
+              </p:nextCondLst>
+            </p:seq>
+          </p:childTnLst>
+        </p:cTn>
+      </p:par>
+    </p:tnLst>
+    <p:bldLst>
+      <p:bldP spid="3" grpId="0" animBg="1"/>
+    </p:bldLst>
+  </p:timing>
+</p:sld>
+</file>
+
+<file path=ppt/slides/slide6.xml><?xml version="1.0" encoding="utf-8"?>
+<p:sld xmlns:a="http://schemas.openxmlformats.org/drawingml/2006/main" xmlns:r="http://schemas.openxmlformats.org/officeDocument/2006/relationships" xmlns:p="http://schemas.openxmlformats.org/presentationml/2006/main">
+  <p:cSld>
+    <p:spTree>
+      <p:nvGrpSpPr>
+        <p:cNvPr id="1" name=""/>
+        <p:cNvGrpSpPr/>
+        <p:nvPr/>
+      </p:nvGrpSpPr>
+      <p:grpSpPr>
+        <a:xfrm>
+          <a:off x="0" y="0"/>
+          <a:ext cx="0" cy="0"/>
+          <a:chOff x="0" y="0"/>
+          <a:chExt cx="0" cy="0"/>
+        </a:xfrm>
+      </p:grpSpPr>
+      <p:sp>
+        <p:nvSpPr>
+          <p:cNvPr id="2" name="タイトル 1"/>
+          <p:cNvSpPr>
+            <a:spLocks noGrp="1"/>
+          </p:cNvSpPr>
+          <p:nvPr>
+            <p:ph type="title"/>
+          </p:nvPr>
+        </p:nvSpPr>
+        <p:spPr/>
+        <p:txBody>
+          <a:bodyPr/>
+          <a:lstStyle/>
+          <a:p>
+            <a:r>
+              <a:rPr kumimoji="1" lang="ja-JP" altLang="en-US" dirty="0" smtClean="0"/>
+              <a:t>しじみ</a:t>
+            </a:r>
+            <a:endParaRPr kumimoji="1" lang="ja-JP" altLang="en-US" dirty="0"/>
+          </a:p>
+        </p:txBody>
+      </p:sp>
+      <p:sp>
+        <p:nvSpPr>
+          <p:cNvPr id="4" name="スライド番号プレースホルダー 3"/>
+          <p:cNvSpPr>
+            <a:spLocks noGrp="1"/>
+          </p:cNvSpPr>
+          <p:nvPr>
+            <p:ph type="sldNum" sz="quarter" idx="12"/>
+          </p:nvPr>
+        </p:nvSpPr>
+        <p:spPr/>
+        <p:txBody>
+          <a:bodyPr/>
+          <a:lstStyle/>
+          <a:p>
+            <a:fld id="{FA01AF0C-45ED-4F62-92C7-A07C97864F1B}" type="slidenum">
+              <a:rPr lang="en-US" altLang="ja-JP" smtClean="0"/>
+              <a:pPr/>
+              <a:t>5</a:t>
+            </a:fld>
+            <a:endParaRPr lang="en-US" altLang="ja-JP"/>
+          </a:p>
+        </p:txBody>
+      </p:sp>
+      <p:sp>
+        <p:nvSpPr>
+          <p:cNvPr id="6" name="コンテンツ プレースホルダー 5"/>
+          <p:cNvSpPr>
+            <a:spLocks noGrp="1"/>
+          </p:cNvSpPr>
+          <p:nvPr>
+            <p:ph idx="1"/>
+          </p:nvPr>
+        </p:nvSpPr>
+        <p:spPr/>
+        <p:txBody>
+          <a:bodyPr/>
+          <a:lstStyle/>
+          <a:p>
+            <a:r>
+              <a:rPr kumimoji="1" lang="ja-JP" altLang="en-US" sz="4000" dirty="0" smtClean="0"/>
+              <a:t>接触するとスコアが減少</a:t>
+            </a:r>
+            <a:r>
+              <a:rPr kumimoji="1" lang="ja-JP" altLang="en-US" sz="4000" dirty="0" smtClean="0"/>
+              <a:t>する</a:t>
+            </a:r>
+            <a:endParaRPr lang="en-US" altLang="ja-JP" sz="4000" dirty="0"/>
+          </a:p>
+          <a:p>
+            <a:r>
+              <a:rPr kumimoji="1" lang="ja-JP" altLang="en-US" sz="4000" dirty="0" smtClean="0"/>
+              <a:t>壁は通り抜ける</a:t>
+            </a:r>
+            <a:endParaRPr kumimoji="1" lang="en-US" altLang="ja-JP" sz="4000" dirty="0" smtClean="0"/>
+          </a:p>
+          <a:p>
+            <a:r>
+              <a:rPr kumimoji="1" lang="ja-JP" altLang="en-US" sz="4000" dirty="0" smtClean="0"/>
+              <a:t>時々ワープする（仕様です</a:t>
+            </a:r>
+            <a:r>
+              <a:rPr kumimoji="1" lang="en-US" altLang="ja-JP" sz="4000" dirty="0" smtClean="0"/>
+              <a:t>)</a:t>
+            </a:r>
+            <a:endParaRPr kumimoji="1" lang="ja-JP" altLang="en-US" sz="4000" dirty="0"/>
+          </a:p>
+        </p:txBody>
+      </p:sp>
+      <p:pic>
+        <p:nvPicPr>
+          <p:cNvPr id="7" name="コンテンツ プレースホルダー 4"/>
+          <p:cNvPicPr>
+            <a:picLocks noChangeAspect="1"/>
+          </p:cNvPicPr>
+          <p:nvPr/>
+        </p:nvPicPr>
+        <p:blipFill>
+          <a:blip r:embed="rId3">
+            <a:extLst>
+              <a:ext uri="{28A0092B-C50C-407E-A947-70E740481C1C}">
+                <a14:useLocalDpi xmlns:a14="http://schemas.microsoft.com/office/drawing/2010/main" val="0"/>
+              </a:ext>
+            </a:extLst>
+          </a:blip>
+          <a:stretch>
+            <a:fillRect/>
+          </a:stretch>
+        </p:blipFill>
+        <p:spPr bwMode="auto">
+          <a:xfrm>
+            <a:off x="6929972" y="3501008"/>
+            <a:ext cx="2518817" cy="2518817"/>
+          </a:xfrm>
+          <a:prstGeom prst="rect">
+            <a:avLst/>
+          </a:prstGeom>
+          <a:noFill/>
+          <a:ln w="9525">
+            <a:solidFill>
+              <a:schemeClr val="tx1"/>
+            </a:solidFill>
+            <a:miter lim="800000"/>
+            <a:headEnd/>
+            <a:tailEnd/>
+          </a:ln>
+          <a:effectLst/>
+          <a:extLst>
+            <a:ext uri="{909E8E84-426E-40DD-AFC4-6F175D3DCCD1}">
+              <a14:hiddenFill xmlns:a14="http://schemas.microsoft.com/office/drawing/2010/main">
+                <a:solidFill>
+                  <a:schemeClr val="accent1"/>
+                </a:solidFill>
+              </a14:hiddenFill>
             </a:ext>
             <a:ext uri="{AF507438-7753-43E0-B8FC-AC1667EBCBE1}">
               <a14:hiddenEffects xmlns:a14="http://schemas.microsoft.com/office/drawing/2010/main">
@@ -5468,13 +6997,501 @@
     </p:spTree>
     <p:extLst>
       <p:ext uri="{BB962C8B-B14F-4D97-AF65-F5344CB8AC3E}">
-        <p14:creationId xmlns:p14="http://schemas.microsoft.com/office/powerpoint/2010/main" val="935069528"/>
+        <p14:creationId xmlns:p14="http://schemas.microsoft.com/office/powerpoint/2010/main" val="4066333966"/>
       </p:ext>
     </p:extLst>
   </p:cSld>
   <p:clrMapOvr>
     <a:masterClrMapping/>
   </p:clrMapOvr>
+  <p:timing>
+    <p:tnLst>
+      <p:par>
+        <p:cTn id="1" dur="indefinite" restart="never" nodeType="tmRoot"/>
+      </p:par>
+    </p:tnLst>
+  </p:timing>
+</p:sld>
+</file>
+
+<file path=ppt/slides/slide7.xml><?xml version="1.0" encoding="utf-8"?>
+<p:sld xmlns:a="http://schemas.openxmlformats.org/drawingml/2006/main" xmlns:r="http://schemas.openxmlformats.org/officeDocument/2006/relationships" xmlns:p="http://schemas.openxmlformats.org/presentationml/2006/main">
+  <p:cSld>
+    <p:spTree>
+      <p:nvGrpSpPr>
+        <p:cNvPr id="1" name=""/>
+        <p:cNvGrpSpPr/>
+        <p:nvPr/>
+      </p:nvGrpSpPr>
+      <p:grpSpPr>
+        <a:xfrm>
+          <a:off x="0" y="0"/>
+          <a:ext cx="0" cy="0"/>
+          <a:chOff x="0" y="0"/>
+          <a:chExt cx="0" cy="0"/>
+        </a:xfrm>
+      </p:grpSpPr>
+      <p:sp>
+        <p:nvSpPr>
+          <p:cNvPr id="2" name="タイトル 1"/>
+          <p:cNvSpPr>
+            <a:spLocks noGrp="1"/>
+          </p:cNvSpPr>
+          <p:nvPr>
+            <p:ph type="title"/>
+          </p:nvPr>
+        </p:nvSpPr>
+        <p:spPr/>
+        <p:txBody>
+          <a:bodyPr/>
+          <a:lstStyle/>
+          <a:p>
+            <a:r>
+              <a:rPr kumimoji="1" lang="ja-JP" altLang="en-US" dirty="0" smtClean="0"/>
+              <a:t>あまさき（えさ）</a:t>
+            </a:r>
+            <a:endParaRPr kumimoji="1" lang="ja-JP" altLang="en-US" dirty="0"/>
+          </a:p>
+        </p:txBody>
+      </p:sp>
+      <p:sp>
+        <p:nvSpPr>
+          <p:cNvPr id="3" name="コンテンツ プレースホルダー 2"/>
+          <p:cNvSpPr>
+            <a:spLocks noGrp="1"/>
+          </p:cNvSpPr>
+          <p:nvPr>
+            <p:ph idx="1"/>
+          </p:nvPr>
+        </p:nvSpPr>
+        <p:spPr/>
+        <p:txBody>
+          <a:bodyPr/>
+          <a:lstStyle/>
+          <a:p>
+            <a:r>
+              <a:rPr kumimoji="1" lang="ja-JP" altLang="en-US" sz="4000" dirty="0" smtClean="0"/>
+              <a:t>すずきが</a:t>
+            </a:r>
+            <a:r>
+              <a:rPr kumimoji="1" lang="ja-JP" altLang="en-US" sz="4000" dirty="0" smtClean="0"/>
+              <a:t>当たると一時的に動きが止まり、これ以上追って来なくなる</a:t>
+            </a:r>
+            <a:endParaRPr kumimoji="1" lang="en-US" altLang="ja-JP" sz="4000" dirty="0" smtClean="0"/>
+          </a:p>
+          <a:p>
+            <a:endParaRPr lang="en-US" altLang="ja-JP" sz="4000" dirty="0"/>
+          </a:p>
+          <a:p>
+            <a:r>
+              <a:rPr kumimoji="1" lang="ja-JP" altLang="en-US" sz="4000" dirty="0" smtClean="0"/>
+              <a:t>５コ使用可能</a:t>
+            </a:r>
+            <a:endParaRPr kumimoji="1" lang="en-US" altLang="ja-JP" sz="4000" dirty="0" smtClean="0"/>
+          </a:p>
+        </p:txBody>
+      </p:sp>
+      <p:sp>
+        <p:nvSpPr>
+          <p:cNvPr id="4" name="スライド番号プレースホルダー 3"/>
+          <p:cNvSpPr>
+            <a:spLocks noGrp="1"/>
+          </p:cNvSpPr>
+          <p:nvPr>
+            <p:ph type="sldNum" sz="quarter" idx="12"/>
+          </p:nvPr>
+        </p:nvSpPr>
+        <p:spPr/>
+        <p:txBody>
+          <a:bodyPr/>
+          <a:lstStyle/>
+          <a:p>
+            <a:fld id="{FA01AF0C-45ED-4F62-92C7-A07C97864F1B}" type="slidenum">
+              <a:rPr lang="en-US" altLang="ja-JP" smtClean="0"/>
+              <a:pPr/>
+              <a:t>6</a:t>
+            </a:fld>
+            <a:endParaRPr lang="en-US" altLang="ja-JP"/>
+          </a:p>
+        </p:txBody>
+      </p:sp>
+      <p:pic>
+        <p:nvPicPr>
+          <p:cNvPr id="5" name="図 4"/>
+          <p:cNvPicPr>
+            <a:picLocks noChangeAspect="1"/>
+          </p:cNvPicPr>
+          <p:nvPr/>
+        </p:nvPicPr>
+        <p:blipFill>
+          <a:blip r:embed="rId3">
+            <a:extLst>
+              <a:ext uri="{28A0092B-C50C-407E-A947-70E740481C1C}">
+                <a14:useLocalDpi xmlns:a14="http://schemas.microsoft.com/office/drawing/2010/main" val="0"/>
+              </a:ext>
+            </a:extLst>
+          </a:blip>
+          <a:stretch>
+            <a:fillRect/>
+          </a:stretch>
+        </p:blipFill>
+        <p:spPr>
+          <a:xfrm>
+            <a:off x="7104429" y="3842117"/>
+            <a:ext cx="2312621" cy="2312621"/>
+          </a:xfrm>
+          <a:prstGeom prst="rect">
+            <a:avLst/>
+          </a:prstGeom>
+          <a:ln>
+            <a:solidFill>
+              <a:schemeClr val="tx1"/>
+            </a:solidFill>
+          </a:ln>
+        </p:spPr>
+      </p:pic>
+    </p:spTree>
+    <p:extLst>
+      <p:ext uri="{BB962C8B-B14F-4D97-AF65-F5344CB8AC3E}">
+        <p14:creationId xmlns:p14="http://schemas.microsoft.com/office/powerpoint/2010/main" val="3314357624"/>
+      </p:ext>
+    </p:extLst>
+  </p:cSld>
+  <p:clrMapOvr>
+    <a:masterClrMapping/>
+  </p:clrMapOvr>
+  <p:timing>
+    <p:tnLst>
+      <p:par>
+        <p:cTn id="1" dur="indefinite" restart="never" nodeType="tmRoot"/>
+      </p:par>
+    </p:tnLst>
+  </p:timing>
+</p:sld>
+</file>
+
+<file path=ppt/slides/slide8.xml><?xml version="1.0" encoding="utf-8"?>
+<p:sld xmlns:a="http://schemas.openxmlformats.org/drawingml/2006/main" xmlns:r="http://schemas.openxmlformats.org/officeDocument/2006/relationships" xmlns:p="http://schemas.openxmlformats.org/presentationml/2006/main">
+  <p:cSld>
+    <p:spTree>
+      <p:nvGrpSpPr>
+        <p:cNvPr id="1" name=""/>
+        <p:cNvGrpSpPr/>
+        <p:nvPr/>
+      </p:nvGrpSpPr>
+      <p:grpSpPr>
+        <a:xfrm>
+          <a:off x="0" y="0"/>
+          <a:ext cx="0" cy="0"/>
+          <a:chOff x="0" y="0"/>
+          <a:chExt cx="0" cy="0"/>
+        </a:xfrm>
+      </p:grpSpPr>
+      <p:sp>
+        <p:nvSpPr>
+          <p:cNvPr id="2" name="タイトル 1"/>
+          <p:cNvSpPr>
+            <a:spLocks noGrp="1"/>
+          </p:cNvSpPr>
+          <p:nvPr>
+            <p:ph type="title"/>
+          </p:nvPr>
+        </p:nvSpPr>
+        <p:spPr/>
+        <p:txBody>
+          <a:bodyPr/>
+          <a:lstStyle/>
+          <a:p>
+            <a:r>
+              <a:rPr kumimoji="1" lang="ja-JP" altLang="en-US" dirty="0" smtClean="0"/>
+              <a:t>もろげえび</a:t>
+            </a:r>
+            <a:endParaRPr kumimoji="1" lang="ja-JP" altLang="en-US" dirty="0"/>
+          </a:p>
+        </p:txBody>
+      </p:sp>
+      <p:sp>
+        <p:nvSpPr>
+          <p:cNvPr id="4" name="スライド番号プレースホルダー 3"/>
+          <p:cNvSpPr>
+            <a:spLocks noGrp="1"/>
+          </p:cNvSpPr>
+          <p:nvPr>
+            <p:ph type="sldNum" sz="quarter" idx="12"/>
+          </p:nvPr>
+        </p:nvSpPr>
+        <p:spPr/>
+        <p:txBody>
+          <a:bodyPr/>
+          <a:lstStyle/>
+          <a:p>
+            <a:fld id="{FA01AF0C-45ED-4F62-92C7-A07C97864F1B}" type="slidenum">
+              <a:rPr lang="en-US" altLang="ja-JP" smtClean="0"/>
+              <a:pPr/>
+              <a:t>7</a:t>
+            </a:fld>
+            <a:endParaRPr lang="en-US" altLang="ja-JP"/>
+          </a:p>
+        </p:txBody>
+      </p:sp>
+      <p:sp>
+        <p:nvSpPr>
+          <p:cNvPr id="6" name="コンテンツ プレースホルダー 5"/>
+          <p:cNvSpPr>
+            <a:spLocks noGrp="1"/>
+          </p:cNvSpPr>
+          <p:nvPr>
+            <p:ph idx="1"/>
+          </p:nvPr>
+        </p:nvSpPr>
+        <p:spPr/>
+        <p:txBody>
+          <a:bodyPr/>
+          <a:lstStyle/>
+          <a:p>
+            <a:r>
+              <a:rPr kumimoji="1" lang="ja-JP" altLang="en-US" sz="4400" dirty="0" smtClean="0"/>
+              <a:t>サメが当たる</a:t>
+            </a:r>
+            <a:r>
+              <a:rPr kumimoji="1" lang="ja-JP" altLang="en-US" sz="4400" dirty="0" smtClean="0"/>
+              <a:t>とサメの初期</a:t>
+            </a:r>
+            <a:r>
+              <a:rPr kumimoji="1" lang="ja-JP" altLang="en-US" sz="4400" dirty="0" smtClean="0"/>
+              <a:t>位置に戻る</a:t>
+            </a:r>
+            <a:endParaRPr kumimoji="1" lang="en-US" altLang="ja-JP" sz="4400" dirty="0" smtClean="0"/>
+          </a:p>
+          <a:p>
+            <a:endParaRPr kumimoji="1" lang="ja-JP" altLang="en-US" sz="4400" dirty="0"/>
+          </a:p>
+        </p:txBody>
+      </p:sp>
+      <p:pic>
+        <p:nvPicPr>
+          <p:cNvPr id="7" name="コンテンツ プレースホルダー 4"/>
+          <p:cNvPicPr>
+            <a:picLocks noChangeAspect="1"/>
+          </p:cNvPicPr>
+          <p:nvPr/>
+        </p:nvPicPr>
+        <p:blipFill>
+          <a:blip r:embed="rId3">
+            <a:extLst>
+              <a:ext uri="{28A0092B-C50C-407E-A947-70E740481C1C}">
+                <a14:useLocalDpi xmlns:a14="http://schemas.microsoft.com/office/drawing/2010/main" val="0"/>
+              </a:ext>
+            </a:extLst>
+          </a:blip>
+          <a:stretch>
+            <a:fillRect/>
+          </a:stretch>
+        </p:blipFill>
+        <p:spPr bwMode="auto">
+          <a:xfrm>
+            <a:off x="7095965" y="3802480"/>
+            <a:ext cx="2321085" cy="2321085"/>
+          </a:xfrm>
+          <a:prstGeom prst="rect">
+            <a:avLst/>
+          </a:prstGeom>
+          <a:noFill/>
+          <a:ln w="9525">
+            <a:solidFill>
+              <a:schemeClr val="tx1"/>
+            </a:solidFill>
+            <a:miter lim="800000"/>
+            <a:headEnd/>
+            <a:tailEnd/>
+          </a:ln>
+          <a:effectLst/>
+          <a:extLst>
+            <a:ext uri="{909E8E84-426E-40DD-AFC4-6F175D3DCCD1}">
+              <a14:hiddenFill xmlns:a14="http://schemas.microsoft.com/office/drawing/2010/main">
+                <a:solidFill>
+                  <a:schemeClr val="accent1"/>
+                </a:solidFill>
+              </a14:hiddenFill>
+            </a:ext>
+            <a:ext uri="{AF507438-7753-43E0-B8FC-AC1667EBCBE1}">
+              <a14:hiddenEffects xmlns:a14="http://schemas.microsoft.com/office/drawing/2010/main">
+                <a:effectLst>
+                  <a:outerShdw dist="35921" dir="2700000" algn="ctr" rotWithShape="0">
+                    <a:schemeClr val="bg2"/>
+                  </a:outerShdw>
+                </a:effectLst>
+              </a14:hiddenEffects>
+            </a:ext>
+          </a:extLst>
+        </p:spPr>
+      </p:pic>
+    </p:spTree>
+    <p:extLst>
+      <p:ext uri="{BB962C8B-B14F-4D97-AF65-F5344CB8AC3E}">
+        <p14:creationId xmlns:p14="http://schemas.microsoft.com/office/powerpoint/2010/main" val="1556486033"/>
+      </p:ext>
+    </p:extLst>
+  </p:cSld>
+  <p:clrMapOvr>
+    <a:masterClrMapping/>
+  </p:clrMapOvr>
+  <p:timing>
+    <p:tnLst>
+      <p:par>
+        <p:cTn id="1" dur="indefinite" restart="never" nodeType="tmRoot"/>
+      </p:par>
+    </p:tnLst>
+  </p:timing>
+</p:sld>
+</file>
+
+<file path=ppt/slides/slide9.xml><?xml version="1.0" encoding="utf-8"?>
+<p:sld xmlns:a="http://schemas.openxmlformats.org/drawingml/2006/main" xmlns:r="http://schemas.openxmlformats.org/officeDocument/2006/relationships" xmlns:p="http://schemas.openxmlformats.org/presentationml/2006/main">
+  <p:cSld>
+    <p:spTree>
+      <p:nvGrpSpPr>
+        <p:cNvPr id="1" name=""/>
+        <p:cNvGrpSpPr/>
+        <p:nvPr/>
+      </p:nvGrpSpPr>
+      <p:grpSpPr>
+        <a:xfrm>
+          <a:off x="0" y="0"/>
+          <a:ext cx="0" cy="0"/>
+          <a:chOff x="0" y="0"/>
+          <a:chExt cx="0" cy="0"/>
+        </a:xfrm>
+      </p:grpSpPr>
+      <p:sp>
+        <p:nvSpPr>
+          <p:cNvPr id="2" name="タイトル 1"/>
+          <p:cNvSpPr>
+            <a:spLocks noGrp="1"/>
+          </p:cNvSpPr>
+          <p:nvPr>
+            <p:ph type="title"/>
+          </p:nvPr>
+        </p:nvSpPr>
+        <p:spPr/>
+        <p:txBody>
+          <a:bodyPr/>
+          <a:lstStyle/>
+          <a:p>
+            <a:r>
+              <a:rPr kumimoji="1" lang="ja-JP" altLang="en-US" dirty="0" smtClean="0"/>
+              <a:t>あわ</a:t>
+            </a:r>
+            <a:endParaRPr kumimoji="1" lang="ja-JP" altLang="en-US" dirty="0"/>
+          </a:p>
+        </p:txBody>
+      </p:sp>
+      <p:sp>
+        <p:nvSpPr>
+          <p:cNvPr id="3" name="コンテンツ プレースホルダー 2"/>
+          <p:cNvSpPr>
+            <a:spLocks noGrp="1"/>
+          </p:cNvSpPr>
+          <p:nvPr>
+            <p:ph idx="1"/>
+          </p:nvPr>
+        </p:nvSpPr>
+        <p:spPr/>
+        <p:txBody>
+          <a:bodyPr/>
+          <a:lstStyle/>
+          <a:p>
+            <a:r>
+              <a:rPr kumimoji="1" lang="ja-JP" altLang="en-US" sz="4400" dirty="0" smtClean="0"/>
+              <a:t>プレイヤーが触れるとライフを回復する</a:t>
+            </a:r>
+            <a:endParaRPr kumimoji="1" lang="en-US" altLang="ja-JP" sz="4400" dirty="0" smtClean="0"/>
+          </a:p>
+          <a:p>
+            <a:r>
+              <a:rPr kumimoji="1" lang="ja-JP" altLang="en-US" sz="4400" dirty="0" smtClean="0"/>
+              <a:t>一度しか回復できない</a:t>
+            </a:r>
+            <a:endParaRPr kumimoji="1" lang="ja-JP" altLang="en-US" sz="4400" dirty="0"/>
+          </a:p>
+        </p:txBody>
+      </p:sp>
+      <p:sp>
+        <p:nvSpPr>
+          <p:cNvPr id="4" name="スライド番号プレースホルダー 3"/>
+          <p:cNvSpPr>
+            <a:spLocks noGrp="1"/>
+          </p:cNvSpPr>
+          <p:nvPr>
+            <p:ph type="sldNum" sz="quarter" idx="12"/>
+          </p:nvPr>
+        </p:nvSpPr>
+        <p:spPr/>
+        <p:txBody>
+          <a:bodyPr/>
+          <a:lstStyle/>
+          <a:p>
+            <a:fld id="{FA01AF0C-45ED-4F62-92C7-A07C97864F1B}" type="slidenum">
+              <a:rPr lang="en-US" altLang="ja-JP" smtClean="0"/>
+              <a:pPr/>
+              <a:t>8</a:t>
+            </a:fld>
+            <a:endParaRPr lang="en-US" altLang="ja-JP"/>
+          </a:p>
+        </p:txBody>
+      </p:sp>
+      <p:pic>
+        <p:nvPicPr>
+          <p:cNvPr id="5" name="図 4"/>
+          <p:cNvPicPr>
+            <a:picLocks noChangeAspect="1"/>
+          </p:cNvPicPr>
+          <p:nvPr/>
+        </p:nvPicPr>
+        <p:blipFill>
+          <a:blip r:embed="rId3">
+            <a:extLst>
+              <a:ext uri="{28A0092B-C50C-407E-A947-70E740481C1C}">
+                <a14:useLocalDpi xmlns:a14="http://schemas.microsoft.com/office/drawing/2010/main" val="0"/>
+              </a:ext>
+            </a:extLst>
+          </a:blip>
+          <a:stretch>
+            <a:fillRect/>
+          </a:stretch>
+        </p:blipFill>
+        <p:spPr>
+          <a:xfrm>
+            <a:off x="6818596" y="3573016"/>
+            <a:ext cx="2906735" cy="2906735"/>
+          </a:xfrm>
+          <a:prstGeom prst="rect">
+            <a:avLst/>
+          </a:prstGeom>
+          <a:ln>
+            <a:solidFill>
+              <a:schemeClr val="tx1"/>
+            </a:solidFill>
+          </a:ln>
+        </p:spPr>
+      </p:pic>
+    </p:spTree>
+    <p:extLst>
+      <p:ext uri="{BB962C8B-B14F-4D97-AF65-F5344CB8AC3E}">
+        <p14:creationId xmlns:p14="http://schemas.microsoft.com/office/powerpoint/2010/main" val="4065382186"/>
+      </p:ext>
+    </p:extLst>
+  </p:cSld>
+  <p:clrMapOvr>
+    <a:masterClrMapping/>
+  </p:clrMapOvr>
+  <p:timing>
+    <p:tnLst>
+      <p:par>
+        <p:cTn id="1" dur="indefinite" restart="never" nodeType="tmRoot"/>
+      </p:par>
+    </p:tnLst>
+  </p:timing>
 </p:sld>
 </file>
 
